--- a/Project/Context/tempora.context.pptx
+++ b/Project/Context/tempora.context.pptx
@@ -8,6 +8,13 @@
     <p:sldId id="256" r:id="rId2"/>
     <p:sldId id="257" r:id="rId3"/>
     <p:sldId id="258" r:id="rId4"/>
+    <p:sldId id="260" r:id="rId5"/>
+    <p:sldId id="259" r:id="rId6"/>
+    <p:sldId id="265" r:id="rId7"/>
+    <p:sldId id="261" r:id="rId8"/>
+    <p:sldId id="262" r:id="rId9"/>
+    <p:sldId id="263" r:id="rId10"/>
+    <p:sldId id="264" r:id="rId11"/>
   </p:sldIdLst>
   <p:sldSz cx="12192000" cy="6858000"/>
   <p:notesSz cx="6858000" cy="9144000"/>
@@ -760,7 +767,7 @@
           <a:p>
             <a:fld id="{CA7562F1-D84A-4873-AB67-5B203484F720}" type="datetimeFigureOut">
               <a:rPr lang="es-CO" smtClean="0"/>
-              <a:t>4/04/2025</a:t>
+              <a:t>8/04/2025</a:t>
             </a:fld>
             <a:endParaRPr lang="es-CO"/>
           </a:p>
@@ -1880,7 +1887,7 @@
           <a:p>
             <a:fld id="{CA7562F1-D84A-4873-AB67-5B203484F720}" type="datetimeFigureOut">
               <a:rPr lang="es-CO" smtClean="0"/>
-              <a:t>4/04/2025</a:t>
+              <a:t>8/04/2025</a:t>
             </a:fld>
             <a:endParaRPr lang="es-CO"/>
           </a:p>
@@ -2891,7 +2898,7 @@
           <a:p>
             <a:fld id="{CA7562F1-D84A-4873-AB67-5B203484F720}" type="datetimeFigureOut">
               <a:rPr lang="es-CO" smtClean="0"/>
-              <a:t>4/04/2025</a:t>
+              <a:t>8/04/2025</a:t>
             </a:fld>
             <a:endParaRPr lang="es-CO"/>
           </a:p>
@@ -4061,7 +4068,7 @@
           <a:p>
             <a:fld id="{CA7562F1-D84A-4873-AB67-5B203484F720}" type="datetimeFigureOut">
               <a:rPr lang="es-CO" smtClean="0"/>
-              <a:t>4/04/2025</a:t>
+              <a:t>8/04/2025</a:t>
             </a:fld>
             <a:endParaRPr lang="es-CO"/>
           </a:p>
@@ -5122,7 +5129,7 @@
           <a:p>
             <a:fld id="{CA7562F1-D84A-4873-AB67-5B203484F720}" type="datetimeFigureOut">
               <a:rPr lang="es-CO" smtClean="0"/>
-              <a:t>4/04/2025</a:t>
+              <a:t>8/04/2025</a:t>
             </a:fld>
             <a:endParaRPr lang="es-CO"/>
           </a:p>
@@ -5768,7 +5775,7 @@
           <a:p>
             <a:fld id="{CA7562F1-D84A-4873-AB67-5B203484F720}" type="datetimeFigureOut">
               <a:rPr lang="es-CO" smtClean="0"/>
-              <a:t>4/04/2025</a:t>
+              <a:t>8/04/2025</a:t>
             </a:fld>
             <a:endParaRPr lang="es-CO"/>
           </a:p>
@@ -6615,7 +6622,7 @@
           <a:p>
             <a:fld id="{CA7562F1-D84A-4873-AB67-5B203484F720}" type="datetimeFigureOut">
               <a:rPr lang="es-CO" smtClean="0"/>
-              <a:t>4/04/2025</a:t>
+              <a:t>8/04/2025</a:t>
             </a:fld>
             <a:endParaRPr lang="es-CO"/>
           </a:p>
@@ -6790,7 +6797,7 @@
           <a:p>
             <a:fld id="{CA7562F1-D84A-4873-AB67-5B203484F720}" type="datetimeFigureOut">
               <a:rPr lang="es-CO" smtClean="0"/>
-              <a:t>4/04/2025</a:t>
+              <a:t>8/04/2025</a:t>
             </a:fld>
             <a:endParaRPr lang="es-CO"/>
           </a:p>
@@ -7788,7 +7795,7 @@
           <a:p>
             <a:fld id="{CA7562F1-D84A-4873-AB67-5B203484F720}" type="datetimeFigureOut">
               <a:rPr lang="es-CO" smtClean="0"/>
-              <a:t>4/04/2025</a:t>
+              <a:t>8/04/2025</a:t>
             </a:fld>
             <a:endParaRPr lang="es-CO"/>
           </a:p>
@@ -7994,7 +8001,7 @@
           <a:p>
             <a:fld id="{CA7562F1-D84A-4873-AB67-5B203484F720}" type="datetimeFigureOut">
               <a:rPr lang="es-CO" smtClean="0"/>
-              <a:t>4/04/2025</a:t>
+              <a:t>8/04/2025</a:t>
             </a:fld>
             <a:endParaRPr lang="es-CO"/>
           </a:p>
@@ -9056,7 +9063,7 @@
           <a:p>
             <a:fld id="{CA7562F1-D84A-4873-AB67-5B203484F720}" type="datetimeFigureOut">
               <a:rPr lang="es-CO" smtClean="0"/>
-              <a:t>4/04/2025</a:t>
+              <a:t>8/04/2025</a:t>
             </a:fld>
             <a:endParaRPr lang="es-CO"/>
           </a:p>
@@ -9328,7 +9335,7 @@
           <a:p>
             <a:fld id="{CA7562F1-D84A-4873-AB67-5B203484F720}" type="datetimeFigureOut">
               <a:rPr lang="es-CO" smtClean="0"/>
-              <a:t>4/04/2025</a:t>
+              <a:t>8/04/2025</a:t>
             </a:fld>
             <a:endParaRPr lang="es-CO"/>
           </a:p>
@@ -9710,7 +9717,7 @@
           <a:p>
             <a:fld id="{CA7562F1-D84A-4873-AB67-5B203484F720}" type="datetimeFigureOut">
               <a:rPr lang="es-CO" smtClean="0"/>
-              <a:t>4/04/2025</a:t>
+              <a:t>8/04/2025</a:t>
             </a:fld>
             <a:endParaRPr lang="es-CO"/>
           </a:p>
@@ -9828,7 +9835,7 @@
           <a:p>
             <a:fld id="{CA7562F1-D84A-4873-AB67-5B203484F720}" type="datetimeFigureOut">
               <a:rPr lang="es-CO" smtClean="0"/>
-              <a:t>4/04/2025</a:t>
+              <a:t>8/04/2025</a:t>
             </a:fld>
             <a:endParaRPr lang="es-CO"/>
           </a:p>
@@ -9923,7 +9930,7 @@
           <a:p>
             <a:fld id="{CA7562F1-D84A-4873-AB67-5B203484F720}" type="datetimeFigureOut">
               <a:rPr lang="es-CO" smtClean="0"/>
-              <a:t>4/04/2025</a:t>
+              <a:t>8/04/2025</a:t>
             </a:fld>
             <a:endParaRPr lang="es-CO"/>
           </a:p>
@@ -11032,7 +11039,7 @@
           <a:p>
             <a:fld id="{CA7562F1-D84A-4873-AB67-5B203484F720}" type="datetimeFigureOut">
               <a:rPr lang="es-CO" smtClean="0"/>
-              <a:t>4/04/2025</a:t>
+              <a:t>8/04/2025</a:t>
             </a:fld>
             <a:endParaRPr lang="es-CO"/>
           </a:p>
@@ -12165,7 +12172,7 @@
           <a:p>
             <a:fld id="{CA7562F1-D84A-4873-AB67-5B203484F720}" type="datetimeFigureOut">
               <a:rPr lang="es-CO" smtClean="0"/>
-              <a:t>4/04/2025</a:t>
+              <a:t>8/04/2025</a:t>
             </a:fld>
             <a:endParaRPr lang="es-CO"/>
           </a:p>
@@ -13193,7 +13200,7 @@
           <a:p>
             <a:fld id="{CA7562F1-D84A-4873-AB67-5B203484F720}" type="datetimeFigureOut">
               <a:rPr lang="es-CO" smtClean="0"/>
-              <a:t>4/04/2025</a:t>
+              <a:t>8/04/2025</a:t>
             </a:fld>
             <a:endParaRPr lang="es-CO"/>
           </a:p>
@@ -13827,6 +13834,1574 @@
 </p:sld>
 </file>
 
+<file path=ppt/slides/slide10.xml><?xml version="1.0" encoding="utf-8"?>
+<p:sld xmlns:a="http://schemas.openxmlformats.org/drawingml/2006/main" xmlns:r="http://schemas.openxmlformats.org/officeDocument/2006/relationships" xmlns:p="http://schemas.openxmlformats.org/presentationml/2006/main">
+  <p:cSld>
+    <p:spTree>
+      <p:nvGrpSpPr>
+        <p:cNvPr id="1" name=""/>
+        <p:cNvGrpSpPr/>
+        <p:nvPr/>
+      </p:nvGrpSpPr>
+      <p:grpSpPr>
+        <a:xfrm>
+          <a:off x="0" y="0"/>
+          <a:ext cx="0" cy="0"/>
+          <a:chOff x="0" y="0"/>
+          <a:chExt cx="0" cy="0"/>
+        </a:xfrm>
+      </p:grpSpPr>
+      <p:sp>
+        <p:nvSpPr>
+          <p:cNvPr id="2" name="Título 1">
+            <a:extLst>
+              <a:ext uri="{FF2B5EF4-FFF2-40B4-BE49-F238E27FC236}">
+                <a16:creationId xmlns:a16="http://schemas.microsoft.com/office/drawing/2014/main" id="{41B7662D-4FFA-BEC0-DFD8-59BE318C1E6C}"/>
+              </a:ext>
+            </a:extLst>
+          </p:cNvPr>
+          <p:cNvSpPr>
+            <a:spLocks noGrp="1"/>
+          </p:cNvSpPr>
+          <p:nvPr>
+            <p:ph type="title"/>
+          </p:nvPr>
+        </p:nvSpPr>
+        <p:spPr/>
+        <p:txBody>
+          <a:bodyPr/>
+          <a:lstStyle/>
+          <a:p>
+            <a:r>
+              <a:rPr lang="es-CO" dirty="0"/>
+              <a:t>Ponderación</a:t>
+            </a:r>
+          </a:p>
+        </p:txBody>
+      </p:sp>
+      <p:graphicFrame>
+        <p:nvGraphicFramePr>
+          <p:cNvPr id="4" name="Marcador de contenido 3">
+            <a:extLst>
+              <a:ext uri="{FF2B5EF4-FFF2-40B4-BE49-F238E27FC236}">
+                <a16:creationId xmlns:a16="http://schemas.microsoft.com/office/drawing/2014/main" id="{F0B363B1-07E7-BB45-7CA4-E2E9983345AA}"/>
+              </a:ext>
+            </a:extLst>
+          </p:cNvPr>
+          <p:cNvGraphicFramePr>
+            <a:graphicFrameLocks noGrp="1"/>
+          </p:cNvGraphicFramePr>
+          <p:nvPr>
+            <p:ph idx="1"/>
+            <p:extLst>
+              <p:ext uri="{D42A27DB-BD31-4B8C-83A1-F6EECF244321}">
+                <p14:modId xmlns:p14="http://schemas.microsoft.com/office/powerpoint/2010/main" val="238730356"/>
+              </p:ext>
+            </p:extLst>
+          </p:nvPr>
+        </p:nvGraphicFramePr>
+        <p:xfrm>
+          <a:off x="597559" y="2546772"/>
+          <a:ext cx="11230262" cy="3620770"/>
+        </p:xfrm>
+        <a:graphic>
+          <a:graphicData uri="http://schemas.openxmlformats.org/drawingml/2006/table">
+            <a:tbl>
+              <a:tblPr firstRow="1" bandRow="1">
+                <a:tableStyleId>{5C22544A-7EE6-4342-B048-85BDC9FD1C3A}</a:tableStyleId>
+              </a:tblPr>
+              <a:tblGrid>
+                <a:gridCol w="1604323">
+                  <a:extLst>
+                    <a:ext uri="{9D8B030D-6E8A-4147-A177-3AD203B41FA5}">
+                      <a16:colId xmlns:a16="http://schemas.microsoft.com/office/drawing/2014/main" val="638097489"/>
+                    </a:ext>
+                  </a:extLst>
+                </a:gridCol>
+                <a:gridCol w="3011386">
+                  <a:extLst>
+                    <a:ext uri="{9D8B030D-6E8A-4147-A177-3AD203B41FA5}">
+                      <a16:colId xmlns:a16="http://schemas.microsoft.com/office/drawing/2014/main" val="3130428407"/>
+                    </a:ext>
+                  </a:extLst>
+                </a:gridCol>
+                <a:gridCol w="2707574">
+                  <a:extLst>
+                    <a:ext uri="{9D8B030D-6E8A-4147-A177-3AD203B41FA5}">
+                      <a16:colId xmlns:a16="http://schemas.microsoft.com/office/drawing/2014/main" val="3860898584"/>
+                    </a:ext>
+                  </a:extLst>
+                </a:gridCol>
+                <a:gridCol w="914400">
+                  <a:extLst>
+                    <a:ext uri="{9D8B030D-6E8A-4147-A177-3AD203B41FA5}">
+                      <a16:colId xmlns:a16="http://schemas.microsoft.com/office/drawing/2014/main" val="179855878"/>
+                    </a:ext>
+                  </a:extLst>
+                </a:gridCol>
+                <a:gridCol w="1045028">
+                  <a:extLst>
+                    <a:ext uri="{9D8B030D-6E8A-4147-A177-3AD203B41FA5}">
+                      <a16:colId xmlns:a16="http://schemas.microsoft.com/office/drawing/2014/main" val="1006016014"/>
+                    </a:ext>
+                  </a:extLst>
+                </a:gridCol>
+                <a:gridCol w="950026">
+                  <a:extLst>
+                    <a:ext uri="{9D8B030D-6E8A-4147-A177-3AD203B41FA5}">
+                      <a16:colId xmlns:a16="http://schemas.microsoft.com/office/drawing/2014/main" val="2112382220"/>
+                    </a:ext>
+                  </a:extLst>
+                </a:gridCol>
+                <a:gridCol w="997525">
+                  <a:extLst>
+                    <a:ext uri="{9D8B030D-6E8A-4147-A177-3AD203B41FA5}">
+                      <a16:colId xmlns:a16="http://schemas.microsoft.com/office/drawing/2014/main" val="3798805055"/>
+                    </a:ext>
+                  </a:extLst>
+                </a:gridCol>
+              </a:tblGrid>
+              <a:tr h="370840">
+                <a:tc>
+                  <a:txBody>
+                    <a:bodyPr/>
+                    <a:lstStyle/>
+                    <a:p>
+                      <a:pPr algn="ctr" fontAlgn="ctr"/>
+                      <a:r>
+                        <a:rPr lang="es-CO" sz="1100" b="1" i="0" u="none" strike="noStrike" dirty="0">
+                          <a:solidFill>
+                            <a:srgbClr val="000000"/>
+                          </a:solidFill>
+                          <a:effectLst/>
+                          <a:latin typeface="Century Gothic (Cuerpo)"/>
+                        </a:rPr>
+                        <a:t>Atributo</a:t>
+                      </a:r>
+                    </a:p>
+                  </a:txBody>
+                  <a:tcPr marL="9525" marR="9525" marT="9525" marB="0" anchor="ctr"/>
+                </a:tc>
+                <a:tc>
+                  <a:txBody>
+                    <a:bodyPr/>
+                    <a:lstStyle/>
+                    <a:p>
+                      <a:pPr algn="ctr" fontAlgn="ctr"/>
+                      <a:r>
+                        <a:rPr lang="es-ES" sz="1100" b="1" i="0" u="none" strike="noStrike" dirty="0">
+                          <a:solidFill>
+                            <a:srgbClr val="000000"/>
+                          </a:solidFill>
+                          <a:effectLst/>
+                          <a:latin typeface="Century Gothic (Cuerpo)"/>
+                        </a:rPr>
+                        <a:t>Descripción</a:t>
+                      </a:r>
+                    </a:p>
+                  </a:txBody>
+                  <a:tcPr marL="9525" marR="9525" marT="9525" marB="0" anchor="ctr"/>
+                </a:tc>
+                <a:tc>
+                  <a:txBody>
+                    <a:bodyPr/>
+                    <a:lstStyle/>
+                    <a:p>
+                      <a:pPr algn="ctr" fontAlgn="ctr"/>
+                      <a:r>
+                        <a:rPr lang="es-CO" sz="1100" b="1" i="0" u="none" strike="noStrike" dirty="0">
+                          <a:solidFill>
+                            <a:srgbClr val="000000"/>
+                          </a:solidFill>
+                          <a:effectLst/>
+                          <a:latin typeface="Century Gothic (Cuerpo)"/>
+                        </a:rPr>
+                        <a:t>Métrica de evaluación</a:t>
+                      </a:r>
+                    </a:p>
+                  </a:txBody>
+                  <a:tcPr marL="9525" marR="9525" marT="9525" marB="0" anchor="ctr"/>
+                </a:tc>
+                <a:tc>
+                  <a:txBody>
+                    <a:bodyPr/>
+                    <a:lstStyle/>
+                    <a:p>
+                      <a:pPr algn="ctr" fontAlgn="ctr"/>
+                      <a:r>
+                        <a:rPr lang="es-CO" sz="1100" b="1" i="0" u="none" strike="noStrike">
+                          <a:solidFill>
+                            <a:srgbClr val="000000"/>
+                          </a:solidFill>
+                          <a:effectLst/>
+                          <a:latin typeface="Century Gothic (Cuerpo)"/>
+                        </a:rPr>
+                        <a:t>Impacto</a:t>
+                      </a:r>
+                    </a:p>
+                  </a:txBody>
+                  <a:tcPr marL="9525" marR="9525" marT="9525" marB="0" anchor="ctr"/>
+                </a:tc>
+                <a:tc>
+                  <a:txBody>
+                    <a:bodyPr/>
+                    <a:lstStyle/>
+                    <a:p>
+                      <a:pPr algn="ctr" fontAlgn="ctr"/>
+                      <a:r>
+                        <a:rPr lang="es-CO" sz="1100" b="1" i="0" u="none" strike="noStrike">
+                          <a:solidFill>
+                            <a:srgbClr val="000000"/>
+                          </a:solidFill>
+                          <a:effectLst/>
+                          <a:latin typeface="Century Gothic (Cuerpo)"/>
+                        </a:rPr>
+                        <a:t>Dificultad</a:t>
+                      </a:r>
+                    </a:p>
+                  </a:txBody>
+                  <a:tcPr marL="9525" marR="9525" marT="9525" marB="0" anchor="ctr"/>
+                </a:tc>
+                <a:tc>
+                  <a:txBody>
+                    <a:bodyPr/>
+                    <a:lstStyle/>
+                    <a:p>
+                      <a:pPr algn="ctr" fontAlgn="ctr"/>
+                      <a:r>
+                        <a:rPr lang="es-CO" sz="1100" b="1" i="0" u="none" strike="noStrike">
+                          <a:solidFill>
+                            <a:srgbClr val="000000"/>
+                          </a:solidFill>
+                          <a:effectLst/>
+                          <a:latin typeface="Century Gothic (Cuerpo)"/>
+                        </a:rPr>
+                        <a:t>Peso</a:t>
+                      </a:r>
+                    </a:p>
+                  </a:txBody>
+                  <a:tcPr marL="9525" marR="9525" marT="9525" marB="0" anchor="ctr"/>
+                </a:tc>
+                <a:tc>
+                  <a:txBody>
+                    <a:bodyPr/>
+                    <a:lstStyle/>
+                    <a:p>
+                      <a:pPr algn="ctr" fontAlgn="ctr"/>
+                      <a:r>
+                        <a:rPr lang="es-CO" sz="1100" b="1" i="0" u="none" strike="noStrike">
+                          <a:solidFill>
+                            <a:srgbClr val="000000"/>
+                          </a:solidFill>
+                          <a:effectLst/>
+                          <a:latin typeface="Century Gothic (Cuerpo)"/>
+                        </a:rPr>
+                        <a:t>Valor</a:t>
+                      </a:r>
+                    </a:p>
+                  </a:txBody>
+                  <a:tcPr marL="9525" marR="9525" marT="9525" marB="0" anchor="ctr"/>
+                </a:tc>
+                <a:extLst>
+                  <a:ext uri="{0D108BD9-81ED-4DB2-BD59-A6C34878D82A}">
+                    <a16:rowId xmlns:a16="http://schemas.microsoft.com/office/drawing/2014/main" val="2619285217"/>
+                  </a:ext>
+                </a:extLst>
+              </a:tr>
+              <a:tr h="370840">
+                <a:tc>
+                  <a:txBody>
+                    <a:bodyPr/>
+                    <a:lstStyle/>
+                    <a:p>
+                      <a:pPr algn="l" fontAlgn="ctr"/>
+                      <a:r>
+                        <a:rPr lang="es-CO" sz="1100" b="1" i="0" u="none" strike="noStrike">
+                          <a:solidFill>
+                            <a:srgbClr val="000000"/>
+                          </a:solidFill>
+                          <a:effectLst/>
+                          <a:latin typeface="Century Gothic (Cuerpo)"/>
+                        </a:rPr>
+                        <a:t>Seguridad</a:t>
+                      </a:r>
+                    </a:p>
+                  </a:txBody>
+                  <a:tcPr marL="9525" marR="9525" marT="9525" marB="0" anchor="ctr"/>
+                </a:tc>
+                <a:tc>
+                  <a:txBody>
+                    <a:bodyPr/>
+                    <a:lstStyle/>
+                    <a:p>
+                      <a:pPr algn="l" fontAlgn="ctr"/>
+                      <a:r>
+                        <a:rPr lang="es-ES" sz="1100" b="0" i="0" u="none" strike="noStrike">
+                          <a:solidFill>
+                            <a:srgbClr val="000000"/>
+                          </a:solidFill>
+                          <a:effectLst/>
+                          <a:latin typeface="Century Gothic (Cuerpo)"/>
+                        </a:rPr>
+                        <a:t>Proteger la información del cliente durante la compra (transacciones, datos personales)</a:t>
+                      </a:r>
+                    </a:p>
+                  </a:txBody>
+                  <a:tcPr marL="9525" marR="9525" marT="9525" marB="0" anchor="ctr"/>
+                </a:tc>
+                <a:tc>
+                  <a:txBody>
+                    <a:bodyPr/>
+                    <a:lstStyle/>
+                    <a:p>
+                      <a:pPr algn="l" fontAlgn="ctr"/>
+                      <a:r>
+                        <a:rPr lang="es-ES" sz="1100" b="0" i="0" u="none" strike="noStrike" dirty="0">
+                          <a:solidFill>
+                            <a:srgbClr val="000000"/>
+                          </a:solidFill>
+                          <a:effectLst/>
+                          <a:latin typeface="Century Gothic (Cuerpo)"/>
+                        </a:rPr>
+                        <a:t>Uso de HTTPS, cifrado, cumplimiento de estándares, no vulnerabilidades</a:t>
+                      </a:r>
+                    </a:p>
+                  </a:txBody>
+                  <a:tcPr marL="9525" marR="9525" marT="9525" marB="0" anchor="ctr"/>
+                </a:tc>
+                <a:tc>
+                  <a:txBody>
+                    <a:bodyPr/>
+                    <a:lstStyle/>
+                    <a:p>
+                      <a:pPr algn="ctr" fontAlgn="ctr"/>
+                      <a:r>
+                        <a:rPr lang="es-CO" sz="1100" b="0" i="0" u="none" strike="noStrike">
+                          <a:solidFill>
+                            <a:srgbClr val="000000"/>
+                          </a:solidFill>
+                          <a:effectLst/>
+                          <a:latin typeface="Century Gothic (Cuerpo)"/>
+                        </a:rPr>
+                        <a:t>3</a:t>
+                      </a:r>
+                    </a:p>
+                  </a:txBody>
+                  <a:tcPr marL="9525" marR="9525" marT="9525" marB="0" anchor="ctr"/>
+                </a:tc>
+                <a:tc>
+                  <a:txBody>
+                    <a:bodyPr/>
+                    <a:lstStyle/>
+                    <a:p>
+                      <a:pPr algn="ctr" fontAlgn="ctr"/>
+                      <a:r>
+                        <a:rPr lang="es-CO" sz="1100" b="0" i="0" u="none" strike="noStrike">
+                          <a:solidFill>
+                            <a:srgbClr val="000000"/>
+                          </a:solidFill>
+                          <a:effectLst/>
+                          <a:latin typeface="Century Gothic (Cuerpo)"/>
+                        </a:rPr>
+                        <a:t>3</a:t>
+                      </a:r>
+                    </a:p>
+                  </a:txBody>
+                  <a:tcPr marL="9525" marR="9525" marT="9525" marB="0" anchor="ctr"/>
+                </a:tc>
+                <a:tc>
+                  <a:txBody>
+                    <a:bodyPr/>
+                    <a:lstStyle/>
+                    <a:p>
+                      <a:pPr algn="ctr" rtl="0" fontAlgn="ctr"/>
+                      <a:r>
+                        <a:rPr lang="es-CO" sz="1100" b="0" i="0" u="none" strike="noStrike">
+                          <a:solidFill>
+                            <a:srgbClr val="000000"/>
+                          </a:solidFill>
+                          <a:effectLst/>
+                          <a:latin typeface="Century Gothic (Cuerpo)"/>
+                        </a:rPr>
+                        <a:t>15%</a:t>
+                      </a:r>
+                    </a:p>
+                  </a:txBody>
+                  <a:tcPr marL="9525" marR="9525" marT="9525" marB="0" anchor="ctr"/>
+                </a:tc>
+                <a:tc>
+                  <a:txBody>
+                    <a:bodyPr/>
+                    <a:lstStyle/>
+                    <a:p>
+                      <a:pPr algn="ctr" fontAlgn="ctr"/>
+                      <a:r>
+                        <a:rPr lang="es-CO" sz="1100" b="0" i="0" u="none" strike="noStrike">
+                          <a:solidFill>
+                            <a:srgbClr val="000000"/>
+                          </a:solidFill>
+                          <a:effectLst/>
+                          <a:latin typeface="Century Gothic (Cuerpo)"/>
+                        </a:rPr>
+                        <a:t>90,0</a:t>
+                      </a:r>
+                    </a:p>
+                  </a:txBody>
+                  <a:tcPr marL="9525" marR="9525" marT="9525" marB="0" anchor="ctr"/>
+                </a:tc>
+                <a:extLst>
+                  <a:ext uri="{0D108BD9-81ED-4DB2-BD59-A6C34878D82A}">
+                    <a16:rowId xmlns:a16="http://schemas.microsoft.com/office/drawing/2014/main" val="769556295"/>
+                  </a:ext>
+                </a:extLst>
+              </a:tr>
+              <a:tr h="370840">
+                <a:tc>
+                  <a:txBody>
+                    <a:bodyPr/>
+                    <a:lstStyle/>
+                    <a:p>
+                      <a:pPr algn="l" fontAlgn="ctr"/>
+                      <a:r>
+                        <a:rPr lang="es-CO" sz="1100" b="1" i="0" u="none" strike="noStrike">
+                          <a:solidFill>
+                            <a:srgbClr val="000000"/>
+                          </a:solidFill>
+                          <a:effectLst/>
+                          <a:latin typeface="Century Gothic (Cuerpo)"/>
+                        </a:rPr>
+                        <a:t>Usabilidad</a:t>
+                      </a:r>
+                    </a:p>
+                  </a:txBody>
+                  <a:tcPr marL="9525" marR="9525" marT="9525" marB="0" anchor="ctr"/>
+                </a:tc>
+                <a:tc>
+                  <a:txBody>
+                    <a:bodyPr/>
+                    <a:lstStyle/>
+                    <a:p>
+                      <a:pPr algn="l" fontAlgn="ctr"/>
+                      <a:r>
+                        <a:rPr lang="es-CO" sz="1100" b="0" i="0" u="none" strike="noStrike">
+                          <a:solidFill>
+                            <a:srgbClr val="000000"/>
+                          </a:solidFill>
+                          <a:effectLst/>
+                          <a:latin typeface="Century Gothic (Cuerpo)"/>
+                        </a:rPr>
+                        <a:t>Interfaz visual elegante, intuitiva y alineada a la marca</a:t>
+                      </a:r>
+                    </a:p>
+                  </a:txBody>
+                  <a:tcPr marL="9525" marR="9525" marT="9525" marB="0" anchor="ctr"/>
+                </a:tc>
+                <a:tc>
+                  <a:txBody>
+                    <a:bodyPr/>
+                    <a:lstStyle/>
+                    <a:p>
+                      <a:pPr algn="l" fontAlgn="ctr"/>
+                      <a:r>
+                        <a:rPr lang="es-ES" sz="1100" b="0" i="0" u="none" strike="noStrike">
+                          <a:solidFill>
+                            <a:srgbClr val="000000"/>
+                          </a:solidFill>
+                          <a:effectLst/>
+                          <a:latin typeface="Century Gothic (Cuerpo)"/>
+                        </a:rPr>
+                        <a:t>Pruebas con usuarios, satisfacción ≥ </a:t>
+                      </a:r>
+                      <a:r>
+                        <a:rPr lang="es-ES" sz="1100" b="1" i="0" u="none" strike="noStrike">
+                          <a:solidFill>
+                            <a:srgbClr val="000000"/>
+                          </a:solidFill>
+                          <a:effectLst/>
+                          <a:latin typeface="Century Gothic (Cuerpo)"/>
+                        </a:rPr>
+                        <a:t>80%</a:t>
+                      </a:r>
+                      <a:r>
+                        <a:rPr lang="es-ES" sz="1100" b="0" i="0" u="none" strike="noStrike">
+                          <a:solidFill>
+                            <a:srgbClr val="000000"/>
+                          </a:solidFill>
+                          <a:effectLst/>
+                          <a:latin typeface="Century Gothic (Cuerpo)"/>
+                        </a:rPr>
+                        <a:t>, evaluación heurística</a:t>
+                      </a:r>
+                    </a:p>
+                  </a:txBody>
+                  <a:tcPr marL="9525" marR="9525" marT="9525" marB="0" anchor="ctr"/>
+                </a:tc>
+                <a:tc>
+                  <a:txBody>
+                    <a:bodyPr/>
+                    <a:lstStyle/>
+                    <a:p>
+                      <a:pPr algn="ctr" fontAlgn="ctr"/>
+                      <a:r>
+                        <a:rPr lang="es-CO" sz="1100" b="0" i="0" u="none" strike="noStrike">
+                          <a:solidFill>
+                            <a:srgbClr val="000000"/>
+                          </a:solidFill>
+                          <a:effectLst/>
+                          <a:latin typeface="Century Gothic (Cuerpo)"/>
+                        </a:rPr>
+                        <a:t>3</a:t>
+                      </a:r>
+                    </a:p>
+                  </a:txBody>
+                  <a:tcPr marL="9525" marR="9525" marT="9525" marB="0" anchor="ctr"/>
+                </a:tc>
+                <a:tc>
+                  <a:txBody>
+                    <a:bodyPr/>
+                    <a:lstStyle/>
+                    <a:p>
+                      <a:pPr algn="ctr" fontAlgn="ctr"/>
+                      <a:r>
+                        <a:rPr lang="es-CO" sz="1100" b="0" i="0" u="none" strike="noStrike">
+                          <a:solidFill>
+                            <a:srgbClr val="000000"/>
+                          </a:solidFill>
+                          <a:effectLst/>
+                          <a:latin typeface="Century Gothic (Cuerpo)"/>
+                        </a:rPr>
+                        <a:t>1</a:t>
+                      </a:r>
+                    </a:p>
+                  </a:txBody>
+                  <a:tcPr marL="9525" marR="9525" marT="9525" marB="0" anchor="ctr"/>
+                </a:tc>
+                <a:tc>
+                  <a:txBody>
+                    <a:bodyPr/>
+                    <a:lstStyle/>
+                    <a:p>
+                      <a:pPr algn="ctr" rtl="0" fontAlgn="ctr"/>
+                      <a:r>
+                        <a:rPr lang="es-CO" sz="1100" b="0" i="0" u="none" strike="noStrike">
+                          <a:solidFill>
+                            <a:srgbClr val="000000"/>
+                          </a:solidFill>
+                          <a:effectLst/>
+                          <a:latin typeface="Century Gothic (Cuerpo)"/>
+                        </a:rPr>
+                        <a:t>20%</a:t>
+                      </a:r>
+                    </a:p>
+                  </a:txBody>
+                  <a:tcPr marL="9525" marR="9525" marT="9525" marB="0" anchor="ctr"/>
+                </a:tc>
+                <a:tc>
+                  <a:txBody>
+                    <a:bodyPr/>
+                    <a:lstStyle/>
+                    <a:p>
+                      <a:pPr algn="ctr" fontAlgn="ctr"/>
+                      <a:r>
+                        <a:rPr lang="es-CO" sz="1100" b="0" i="0" u="none" strike="noStrike">
+                          <a:solidFill>
+                            <a:srgbClr val="000000"/>
+                          </a:solidFill>
+                          <a:effectLst/>
+                          <a:latin typeface="Century Gothic (Cuerpo)"/>
+                        </a:rPr>
+                        <a:t>80,0</a:t>
+                      </a:r>
+                    </a:p>
+                  </a:txBody>
+                  <a:tcPr marL="9525" marR="9525" marT="9525" marB="0" anchor="ctr"/>
+                </a:tc>
+                <a:extLst>
+                  <a:ext uri="{0D108BD9-81ED-4DB2-BD59-A6C34878D82A}">
+                    <a16:rowId xmlns:a16="http://schemas.microsoft.com/office/drawing/2014/main" val="1033695951"/>
+                  </a:ext>
+                </a:extLst>
+              </a:tr>
+              <a:tr h="370840">
+                <a:tc>
+                  <a:txBody>
+                    <a:bodyPr/>
+                    <a:lstStyle/>
+                    <a:p>
+                      <a:pPr algn="l" fontAlgn="ctr"/>
+                      <a:r>
+                        <a:rPr lang="es-CO" sz="1100" b="1" i="0" u="none" strike="noStrike">
+                          <a:solidFill>
+                            <a:srgbClr val="000000"/>
+                          </a:solidFill>
+                          <a:effectLst/>
+                          <a:latin typeface="Century Gothic (Cuerpo)"/>
+                        </a:rPr>
+                        <a:t>Rendimiento y Eficiencia</a:t>
+                      </a:r>
+                    </a:p>
+                  </a:txBody>
+                  <a:tcPr marL="9525" marR="9525" marT="9525" marB="0" anchor="ctr"/>
+                </a:tc>
+                <a:tc>
+                  <a:txBody>
+                    <a:bodyPr/>
+                    <a:lstStyle/>
+                    <a:p>
+                      <a:pPr algn="l" fontAlgn="ctr"/>
+                      <a:r>
+                        <a:rPr lang="es-ES" sz="1100" b="0" i="0" u="none" strike="noStrike">
+                          <a:solidFill>
+                            <a:srgbClr val="000000"/>
+                          </a:solidFill>
+                          <a:effectLst/>
+                          <a:latin typeface="Century Gothic (Cuerpo)"/>
+                        </a:rPr>
+                        <a:t>Tiempo de carga optimizado para brindar una experiencia fluida incluso en conexiones lentas</a:t>
+                      </a:r>
+                    </a:p>
+                  </a:txBody>
+                  <a:tcPr marL="9525" marR="9525" marT="9525" marB="0" anchor="ctr"/>
+                </a:tc>
+                <a:tc>
+                  <a:txBody>
+                    <a:bodyPr/>
+                    <a:lstStyle/>
+                    <a:p>
+                      <a:pPr algn="l" fontAlgn="ctr"/>
+                      <a:r>
+                        <a:rPr lang="es-ES" sz="1100" b="0" i="0" u="none" strike="noStrike">
+                          <a:solidFill>
+                            <a:srgbClr val="000000"/>
+                          </a:solidFill>
+                          <a:effectLst/>
+                          <a:latin typeface="Century Gothic (Cuerpo)"/>
+                        </a:rPr>
+                        <a:t>Carga de página: </a:t>
+                      </a:r>
+                      <a:r>
+                        <a:rPr lang="es-ES" sz="1100" b="1" i="0" u="none" strike="noStrike">
+                          <a:solidFill>
+                            <a:srgbClr val="000000"/>
+                          </a:solidFill>
+                          <a:effectLst/>
+                          <a:latin typeface="Century Gothic (Cuerpo)"/>
+                        </a:rPr>
+                        <a:t>2-5 segundos</a:t>
+                      </a:r>
+                      <a:endParaRPr lang="es-ES" sz="1100" b="0" i="0" u="none" strike="noStrike">
+                        <a:solidFill>
+                          <a:srgbClr val="000000"/>
+                        </a:solidFill>
+                        <a:effectLst/>
+                        <a:latin typeface="Century Gothic (Cuerpo)"/>
+                      </a:endParaRPr>
+                    </a:p>
+                  </a:txBody>
+                  <a:tcPr marL="9525" marR="9525" marT="9525" marB="0" anchor="ctr"/>
+                </a:tc>
+                <a:tc>
+                  <a:txBody>
+                    <a:bodyPr/>
+                    <a:lstStyle/>
+                    <a:p>
+                      <a:pPr algn="ctr" fontAlgn="ctr"/>
+                      <a:r>
+                        <a:rPr lang="es-CO" sz="1100" b="0" i="0" u="none" strike="noStrike">
+                          <a:solidFill>
+                            <a:srgbClr val="000000"/>
+                          </a:solidFill>
+                          <a:effectLst/>
+                          <a:latin typeface="Century Gothic (Cuerpo)"/>
+                        </a:rPr>
+                        <a:t>3</a:t>
+                      </a:r>
+                    </a:p>
+                  </a:txBody>
+                  <a:tcPr marL="9525" marR="9525" marT="9525" marB="0" anchor="ctr"/>
+                </a:tc>
+                <a:tc>
+                  <a:txBody>
+                    <a:bodyPr/>
+                    <a:lstStyle/>
+                    <a:p>
+                      <a:pPr algn="ctr" fontAlgn="ctr"/>
+                      <a:r>
+                        <a:rPr lang="es-CO" sz="1100" b="0" i="0" u="none" strike="noStrike">
+                          <a:solidFill>
+                            <a:srgbClr val="000000"/>
+                          </a:solidFill>
+                          <a:effectLst/>
+                          <a:latin typeface="Century Gothic (Cuerpo)"/>
+                        </a:rPr>
+                        <a:t>2</a:t>
+                      </a:r>
+                    </a:p>
+                  </a:txBody>
+                  <a:tcPr marL="9525" marR="9525" marT="9525" marB="0" anchor="ctr"/>
+                </a:tc>
+                <a:tc>
+                  <a:txBody>
+                    <a:bodyPr/>
+                    <a:lstStyle/>
+                    <a:p>
+                      <a:pPr algn="ctr" rtl="0" fontAlgn="ctr"/>
+                      <a:r>
+                        <a:rPr lang="es-CO" sz="1100" b="0" i="0" u="none" strike="noStrike">
+                          <a:solidFill>
+                            <a:srgbClr val="000000"/>
+                          </a:solidFill>
+                          <a:effectLst/>
+                          <a:latin typeface="Century Gothic (Cuerpo)"/>
+                        </a:rPr>
+                        <a:t>12,50%</a:t>
+                      </a:r>
+                    </a:p>
+                  </a:txBody>
+                  <a:tcPr marL="9525" marR="9525" marT="9525" marB="0" anchor="ctr"/>
+                </a:tc>
+                <a:tc>
+                  <a:txBody>
+                    <a:bodyPr/>
+                    <a:lstStyle/>
+                    <a:p>
+                      <a:pPr algn="ctr" fontAlgn="ctr"/>
+                      <a:r>
+                        <a:rPr lang="es-CO" sz="1100" b="0" i="0" u="none" strike="noStrike">
+                          <a:solidFill>
+                            <a:srgbClr val="000000"/>
+                          </a:solidFill>
+                          <a:effectLst/>
+                          <a:latin typeface="Century Gothic (Cuerpo)"/>
+                        </a:rPr>
+                        <a:t>62,5</a:t>
+                      </a:r>
+                    </a:p>
+                  </a:txBody>
+                  <a:tcPr marL="9525" marR="9525" marT="9525" marB="0" anchor="ctr"/>
+                </a:tc>
+                <a:extLst>
+                  <a:ext uri="{0D108BD9-81ED-4DB2-BD59-A6C34878D82A}">
+                    <a16:rowId xmlns:a16="http://schemas.microsoft.com/office/drawing/2014/main" val="4169772732"/>
+                  </a:ext>
+                </a:extLst>
+              </a:tr>
+              <a:tr h="370840">
+                <a:tc>
+                  <a:txBody>
+                    <a:bodyPr/>
+                    <a:lstStyle/>
+                    <a:p>
+                      <a:pPr algn="l" fontAlgn="ctr"/>
+                      <a:r>
+                        <a:rPr lang="es-CO" sz="1100" b="1" i="0" u="none" strike="noStrike">
+                          <a:solidFill>
+                            <a:srgbClr val="000000"/>
+                          </a:solidFill>
+                          <a:effectLst/>
+                          <a:latin typeface="Century Gothic (Cuerpo)"/>
+                        </a:rPr>
+                        <a:t>Fiabilidad</a:t>
+                      </a:r>
+                    </a:p>
+                  </a:txBody>
+                  <a:tcPr marL="9525" marR="9525" marT="9525" marB="0" anchor="ctr"/>
+                </a:tc>
+                <a:tc>
+                  <a:txBody>
+                    <a:bodyPr/>
+                    <a:lstStyle/>
+                    <a:p>
+                      <a:pPr algn="l" fontAlgn="ctr"/>
+                      <a:r>
+                        <a:rPr lang="es-ES" sz="1100" b="0" i="0" u="none" strike="noStrike">
+                          <a:solidFill>
+                            <a:srgbClr val="000000"/>
+                          </a:solidFill>
+                          <a:effectLst/>
+                          <a:latin typeface="Century Gothic (Cuerpo)"/>
+                        </a:rPr>
+                        <a:t>Que la tienda esté disponible y estable sin errores frecuentes</a:t>
+                      </a:r>
+                    </a:p>
+                  </a:txBody>
+                  <a:tcPr marL="9525" marR="9525" marT="9525" marB="0" anchor="ctr"/>
+                </a:tc>
+                <a:tc>
+                  <a:txBody>
+                    <a:bodyPr/>
+                    <a:lstStyle/>
+                    <a:p>
+                      <a:pPr algn="l" fontAlgn="ctr"/>
+                      <a:r>
+                        <a:rPr lang="es-ES" sz="1100" b="0" i="0" u="none" strike="noStrike" dirty="0" err="1">
+                          <a:solidFill>
+                            <a:srgbClr val="000000"/>
+                          </a:solidFill>
+                          <a:effectLst/>
+                          <a:latin typeface="Century Gothic (Cuerpo)"/>
+                        </a:rPr>
+                        <a:t>Uptime</a:t>
+                      </a:r>
+                      <a:r>
+                        <a:rPr lang="es-ES" sz="1100" b="0" i="0" u="none" strike="noStrike" dirty="0">
+                          <a:solidFill>
+                            <a:srgbClr val="000000"/>
+                          </a:solidFill>
+                          <a:effectLst/>
+                          <a:latin typeface="Century Gothic (Cuerpo)"/>
+                        </a:rPr>
+                        <a:t> ≥ </a:t>
+                      </a:r>
+                      <a:r>
+                        <a:rPr lang="es-ES" sz="1100" b="1" i="0" u="none" strike="noStrike" dirty="0">
+                          <a:solidFill>
+                            <a:srgbClr val="000000"/>
+                          </a:solidFill>
+                          <a:effectLst/>
+                          <a:latin typeface="Century Gothic (Cuerpo)"/>
+                        </a:rPr>
+                        <a:t>99.5%</a:t>
+                      </a:r>
+                      <a:r>
+                        <a:rPr lang="es-ES" sz="1100" b="0" i="0" u="none" strike="noStrike" dirty="0">
+                          <a:solidFill>
+                            <a:srgbClr val="000000"/>
+                          </a:solidFill>
+                          <a:effectLst/>
+                          <a:latin typeface="Century Gothic (Cuerpo)"/>
+                        </a:rPr>
+                        <a:t>, pruebas de regresión sin fallos críticos</a:t>
+                      </a:r>
+                    </a:p>
+                  </a:txBody>
+                  <a:tcPr marL="9525" marR="9525" marT="9525" marB="0" anchor="ctr"/>
+                </a:tc>
+                <a:tc>
+                  <a:txBody>
+                    <a:bodyPr/>
+                    <a:lstStyle/>
+                    <a:p>
+                      <a:pPr algn="ctr" fontAlgn="ctr"/>
+                      <a:r>
+                        <a:rPr lang="es-CO" sz="1100" b="0" i="0" u="none" strike="noStrike">
+                          <a:solidFill>
+                            <a:srgbClr val="000000"/>
+                          </a:solidFill>
+                          <a:effectLst/>
+                          <a:latin typeface="Century Gothic (Cuerpo)"/>
+                        </a:rPr>
+                        <a:t>3</a:t>
+                      </a:r>
+                    </a:p>
+                  </a:txBody>
+                  <a:tcPr marL="9525" marR="9525" marT="9525" marB="0" anchor="ctr"/>
+                </a:tc>
+                <a:tc>
+                  <a:txBody>
+                    <a:bodyPr/>
+                    <a:lstStyle/>
+                    <a:p>
+                      <a:pPr algn="ctr" fontAlgn="ctr"/>
+                      <a:r>
+                        <a:rPr lang="es-CO" sz="1100" b="0" i="0" u="none" strike="noStrike">
+                          <a:solidFill>
+                            <a:srgbClr val="000000"/>
+                          </a:solidFill>
+                          <a:effectLst/>
+                          <a:latin typeface="Century Gothic (Cuerpo)"/>
+                        </a:rPr>
+                        <a:t>2</a:t>
+                      </a:r>
+                    </a:p>
+                  </a:txBody>
+                  <a:tcPr marL="9525" marR="9525" marT="9525" marB="0" anchor="ctr"/>
+                </a:tc>
+                <a:tc>
+                  <a:txBody>
+                    <a:bodyPr/>
+                    <a:lstStyle/>
+                    <a:p>
+                      <a:pPr algn="ctr" rtl="0" fontAlgn="ctr"/>
+                      <a:r>
+                        <a:rPr lang="es-CO" sz="1100" b="0" i="0" u="none" strike="noStrike">
+                          <a:solidFill>
+                            <a:srgbClr val="000000"/>
+                          </a:solidFill>
+                          <a:effectLst/>
+                          <a:latin typeface="Century Gothic (Cuerpo)"/>
+                        </a:rPr>
+                        <a:t>12,50%</a:t>
+                      </a:r>
+                    </a:p>
+                  </a:txBody>
+                  <a:tcPr marL="9525" marR="9525" marT="9525" marB="0" anchor="ctr"/>
+                </a:tc>
+                <a:tc>
+                  <a:txBody>
+                    <a:bodyPr/>
+                    <a:lstStyle/>
+                    <a:p>
+                      <a:pPr algn="ctr" fontAlgn="ctr"/>
+                      <a:r>
+                        <a:rPr lang="es-CO" sz="1100" b="0" i="0" u="none" strike="noStrike">
+                          <a:solidFill>
+                            <a:srgbClr val="000000"/>
+                          </a:solidFill>
+                          <a:effectLst/>
+                          <a:latin typeface="Century Gothic (Cuerpo)"/>
+                        </a:rPr>
+                        <a:t>62,5</a:t>
+                      </a:r>
+                    </a:p>
+                  </a:txBody>
+                  <a:tcPr marL="9525" marR="9525" marT="9525" marB="0" anchor="ctr"/>
+                </a:tc>
+                <a:extLst>
+                  <a:ext uri="{0D108BD9-81ED-4DB2-BD59-A6C34878D82A}">
+                    <a16:rowId xmlns:a16="http://schemas.microsoft.com/office/drawing/2014/main" val="3528343803"/>
+                  </a:ext>
+                </a:extLst>
+              </a:tr>
+              <a:tr h="370840">
+                <a:tc>
+                  <a:txBody>
+                    <a:bodyPr/>
+                    <a:lstStyle/>
+                    <a:p>
+                      <a:pPr algn="l" fontAlgn="ctr"/>
+                      <a:r>
+                        <a:rPr lang="es-CO" sz="1100" b="1" i="0" u="none" strike="noStrike">
+                          <a:solidFill>
+                            <a:srgbClr val="000000"/>
+                          </a:solidFill>
+                          <a:effectLst/>
+                          <a:latin typeface="Century Gothic (Cuerpo)"/>
+                        </a:rPr>
+                        <a:t>Mantenibilidad</a:t>
+                      </a:r>
+                    </a:p>
+                  </a:txBody>
+                  <a:tcPr marL="9525" marR="9525" marT="9525" marB="0" anchor="ctr"/>
+                </a:tc>
+                <a:tc>
+                  <a:txBody>
+                    <a:bodyPr/>
+                    <a:lstStyle/>
+                    <a:p>
+                      <a:pPr algn="l" fontAlgn="ctr"/>
+                      <a:r>
+                        <a:rPr lang="es-CO" sz="1100" b="0" i="0" u="none" strike="noStrike">
+                          <a:solidFill>
+                            <a:srgbClr val="000000"/>
+                          </a:solidFill>
+                          <a:effectLst/>
+                          <a:latin typeface="Century Gothic (Cuerpo)"/>
+                        </a:rPr>
+                        <a:t>Código modular y documentado para facilitar cambios o mejoras futuras</a:t>
+                      </a:r>
+                    </a:p>
+                  </a:txBody>
+                  <a:tcPr marL="9525" marR="9525" marT="9525" marB="0" anchor="ctr"/>
+                </a:tc>
+                <a:tc>
+                  <a:txBody>
+                    <a:bodyPr/>
+                    <a:lstStyle/>
+                    <a:p>
+                      <a:pPr algn="l" fontAlgn="ctr"/>
+                      <a:r>
+                        <a:rPr lang="es-ES" sz="1100" b="0" i="0" u="none" strike="noStrike">
+                          <a:solidFill>
+                            <a:srgbClr val="000000"/>
+                          </a:solidFill>
+                          <a:effectLst/>
+                          <a:latin typeface="Century Gothic (Cuerpo)"/>
+                        </a:rPr>
+                        <a:t>Nivel de acoplamiento/cobertura de pruebas/unitarias ≥ </a:t>
+                      </a:r>
+                      <a:r>
+                        <a:rPr lang="es-ES" sz="1100" b="1" i="0" u="none" strike="noStrike">
+                          <a:solidFill>
+                            <a:srgbClr val="000000"/>
+                          </a:solidFill>
+                          <a:effectLst/>
+                          <a:latin typeface="Century Gothic (Cuerpo)"/>
+                        </a:rPr>
+                        <a:t>80%</a:t>
+                      </a:r>
+                      <a:endParaRPr lang="es-ES" sz="1100" b="0" i="0" u="none" strike="noStrike">
+                        <a:solidFill>
+                          <a:srgbClr val="000000"/>
+                        </a:solidFill>
+                        <a:effectLst/>
+                        <a:latin typeface="Century Gothic (Cuerpo)"/>
+                      </a:endParaRPr>
+                    </a:p>
+                  </a:txBody>
+                  <a:tcPr marL="9525" marR="9525" marT="9525" marB="0" anchor="ctr"/>
+                </a:tc>
+                <a:tc>
+                  <a:txBody>
+                    <a:bodyPr/>
+                    <a:lstStyle/>
+                    <a:p>
+                      <a:pPr algn="ctr" fontAlgn="ctr"/>
+                      <a:r>
+                        <a:rPr lang="es-CO" sz="1100" b="0" i="0" u="none" strike="noStrike">
+                          <a:solidFill>
+                            <a:srgbClr val="000000"/>
+                          </a:solidFill>
+                          <a:effectLst/>
+                          <a:latin typeface="Century Gothic (Cuerpo)"/>
+                        </a:rPr>
+                        <a:t>2</a:t>
+                      </a:r>
+                    </a:p>
+                  </a:txBody>
+                  <a:tcPr marL="9525" marR="9525" marT="9525" marB="0" anchor="ctr"/>
+                </a:tc>
+                <a:tc>
+                  <a:txBody>
+                    <a:bodyPr/>
+                    <a:lstStyle/>
+                    <a:p>
+                      <a:pPr algn="ctr" fontAlgn="ctr"/>
+                      <a:r>
+                        <a:rPr lang="es-CO" sz="1100" b="0" i="0" u="none" strike="noStrike">
+                          <a:solidFill>
+                            <a:srgbClr val="000000"/>
+                          </a:solidFill>
+                          <a:effectLst/>
+                          <a:latin typeface="Century Gothic (Cuerpo)"/>
+                        </a:rPr>
+                        <a:t>2</a:t>
+                      </a:r>
+                    </a:p>
+                  </a:txBody>
+                  <a:tcPr marL="9525" marR="9525" marT="9525" marB="0" anchor="ctr"/>
+                </a:tc>
+                <a:tc>
+                  <a:txBody>
+                    <a:bodyPr/>
+                    <a:lstStyle/>
+                    <a:p>
+                      <a:pPr algn="ctr" rtl="0" fontAlgn="ctr"/>
+                      <a:r>
+                        <a:rPr lang="es-CO" sz="1100" b="0" i="0" u="none" strike="noStrike">
+                          <a:solidFill>
+                            <a:srgbClr val="000000"/>
+                          </a:solidFill>
+                          <a:effectLst/>
+                          <a:latin typeface="Century Gothic (Cuerpo)"/>
+                        </a:rPr>
+                        <a:t>11,25%</a:t>
+                      </a:r>
+                    </a:p>
+                  </a:txBody>
+                  <a:tcPr marL="9525" marR="9525" marT="9525" marB="0" anchor="ctr"/>
+                </a:tc>
+                <a:tc>
+                  <a:txBody>
+                    <a:bodyPr/>
+                    <a:lstStyle/>
+                    <a:p>
+                      <a:pPr algn="ctr" fontAlgn="ctr"/>
+                      <a:r>
+                        <a:rPr lang="es-CO" sz="1100" b="0" i="0" u="none" strike="noStrike">
+                          <a:solidFill>
+                            <a:srgbClr val="000000"/>
+                          </a:solidFill>
+                          <a:effectLst/>
+                          <a:latin typeface="Century Gothic (Cuerpo)"/>
+                        </a:rPr>
+                        <a:t>45,0</a:t>
+                      </a:r>
+                    </a:p>
+                  </a:txBody>
+                  <a:tcPr marL="9525" marR="9525" marT="9525" marB="0" anchor="ctr"/>
+                </a:tc>
+                <a:extLst>
+                  <a:ext uri="{0D108BD9-81ED-4DB2-BD59-A6C34878D82A}">
+                    <a16:rowId xmlns:a16="http://schemas.microsoft.com/office/drawing/2014/main" val="361196856"/>
+                  </a:ext>
+                </a:extLst>
+              </a:tr>
+              <a:tr h="370840">
+                <a:tc>
+                  <a:txBody>
+                    <a:bodyPr/>
+                    <a:lstStyle/>
+                    <a:p>
+                      <a:pPr algn="l" fontAlgn="ctr"/>
+                      <a:r>
+                        <a:rPr lang="es-CO" sz="1100" b="1" i="0" u="none" strike="noStrike">
+                          <a:solidFill>
+                            <a:srgbClr val="000000"/>
+                          </a:solidFill>
+                          <a:effectLst/>
+                          <a:latin typeface="Century Gothic (Cuerpo)"/>
+                        </a:rPr>
+                        <a:t>Compatibilidad</a:t>
+                      </a:r>
+                    </a:p>
+                  </a:txBody>
+                  <a:tcPr marL="9525" marR="9525" marT="9525" marB="0" anchor="ctr"/>
+                </a:tc>
+                <a:tc>
+                  <a:txBody>
+                    <a:bodyPr/>
+                    <a:lstStyle/>
+                    <a:p>
+                      <a:pPr algn="l" fontAlgn="ctr"/>
+                      <a:r>
+                        <a:rPr lang="es-CO" sz="1100" b="0" i="0" u="none" strike="noStrike">
+                          <a:solidFill>
+                            <a:srgbClr val="000000"/>
+                          </a:solidFill>
+                          <a:effectLst/>
+                          <a:latin typeface="Century Gothic (Cuerpo)"/>
+                        </a:rPr>
+                        <a:t>Funcionar correctamente en múltiples dispositivos y navegadores</a:t>
+                      </a:r>
+                    </a:p>
+                  </a:txBody>
+                  <a:tcPr marL="9525" marR="9525" marT="9525" marB="0" anchor="ctr"/>
+                </a:tc>
+                <a:tc>
+                  <a:txBody>
+                    <a:bodyPr/>
+                    <a:lstStyle/>
+                    <a:p>
+                      <a:pPr algn="l" fontAlgn="ctr"/>
+                      <a:r>
+                        <a:rPr lang="es-ES" sz="1100" b="0" i="0" u="none" strike="noStrike">
+                          <a:solidFill>
+                            <a:srgbClr val="000000"/>
+                          </a:solidFill>
+                          <a:effectLst/>
+                          <a:latin typeface="Century Gothic (Cuerpo)"/>
+                        </a:rPr>
+                        <a:t>Pruebas en navegadores y móviles: </a:t>
+                      </a:r>
+                      <a:r>
+                        <a:rPr lang="es-ES" sz="1100" b="1" i="0" u="none" strike="noStrike">
+                          <a:solidFill>
+                            <a:srgbClr val="000000"/>
+                          </a:solidFill>
+                          <a:effectLst/>
+                          <a:latin typeface="Century Gothic (Cuerpo)"/>
+                        </a:rPr>
+                        <a:t>≥ 95% compatibilidad</a:t>
+                      </a:r>
+                      <a:endParaRPr lang="es-ES" sz="1100" b="0" i="0" u="none" strike="noStrike">
+                        <a:solidFill>
+                          <a:srgbClr val="000000"/>
+                        </a:solidFill>
+                        <a:effectLst/>
+                        <a:latin typeface="Century Gothic (Cuerpo)"/>
+                      </a:endParaRPr>
+                    </a:p>
+                  </a:txBody>
+                  <a:tcPr marL="9525" marR="9525" marT="9525" marB="0" anchor="ctr"/>
+                </a:tc>
+                <a:tc>
+                  <a:txBody>
+                    <a:bodyPr/>
+                    <a:lstStyle/>
+                    <a:p>
+                      <a:pPr algn="ctr" fontAlgn="ctr"/>
+                      <a:r>
+                        <a:rPr lang="es-CO" sz="1100" b="0" i="0" u="none" strike="noStrike">
+                          <a:solidFill>
+                            <a:srgbClr val="000000"/>
+                          </a:solidFill>
+                          <a:effectLst/>
+                          <a:latin typeface="Century Gothic (Cuerpo)"/>
+                        </a:rPr>
+                        <a:t>3</a:t>
+                      </a:r>
+                    </a:p>
+                  </a:txBody>
+                  <a:tcPr marL="9525" marR="9525" marT="9525" marB="0" anchor="ctr"/>
+                </a:tc>
+                <a:tc>
+                  <a:txBody>
+                    <a:bodyPr/>
+                    <a:lstStyle/>
+                    <a:p>
+                      <a:pPr algn="ctr" fontAlgn="ctr"/>
+                      <a:r>
+                        <a:rPr lang="es-CO" sz="1100" b="0" i="0" u="none" strike="noStrike">
+                          <a:solidFill>
+                            <a:srgbClr val="000000"/>
+                          </a:solidFill>
+                          <a:effectLst/>
+                          <a:latin typeface="Century Gothic (Cuerpo)"/>
+                        </a:rPr>
+                        <a:t>2</a:t>
+                      </a:r>
+                    </a:p>
+                  </a:txBody>
+                  <a:tcPr marL="9525" marR="9525" marT="9525" marB="0" anchor="ctr"/>
+                </a:tc>
+                <a:tc>
+                  <a:txBody>
+                    <a:bodyPr/>
+                    <a:lstStyle/>
+                    <a:p>
+                      <a:pPr algn="ctr" rtl="0" fontAlgn="ctr"/>
+                      <a:r>
+                        <a:rPr lang="es-CO" sz="1100" b="0" i="0" u="none" strike="noStrike">
+                          <a:solidFill>
+                            <a:srgbClr val="000000"/>
+                          </a:solidFill>
+                          <a:effectLst/>
+                          <a:latin typeface="Century Gothic (Cuerpo)"/>
+                        </a:rPr>
+                        <a:t>6,25%</a:t>
+                      </a:r>
+                    </a:p>
+                  </a:txBody>
+                  <a:tcPr marL="9525" marR="9525" marT="9525" marB="0" anchor="ctr"/>
+                </a:tc>
+                <a:tc>
+                  <a:txBody>
+                    <a:bodyPr/>
+                    <a:lstStyle/>
+                    <a:p>
+                      <a:pPr algn="ctr" fontAlgn="ctr"/>
+                      <a:r>
+                        <a:rPr lang="es-CO" sz="1100" b="0" i="0" u="none" strike="noStrike">
+                          <a:solidFill>
+                            <a:srgbClr val="000000"/>
+                          </a:solidFill>
+                          <a:effectLst/>
+                          <a:latin typeface="Century Gothic (Cuerpo)"/>
+                        </a:rPr>
+                        <a:t>31,3</a:t>
+                      </a:r>
+                    </a:p>
+                  </a:txBody>
+                  <a:tcPr marL="9525" marR="9525" marT="9525" marB="0" anchor="ctr"/>
+                </a:tc>
+                <a:extLst>
+                  <a:ext uri="{0D108BD9-81ED-4DB2-BD59-A6C34878D82A}">
+                    <a16:rowId xmlns:a16="http://schemas.microsoft.com/office/drawing/2014/main" val="2889416144"/>
+                  </a:ext>
+                </a:extLst>
+              </a:tr>
+              <a:tr h="370840">
+                <a:tc>
+                  <a:txBody>
+                    <a:bodyPr/>
+                    <a:lstStyle/>
+                    <a:p>
+                      <a:pPr algn="l" fontAlgn="ctr"/>
+                      <a:r>
+                        <a:rPr lang="es-CO" sz="1100" b="1" i="0" u="none" strike="noStrike">
+                          <a:solidFill>
+                            <a:srgbClr val="000000"/>
+                          </a:solidFill>
+                          <a:effectLst/>
+                          <a:latin typeface="Century Gothic (Cuerpo)"/>
+                        </a:rPr>
+                        <a:t>Funcionalidad (Adecuación)</a:t>
+                      </a:r>
+                    </a:p>
+                  </a:txBody>
+                  <a:tcPr marL="9525" marR="9525" marT="9525" marB="0" anchor="ctr"/>
+                </a:tc>
+                <a:tc>
+                  <a:txBody>
+                    <a:bodyPr/>
+                    <a:lstStyle/>
+                    <a:p>
+                      <a:pPr algn="l" fontAlgn="ctr"/>
+                      <a:r>
+                        <a:rPr lang="es-ES" sz="1100" b="0" i="0" u="none" strike="noStrike">
+                          <a:solidFill>
+                            <a:srgbClr val="000000"/>
+                          </a:solidFill>
+                          <a:effectLst/>
+                          <a:latin typeface="Century Gothic (Cuerpo)"/>
+                        </a:rPr>
+                        <a:t>Mostrar correctamente los productos y permitir compras funcionales sin errores</a:t>
+                      </a:r>
+                    </a:p>
+                  </a:txBody>
+                  <a:tcPr marL="9525" marR="9525" marT="9525" marB="0" anchor="ctr"/>
+                </a:tc>
+                <a:tc>
+                  <a:txBody>
+                    <a:bodyPr/>
+                    <a:lstStyle/>
+                    <a:p>
+                      <a:pPr algn="l" fontAlgn="ctr"/>
+                      <a:r>
+                        <a:rPr lang="es-ES" sz="1100" b="0" i="0" u="none" strike="noStrike">
+                          <a:solidFill>
+                            <a:srgbClr val="000000"/>
+                          </a:solidFill>
+                          <a:effectLst/>
+                          <a:latin typeface="Century Gothic (Cuerpo)"/>
+                        </a:rPr>
+                        <a:t>Validación completa de flujo de compra sin bugs</a:t>
+                      </a:r>
+                    </a:p>
+                  </a:txBody>
+                  <a:tcPr marL="9525" marR="9525" marT="9525" marB="0" anchor="ctr"/>
+                </a:tc>
+                <a:tc>
+                  <a:txBody>
+                    <a:bodyPr/>
+                    <a:lstStyle/>
+                    <a:p>
+                      <a:pPr algn="ctr" fontAlgn="ctr"/>
+                      <a:r>
+                        <a:rPr lang="es-CO" sz="1100" b="0" i="0" u="none" strike="noStrike">
+                          <a:solidFill>
+                            <a:srgbClr val="000000"/>
+                          </a:solidFill>
+                          <a:effectLst/>
+                          <a:latin typeface="Century Gothic (Cuerpo)"/>
+                        </a:rPr>
+                        <a:t>3</a:t>
+                      </a:r>
+                    </a:p>
+                  </a:txBody>
+                  <a:tcPr marL="9525" marR="9525" marT="9525" marB="0" anchor="ctr"/>
+                </a:tc>
+                <a:tc>
+                  <a:txBody>
+                    <a:bodyPr/>
+                    <a:lstStyle/>
+                    <a:p>
+                      <a:pPr algn="ctr" fontAlgn="ctr"/>
+                      <a:r>
+                        <a:rPr lang="es-CO" sz="1100" b="0" i="0" u="none" strike="noStrike" dirty="0">
+                          <a:solidFill>
+                            <a:srgbClr val="000000"/>
+                          </a:solidFill>
+                          <a:effectLst/>
+                          <a:latin typeface="Century Gothic (Cuerpo)"/>
+                        </a:rPr>
+                        <a:t>1</a:t>
+                      </a:r>
+                    </a:p>
+                  </a:txBody>
+                  <a:tcPr marL="9525" marR="9525" marT="9525" marB="0" anchor="ctr"/>
+                </a:tc>
+                <a:tc>
+                  <a:txBody>
+                    <a:bodyPr/>
+                    <a:lstStyle/>
+                    <a:p>
+                      <a:pPr algn="ctr" rtl="0" fontAlgn="ctr"/>
+                      <a:r>
+                        <a:rPr lang="es-CO" sz="1100" b="0" i="0" u="none" strike="noStrike">
+                          <a:solidFill>
+                            <a:srgbClr val="000000"/>
+                          </a:solidFill>
+                          <a:effectLst/>
+                          <a:latin typeface="Century Gothic (Cuerpo)"/>
+                        </a:rPr>
+                        <a:t>6,25%</a:t>
+                      </a:r>
+                    </a:p>
+                  </a:txBody>
+                  <a:tcPr marL="9525" marR="9525" marT="9525" marB="0" anchor="ctr"/>
+                </a:tc>
+                <a:tc>
+                  <a:txBody>
+                    <a:bodyPr/>
+                    <a:lstStyle/>
+                    <a:p>
+                      <a:pPr algn="ctr" fontAlgn="ctr"/>
+                      <a:r>
+                        <a:rPr lang="es-CO" sz="1100" b="0" i="0" u="none" strike="noStrike">
+                          <a:solidFill>
+                            <a:srgbClr val="000000"/>
+                          </a:solidFill>
+                          <a:effectLst/>
+                          <a:latin typeface="Century Gothic (Cuerpo)"/>
+                        </a:rPr>
+                        <a:t>25,0</a:t>
+                      </a:r>
+                    </a:p>
+                  </a:txBody>
+                  <a:tcPr marL="9525" marR="9525" marT="9525" marB="0" anchor="ctr"/>
+                </a:tc>
+                <a:extLst>
+                  <a:ext uri="{0D108BD9-81ED-4DB2-BD59-A6C34878D82A}">
+                    <a16:rowId xmlns:a16="http://schemas.microsoft.com/office/drawing/2014/main" val="1508997131"/>
+                  </a:ext>
+                </a:extLst>
+              </a:tr>
+              <a:tr h="370840">
+                <a:tc>
+                  <a:txBody>
+                    <a:bodyPr/>
+                    <a:lstStyle/>
+                    <a:p>
+                      <a:pPr algn="l" fontAlgn="ctr"/>
+                      <a:r>
+                        <a:rPr lang="es-CO" sz="1100" b="1" i="0" u="none" strike="noStrike">
+                          <a:solidFill>
+                            <a:srgbClr val="000000"/>
+                          </a:solidFill>
+                          <a:effectLst/>
+                          <a:latin typeface="Century Gothic (Cuerpo)"/>
+                        </a:rPr>
+                        <a:t>Portabilidad</a:t>
+                      </a:r>
+                    </a:p>
+                  </a:txBody>
+                  <a:tcPr marL="9525" marR="9525" marT="9525" marB="0" anchor="ctr"/>
+                </a:tc>
+                <a:tc>
+                  <a:txBody>
+                    <a:bodyPr/>
+                    <a:lstStyle/>
+                    <a:p>
+                      <a:pPr algn="l" fontAlgn="ctr"/>
+                      <a:r>
+                        <a:rPr lang="es-ES" sz="1100" b="0" i="0" u="none" strike="noStrike">
+                          <a:solidFill>
+                            <a:srgbClr val="000000"/>
+                          </a:solidFill>
+                          <a:effectLst/>
+                          <a:latin typeface="Century Gothic (Cuerpo)"/>
+                        </a:rPr>
+                        <a:t>Posibilidad de migrar el sistema a otro proveedor de hosting o entorno técnico</a:t>
+                      </a:r>
+                    </a:p>
+                  </a:txBody>
+                  <a:tcPr marL="9525" marR="9525" marT="9525" marB="0" anchor="ctr"/>
+                </a:tc>
+                <a:tc>
+                  <a:txBody>
+                    <a:bodyPr/>
+                    <a:lstStyle/>
+                    <a:p>
+                      <a:pPr algn="l" fontAlgn="ctr"/>
+                      <a:r>
+                        <a:rPr lang="es-ES" sz="1100" b="0" i="0" u="none" strike="noStrike">
+                          <a:solidFill>
+                            <a:srgbClr val="000000"/>
+                          </a:solidFill>
+                          <a:effectLst/>
+                          <a:latin typeface="Century Gothic (Cuerpo)"/>
+                        </a:rPr>
+                        <a:t>Despliegue exitoso en 2 entornos distintos (ej. local y cloud)</a:t>
+                      </a:r>
+                    </a:p>
+                  </a:txBody>
+                  <a:tcPr marL="9525" marR="9525" marT="9525" marB="0" anchor="ctr"/>
+                </a:tc>
+                <a:tc>
+                  <a:txBody>
+                    <a:bodyPr/>
+                    <a:lstStyle/>
+                    <a:p>
+                      <a:pPr algn="ctr" fontAlgn="ctr"/>
+                      <a:r>
+                        <a:rPr lang="es-CO" sz="1100" b="0" i="0" u="none" strike="noStrike">
+                          <a:solidFill>
+                            <a:srgbClr val="000000"/>
+                          </a:solidFill>
+                          <a:effectLst/>
+                          <a:latin typeface="Century Gothic (Cuerpo)"/>
+                        </a:rPr>
+                        <a:t>1</a:t>
+                      </a:r>
+                    </a:p>
+                  </a:txBody>
+                  <a:tcPr marL="9525" marR="9525" marT="9525" marB="0" anchor="ctr"/>
+                </a:tc>
+                <a:tc>
+                  <a:txBody>
+                    <a:bodyPr/>
+                    <a:lstStyle/>
+                    <a:p>
+                      <a:pPr algn="ctr" fontAlgn="ctr"/>
+                      <a:r>
+                        <a:rPr lang="es-CO" sz="1100" b="0" i="0" u="none" strike="noStrike">
+                          <a:solidFill>
+                            <a:srgbClr val="000000"/>
+                          </a:solidFill>
+                          <a:effectLst/>
+                          <a:latin typeface="Century Gothic (Cuerpo)"/>
+                        </a:rPr>
+                        <a:t>2</a:t>
+                      </a:r>
+                    </a:p>
+                  </a:txBody>
+                  <a:tcPr marL="9525" marR="9525" marT="9525" marB="0" anchor="ctr"/>
+                </a:tc>
+                <a:tc>
+                  <a:txBody>
+                    <a:bodyPr/>
+                    <a:lstStyle/>
+                    <a:p>
+                      <a:pPr algn="ctr" rtl="0" fontAlgn="ctr"/>
+                      <a:r>
+                        <a:rPr lang="es-CO" sz="1100" b="0" i="0" u="none" strike="noStrike">
+                          <a:solidFill>
+                            <a:srgbClr val="000000"/>
+                          </a:solidFill>
+                          <a:effectLst/>
+                          <a:latin typeface="Century Gothic (Cuerpo)"/>
+                        </a:rPr>
+                        <a:t>6,25%</a:t>
+                      </a:r>
+                    </a:p>
+                  </a:txBody>
+                  <a:tcPr marL="9525" marR="9525" marT="9525" marB="0" anchor="ctr"/>
+                </a:tc>
+                <a:tc>
+                  <a:txBody>
+                    <a:bodyPr/>
+                    <a:lstStyle/>
+                    <a:p>
+                      <a:pPr algn="ctr" fontAlgn="ctr"/>
+                      <a:r>
+                        <a:rPr lang="es-CO" sz="1100" b="0" i="0" u="none" strike="noStrike" dirty="0">
+                          <a:solidFill>
+                            <a:srgbClr val="000000"/>
+                          </a:solidFill>
+                          <a:effectLst/>
+                          <a:latin typeface="Century Gothic (Cuerpo)"/>
+                        </a:rPr>
+                        <a:t>18,8</a:t>
+                      </a:r>
+                    </a:p>
+                  </a:txBody>
+                  <a:tcPr marL="9525" marR="9525" marT="9525" marB="0" anchor="ctr"/>
+                </a:tc>
+                <a:extLst>
+                  <a:ext uri="{0D108BD9-81ED-4DB2-BD59-A6C34878D82A}">
+                    <a16:rowId xmlns:a16="http://schemas.microsoft.com/office/drawing/2014/main" val="873205549"/>
+                  </a:ext>
+                </a:extLst>
+              </a:tr>
+            </a:tbl>
+          </a:graphicData>
+        </a:graphic>
+      </p:graphicFrame>
+    </p:spTree>
+    <p:extLst>
+      <p:ext uri="{BB962C8B-B14F-4D97-AF65-F5344CB8AC3E}">
+        <p14:creationId xmlns:p14="http://schemas.microsoft.com/office/powerpoint/2010/main" val="4174639727"/>
+      </p:ext>
+    </p:extLst>
+  </p:cSld>
+  <p:clrMapOvr>
+    <a:masterClrMapping/>
+  </p:clrMapOvr>
+</p:sld>
+</file>
+
 <file path=ppt/slides/slide2.xml><?xml version="1.0" encoding="utf-8"?>
 <p:sld xmlns:a="http://schemas.openxmlformats.org/drawingml/2006/main" xmlns:r="http://schemas.openxmlformats.org/officeDocument/2006/relationships" xmlns:p="http://schemas.openxmlformats.org/presentationml/2006/main">
   <p:cSld>
@@ -13914,6 +15489,12 @@
             <a:r>
               <a:rPr lang="es-CO" dirty="0"/>
               <a:t>Atributos de Calidad</a:t>
+            </a:r>
+          </a:p>
+          <a:p>
+            <a:r>
+              <a:rPr lang="es-CO" dirty="0"/>
+              <a:t>Ponderación</a:t>
             </a:r>
           </a:p>
           <a:p>
@@ -14018,27 +15599,12 @@
               </a:tabLst>
             </a:pPr>
             <a:r>
-              <a:rPr lang="es-CO" sz="2900" kern="0" dirty="0">
-                <a:ea typeface="Times New Roman" panose="02020603050405020304" pitchFamily="18" charset="0"/>
-                <a:cs typeface="Times New Roman" panose="02020603050405020304" pitchFamily="18" charset="0"/>
-              </a:rPr>
-              <a:t>C</a:t>
-            </a:r>
-            <a:r>
-              <a:rPr lang="es-CO" sz="2900" kern="0" dirty="0">
-                <a:effectLst/>
-                <a:ea typeface="Times New Roman" panose="02020603050405020304" pitchFamily="18" charset="0"/>
-                <a:cs typeface="Times New Roman" panose="02020603050405020304" pitchFamily="18" charset="0"/>
-              </a:rPr>
-              <a:t>reación de una </a:t>
-            </a:r>
-            <a:r>
               <a:rPr lang="es-CO" sz="2900" b="1" kern="0" dirty="0">
                 <a:effectLst/>
                 <a:ea typeface="Times New Roman" panose="02020603050405020304" pitchFamily="18" charset="0"/>
                 <a:cs typeface="Times New Roman" panose="02020603050405020304" pitchFamily="18" charset="0"/>
               </a:rPr>
-              <a:t>plataforma digital de comercio electrónico</a:t>
+              <a:t>Plataforma digital de comercio electrónico</a:t>
             </a:r>
             <a:r>
               <a:rPr lang="es-CO" sz="2900" kern="0" dirty="0">
@@ -14183,10 +15749,10 @@
       </p:sp>
       <p:pic>
         <p:nvPicPr>
-          <p:cNvPr id="8" name="Imagen 7">
+          <p:cNvPr id="7" name="Imagen 6" descr="Imagen que contiene Aplicación&#10;&#10;El contenido generado por IA puede ser incorrecto.">
             <a:extLst>
               <a:ext uri="{FF2B5EF4-FFF2-40B4-BE49-F238E27FC236}">
-                <a16:creationId xmlns:a16="http://schemas.microsoft.com/office/drawing/2014/main" id="{AA604ED9-E132-7815-CF80-FA77A2184178}"/>
+                <a16:creationId xmlns:a16="http://schemas.microsoft.com/office/drawing/2014/main" id="{7D453A8B-6095-9426-E9A2-97FBB200ECAE}"/>
               </a:ext>
             </a:extLst>
           </p:cNvPr>
@@ -14196,15 +15762,21 @@
           <p:nvPr/>
         </p:nvPicPr>
         <p:blipFill>
-          <a:blip r:embed="rId2"/>
+          <a:blip r:embed="rId2">
+            <a:extLst>
+              <a:ext uri="{28A0092B-C50C-407E-A947-70E740481C1C}">
+                <a14:useLocalDpi xmlns:a14="http://schemas.microsoft.com/office/drawing/2010/main" val="0"/>
+              </a:ext>
+            </a:extLst>
+          </a:blip>
           <a:stretch>
             <a:fillRect/>
           </a:stretch>
         </p:blipFill>
         <p:spPr>
           <a:xfrm>
-            <a:off x="4054346" y="4388043"/>
-            <a:ext cx="3648782" cy="1847901"/>
+            <a:off x="2878137" y="4605338"/>
+            <a:ext cx="6259514" cy="1177162"/>
           </a:xfrm>
           <a:prstGeom prst="rect">
             <a:avLst/>
@@ -14215,6 +15787,3655 @@
     <p:extLst>
       <p:ext uri="{BB962C8B-B14F-4D97-AF65-F5344CB8AC3E}">
         <p14:creationId xmlns:p14="http://schemas.microsoft.com/office/powerpoint/2010/main" val="4199119169"/>
+      </p:ext>
+    </p:extLst>
+  </p:cSld>
+  <p:clrMapOvr>
+    <a:masterClrMapping/>
+  </p:clrMapOvr>
+</p:sld>
+</file>
+
+<file path=ppt/slides/slide4.xml><?xml version="1.0" encoding="utf-8"?>
+<p:sld xmlns:a="http://schemas.openxmlformats.org/drawingml/2006/main" xmlns:r="http://schemas.openxmlformats.org/officeDocument/2006/relationships" xmlns:p="http://schemas.openxmlformats.org/presentationml/2006/main">
+  <p:cSld>
+    <p:spTree>
+      <p:nvGrpSpPr>
+        <p:cNvPr id="1" name=""/>
+        <p:cNvGrpSpPr/>
+        <p:nvPr/>
+      </p:nvGrpSpPr>
+      <p:grpSpPr>
+        <a:xfrm>
+          <a:off x="0" y="0"/>
+          <a:ext cx="0" cy="0"/>
+          <a:chOff x="0" y="0"/>
+          <a:chExt cx="0" cy="0"/>
+        </a:xfrm>
+      </p:grpSpPr>
+      <p:sp>
+        <p:nvSpPr>
+          <p:cNvPr id="2" name="Título 1">
+            <a:extLst>
+              <a:ext uri="{FF2B5EF4-FFF2-40B4-BE49-F238E27FC236}">
+                <a16:creationId xmlns:a16="http://schemas.microsoft.com/office/drawing/2014/main" id="{416EC6D9-348F-D497-C672-0406A173F731}"/>
+              </a:ext>
+            </a:extLst>
+          </p:cNvPr>
+          <p:cNvSpPr>
+            <a:spLocks noGrp="1"/>
+          </p:cNvSpPr>
+          <p:nvPr>
+            <p:ph type="title"/>
+          </p:nvPr>
+        </p:nvSpPr>
+        <p:spPr/>
+        <p:txBody>
+          <a:bodyPr/>
+          <a:lstStyle/>
+          <a:p>
+            <a:r>
+              <a:rPr lang="es-CO" dirty="0" err="1"/>
+              <a:t>Stakeholders</a:t>
+            </a:r>
+            <a:endParaRPr lang="es-CO" dirty="0"/>
+          </a:p>
+        </p:txBody>
+      </p:sp>
+      <p:sp>
+        <p:nvSpPr>
+          <p:cNvPr id="3" name="Marcador de contenido 2">
+            <a:extLst>
+              <a:ext uri="{FF2B5EF4-FFF2-40B4-BE49-F238E27FC236}">
+                <a16:creationId xmlns:a16="http://schemas.microsoft.com/office/drawing/2014/main" id="{BDD020D9-09C0-11E1-7522-65FE08693CFE}"/>
+              </a:ext>
+            </a:extLst>
+          </p:cNvPr>
+          <p:cNvSpPr>
+            <a:spLocks noGrp="1"/>
+          </p:cNvSpPr>
+          <p:nvPr>
+            <p:ph idx="1"/>
+          </p:nvPr>
+        </p:nvSpPr>
+        <p:spPr/>
+        <p:txBody>
+          <a:bodyPr/>
+          <a:lstStyle/>
+          <a:p>
+            <a:r>
+              <a:rPr lang="es-CO" dirty="0"/>
+              <a:t>Fundadores</a:t>
+            </a:r>
+          </a:p>
+          <a:p>
+            <a:r>
+              <a:rPr lang="es-CO" dirty="0"/>
+              <a:t>Líder de Tecnología</a:t>
+            </a:r>
+          </a:p>
+          <a:p>
+            <a:r>
+              <a:rPr lang="es-CO" dirty="0"/>
+              <a:t>Líder de Marketing</a:t>
+            </a:r>
+          </a:p>
+          <a:p>
+            <a:r>
+              <a:rPr lang="es-CO" dirty="0"/>
+              <a:t>Clientes finales</a:t>
+            </a:r>
+          </a:p>
+        </p:txBody>
+      </p:sp>
+    </p:spTree>
+    <p:extLst>
+      <p:ext uri="{BB962C8B-B14F-4D97-AF65-F5344CB8AC3E}">
+        <p14:creationId xmlns:p14="http://schemas.microsoft.com/office/powerpoint/2010/main" val="1219334516"/>
+      </p:ext>
+    </p:extLst>
+  </p:cSld>
+  <p:clrMapOvr>
+    <a:masterClrMapping/>
+  </p:clrMapOvr>
+</p:sld>
+</file>
+
+<file path=ppt/slides/slide5.xml><?xml version="1.0" encoding="utf-8"?>
+<p:sld xmlns:a="http://schemas.openxmlformats.org/drawingml/2006/main" xmlns:r="http://schemas.openxmlformats.org/officeDocument/2006/relationships" xmlns:p="http://schemas.openxmlformats.org/presentationml/2006/main">
+  <p:cSld>
+    <p:spTree>
+      <p:nvGrpSpPr>
+        <p:cNvPr id="1" name=""/>
+        <p:cNvGrpSpPr/>
+        <p:nvPr/>
+      </p:nvGrpSpPr>
+      <p:grpSpPr>
+        <a:xfrm>
+          <a:off x="0" y="0"/>
+          <a:ext cx="0" cy="0"/>
+          <a:chOff x="0" y="0"/>
+          <a:chExt cx="0" cy="0"/>
+        </a:xfrm>
+      </p:grpSpPr>
+      <p:sp>
+        <p:nvSpPr>
+          <p:cNvPr id="2" name="Título 1">
+            <a:extLst>
+              <a:ext uri="{FF2B5EF4-FFF2-40B4-BE49-F238E27FC236}">
+                <a16:creationId xmlns:a16="http://schemas.microsoft.com/office/drawing/2014/main" id="{C543664A-212F-6C42-A1EC-466F3DA15BB8}"/>
+              </a:ext>
+            </a:extLst>
+          </p:cNvPr>
+          <p:cNvSpPr>
+            <a:spLocks noGrp="1"/>
+          </p:cNvSpPr>
+          <p:nvPr>
+            <p:ph type="title"/>
+          </p:nvPr>
+        </p:nvSpPr>
+        <p:spPr/>
+        <p:txBody>
+          <a:bodyPr/>
+          <a:lstStyle/>
+          <a:p>
+            <a:r>
+              <a:rPr lang="es-CO" dirty="0"/>
+              <a:t>Requisitos Funcionales</a:t>
+            </a:r>
+          </a:p>
+        </p:txBody>
+      </p:sp>
+      <p:graphicFrame>
+        <p:nvGraphicFramePr>
+          <p:cNvPr id="5" name="Marcador de contenido 4">
+            <a:extLst>
+              <a:ext uri="{FF2B5EF4-FFF2-40B4-BE49-F238E27FC236}">
+                <a16:creationId xmlns:a16="http://schemas.microsoft.com/office/drawing/2014/main" id="{BC7B135E-7655-13F0-09D9-5DDD82B6CA91}"/>
+              </a:ext>
+            </a:extLst>
+          </p:cNvPr>
+          <p:cNvGraphicFramePr>
+            <a:graphicFrameLocks noGrp="1"/>
+          </p:cNvGraphicFramePr>
+          <p:nvPr>
+            <p:ph idx="1"/>
+            <p:extLst>
+              <p:ext uri="{D42A27DB-BD31-4B8C-83A1-F6EECF244321}">
+                <p14:modId xmlns:p14="http://schemas.microsoft.com/office/powerpoint/2010/main" val="2903526466"/>
+              </p:ext>
+            </p:extLst>
+          </p:nvPr>
+        </p:nvGraphicFramePr>
+        <p:xfrm>
+          <a:off x="556120" y="2446317"/>
+          <a:ext cx="11079760" cy="3890662"/>
+        </p:xfrm>
+        <a:graphic>
+          <a:graphicData uri="http://schemas.openxmlformats.org/drawingml/2006/table">
+            <a:tbl>
+              <a:tblPr firstRow="1" bandRow="1">
+                <a:tableStyleId>{5C22544A-7EE6-4342-B048-85BDC9FD1C3A}</a:tableStyleId>
+              </a:tblPr>
+              <a:tblGrid>
+                <a:gridCol w="919802">
+                  <a:extLst>
+                    <a:ext uri="{9D8B030D-6E8A-4147-A177-3AD203B41FA5}">
+                      <a16:colId xmlns:a16="http://schemas.microsoft.com/office/drawing/2014/main" val="1818179705"/>
+                    </a:ext>
+                  </a:extLst>
+                </a:gridCol>
+                <a:gridCol w="1936157">
+                  <a:extLst>
+                    <a:ext uri="{9D8B030D-6E8A-4147-A177-3AD203B41FA5}">
+                      <a16:colId xmlns:a16="http://schemas.microsoft.com/office/drawing/2014/main" val="1149119685"/>
+                    </a:ext>
+                  </a:extLst>
+                </a:gridCol>
+                <a:gridCol w="3903121">
+                  <a:extLst>
+                    <a:ext uri="{9D8B030D-6E8A-4147-A177-3AD203B41FA5}">
+                      <a16:colId xmlns:a16="http://schemas.microsoft.com/office/drawing/2014/main" val="645133758"/>
+                    </a:ext>
+                  </a:extLst>
+                </a:gridCol>
+                <a:gridCol w="3182587">
+                  <a:extLst>
+                    <a:ext uri="{9D8B030D-6E8A-4147-A177-3AD203B41FA5}">
+                      <a16:colId xmlns:a16="http://schemas.microsoft.com/office/drawing/2014/main" val="3060831916"/>
+                    </a:ext>
+                  </a:extLst>
+                </a:gridCol>
+                <a:gridCol w="1138093">
+                  <a:extLst>
+                    <a:ext uri="{9D8B030D-6E8A-4147-A177-3AD203B41FA5}">
+                      <a16:colId xmlns:a16="http://schemas.microsoft.com/office/drawing/2014/main" val="2068199293"/>
+                    </a:ext>
+                  </a:extLst>
+                </a:gridCol>
+              </a:tblGrid>
+              <a:tr h="292223">
+                <a:tc>
+                  <a:txBody>
+                    <a:bodyPr/>
+                    <a:lstStyle/>
+                    <a:p>
+                      <a:r>
+                        <a:rPr lang="es-CO" sz="1600" dirty="0"/>
+                        <a:t>Id</a:t>
+                      </a:r>
+                    </a:p>
+                  </a:txBody>
+                  <a:tcPr/>
+                </a:tc>
+                <a:tc>
+                  <a:txBody>
+                    <a:bodyPr/>
+                    <a:lstStyle/>
+                    <a:p>
+                      <a:r>
+                        <a:rPr lang="es-CO" sz="1600" dirty="0"/>
+                        <a:t>Nombre</a:t>
+                      </a:r>
+                    </a:p>
+                  </a:txBody>
+                  <a:tcPr/>
+                </a:tc>
+                <a:tc>
+                  <a:txBody>
+                    <a:bodyPr/>
+                    <a:lstStyle/>
+                    <a:p>
+                      <a:r>
+                        <a:rPr lang="es-CO" sz="1600" dirty="0"/>
+                        <a:t>Detalle</a:t>
+                      </a:r>
+                    </a:p>
+                  </a:txBody>
+                  <a:tcPr/>
+                </a:tc>
+                <a:tc>
+                  <a:txBody>
+                    <a:bodyPr/>
+                    <a:lstStyle/>
+                    <a:p>
+                      <a:r>
+                        <a:rPr lang="es-CO" sz="1600" dirty="0"/>
+                        <a:t>Interesados</a:t>
+                      </a:r>
+                    </a:p>
+                  </a:txBody>
+                  <a:tcPr/>
+                </a:tc>
+                <a:tc>
+                  <a:txBody>
+                    <a:bodyPr/>
+                    <a:lstStyle/>
+                    <a:p>
+                      <a:r>
+                        <a:rPr lang="es-CO" sz="1600" dirty="0"/>
+                        <a:t>Prioridad</a:t>
+                      </a:r>
+                    </a:p>
+                  </a:txBody>
+                  <a:tcPr/>
+                </a:tc>
+                <a:extLst>
+                  <a:ext uri="{0D108BD9-81ED-4DB2-BD59-A6C34878D82A}">
+                    <a16:rowId xmlns:a16="http://schemas.microsoft.com/office/drawing/2014/main" val="2016300265"/>
+                  </a:ext>
+                </a:extLst>
+              </a:tr>
+              <a:tr h="657502">
+                <a:tc>
+                  <a:txBody>
+                    <a:bodyPr/>
+                    <a:lstStyle/>
+                    <a:p>
+                      <a:r>
+                        <a:rPr lang="es-CO" sz="1200" dirty="0"/>
+                        <a:t>RF-01</a:t>
+                      </a:r>
+                    </a:p>
+                  </a:txBody>
+                  <a:tcPr/>
+                </a:tc>
+                <a:tc>
+                  <a:txBody>
+                    <a:bodyPr/>
+                    <a:lstStyle/>
+                    <a:p>
+                      <a:r>
+                        <a:rPr lang="es-CO" sz="1200" dirty="0"/>
+                        <a:t>Visualización de producto</a:t>
+                      </a:r>
+                    </a:p>
+                  </a:txBody>
+                  <a:tcPr/>
+                </a:tc>
+                <a:tc>
+                  <a:txBody>
+                    <a:bodyPr/>
+                    <a:lstStyle/>
+                    <a:p>
+                      <a:r>
+                        <a:rPr lang="es-CO" sz="1200" dirty="0"/>
+                        <a:t>Permitir a los usuarios ver claramente los productos disponibles</a:t>
+                      </a:r>
+                    </a:p>
+                  </a:txBody>
+                  <a:tcPr/>
+                </a:tc>
+                <a:tc>
+                  <a:txBody>
+                    <a:bodyPr/>
+                    <a:lstStyle/>
+                    <a:p>
+                      <a:r>
+                        <a:rPr lang="es-CO" sz="1200" dirty="0"/>
+                        <a:t>Clientes finales, Marketing</a:t>
+                      </a:r>
+                    </a:p>
+                  </a:txBody>
+                  <a:tcPr/>
+                </a:tc>
+                <a:tc>
+                  <a:txBody>
+                    <a:bodyPr/>
+                    <a:lstStyle/>
+                    <a:p>
+                      <a:r>
+                        <a:rPr lang="es-CO" sz="1200" dirty="0"/>
+                        <a:t>1</a:t>
+                      </a:r>
+                    </a:p>
+                  </a:txBody>
+                  <a:tcPr/>
+                </a:tc>
+                <a:extLst>
+                  <a:ext uri="{0D108BD9-81ED-4DB2-BD59-A6C34878D82A}">
+                    <a16:rowId xmlns:a16="http://schemas.microsoft.com/office/drawing/2014/main" val="1544087225"/>
+                  </a:ext>
+                </a:extLst>
+              </a:tr>
+              <a:tr h="657502">
+                <a:tc>
+                  <a:txBody>
+                    <a:bodyPr/>
+                    <a:lstStyle/>
+                    <a:p>
+                      <a:pPr marL="0" marR="0" lvl="0" indent="0" algn="l" defTabSz="457200" rtl="0" eaLnBrk="1" fontAlgn="auto" latinLnBrk="0" hangingPunct="1">
+                        <a:lnSpc>
+                          <a:spcPct val="100000"/>
+                        </a:lnSpc>
+                        <a:spcBef>
+                          <a:spcPts val="0"/>
+                        </a:spcBef>
+                        <a:spcAft>
+                          <a:spcPts val="0"/>
+                        </a:spcAft>
+                        <a:buClrTx/>
+                        <a:buSzTx/>
+                        <a:buFontTx/>
+                        <a:buNone/>
+                        <a:tabLst/>
+                        <a:defRPr/>
+                      </a:pPr>
+                      <a:r>
+                        <a:rPr lang="es-CO" sz="1200" dirty="0"/>
+                        <a:t>RF-02</a:t>
+                      </a:r>
+                    </a:p>
+                  </a:txBody>
+                  <a:tcPr/>
+                </a:tc>
+                <a:tc>
+                  <a:txBody>
+                    <a:bodyPr/>
+                    <a:lstStyle/>
+                    <a:p>
+                      <a:r>
+                        <a:rPr lang="es-CO" sz="1200" dirty="0"/>
+                        <a:t>Integración con Pasarela de pagos</a:t>
+                      </a:r>
+                    </a:p>
+                  </a:txBody>
+                  <a:tcPr/>
+                </a:tc>
+                <a:tc>
+                  <a:txBody>
+                    <a:bodyPr/>
+                    <a:lstStyle/>
+                    <a:p>
+                      <a:r>
+                        <a:rPr lang="es-CO" sz="1200" dirty="0"/>
+                        <a:t>Realizar pagos seguros para completar compras</a:t>
+                      </a:r>
+                    </a:p>
+                  </a:txBody>
+                  <a:tcPr/>
+                </a:tc>
+                <a:tc>
+                  <a:txBody>
+                    <a:bodyPr/>
+                    <a:lstStyle/>
+                    <a:p>
+                      <a:r>
+                        <a:rPr lang="es-CO" sz="1200" dirty="0"/>
+                        <a:t>Fundadores, Clientes finales</a:t>
+                      </a:r>
+                    </a:p>
+                  </a:txBody>
+                  <a:tcPr/>
+                </a:tc>
+                <a:tc>
+                  <a:txBody>
+                    <a:bodyPr/>
+                    <a:lstStyle/>
+                    <a:p>
+                      <a:r>
+                        <a:rPr lang="es-CO" sz="1200" dirty="0"/>
+                        <a:t>1</a:t>
+                      </a:r>
+                    </a:p>
+                  </a:txBody>
+                  <a:tcPr/>
+                </a:tc>
+                <a:extLst>
+                  <a:ext uri="{0D108BD9-81ED-4DB2-BD59-A6C34878D82A}">
+                    <a16:rowId xmlns:a16="http://schemas.microsoft.com/office/drawing/2014/main" val="181673887"/>
+                  </a:ext>
+                </a:extLst>
+              </a:tr>
+              <a:tr h="462687">
+                <a:tc>
+                  <a:txBody>
+                    <a:bodyPr/>
+                    <a:lstStyle/>
+                    <a:p>
+                      <a:pPr marL="0" marR="0" lvl="0" indent="0" algn="l" defTabSz="457200" rtl="0" eaLnBrk="1" fontAlgn="auto" latinLnBrk="0" hangingPunct="1">
+                        <a:lnSpc>
+                          <a:spcPct val="100000"/>
+                        </a:lnSpc>
+                        <a:spcBef>
+                          <a:spcPts val="0"/>
+                        </a:spcBef>
+                        <a:spcAft>
+                          <a:spcPts val="0"/>
+                        </a:spcAft>
+                        <a:buClrTx/>
+                        <a:buSzTx/>
+                        <a:buFontTx/>
+                        <a:buNone/>
+                        <a:tabLst/>
+                        <a:defRPr/>
+                      </a:pPr>
+                      <a:r>
+                        <a:rPr lang="es-CO" sz="1200" dirty="0"/>
+                        <a:t>RF-03</a:t>
+                      </a:r>
+                    </a:p>
+                  </a:txBody>
+                  <a:tcPr/>
+                </a:tc>
+                <a:tc>
+                  <a:txBody>
+                    <a:bodyPr/>
+                    <a:lstStyle/>
+                    <a:p>
+                      <a:r>
+                        <a:rPr lang="es-CO" sz="1200" dirty="0"/>
+                        <a:t>Carga productos desde la BD </a:t>
+                      </a:r>
+                    </a:p>
+                  </a:txBody>
+                  <a:tcPr/>
+                </a:tc>
+                <a:tc>
+                  <a:txBody>
+                    <a:bodyPr/>
+                    <a:lstStyle/>
+                    <a:p>
+                      <a:r>
+                        <a:rPr lang="es-CO" sz="1200" dirty="0"/>
+                        <a:t>Mostrar productos que están registrados en la BD</a:t>
+                      </a:r>
+                    </a:p>
+                  </a:txBody>
+                  <a:tcPr anchor="ctr"/>
+                </a:tc>
+                <a:tc>
+                  <a:txBody>
+                    <a:bodyPr/>
+                    <a:lstStyle/>
+                    <a:p>
+                      <a:r>
+                        <a:rPr lang="es-CO" sz="1200" dirty="0"/>
+                        <a:t>Líder de Tecnología</a:t>
+                      </a:r>
+                    </a:p>
+                  </a:txBody>
+                  <a:tcPr/>
+                </a:tc>
+                <a:tc>
+                  <a:txBody>
+                    <a:bodyPr/>
+                    <a:lstStyle/>
+                    <a:p>
+                      <a:r>
+                        <a:rPr lang="es-CO" sz="1200" dirty="0"/>
+                        <a:t>1</a:t>
+                      </a:r>
+                    </a:p>
+                  </a:txBody>
+                  <a:tcPr/>
+                </a:tc>
+                <a:extLst>
+                  <a:ext uri="{0D108BD9-81ED-4DB2-BD59-A6C34878D82A}">
+                    <a16:rowId xmlns:a16="http://schemas.microsoft.com/office/drawing/2014/main" val="1429516624"/>
+                  </a:ext>
+                </a:extLst>
+              </a:tr>
+              <a:tr h="657502">
+                <a:tc>
+                  <a:txBody>
+                    <a:bodyPr/>
+                    <a:lstStyle/>
+                    <a:p>
+                      <a:pPr marL="0" marR="0" lvl="0" indent="0" algn="l" defTabSz="457200" rtl="0" eaLnBrk="1" fontAlgn="auto" latinLnBrk="0" hangingPunct="1">
+                        <a:lnSpc>
+                          <a:spcPct val="100000"/>
+                        </a:lnSpc>
+                        <a:spcBef>
+                          <a:spcPts val="0"/>
+                        </a:spcBef>
+                        <a:spcAft>
+                          <a:spcPts val="0"/>
+                        </a:spcAft>
+                        <a:buClrTx/>
+                        <a:buSzTx/>
+                        <a:buFontTx/>
+                        <a:buNone/>
+                        <a:tabLst/>
+                        <a:defRPr/>
+                      </a:pPr>
+                      <a:r>
+                        <a:rPr lang="es-CO" sz="1200" dirty="0"/>
+                        <a:t>RF-04</a:t>
+                      </a:r>
+                    </a:p>
+                  </a:txBody>
+                  <a:tcPr/>
+                </a:tc>
+                <a:tc>
+                  <a:txBody>
+                    <a:bodyPr/>
+                    <a:lstStyle/>
+                    <a:p>
+                      <a:r>
+                        <a:rPr lang="es-CO" sz="1200" dirty="0"/>
+                        <a:t>Panel interno para ver pedidos realizados</a:t>
+                      </a:r>
+                    </a:p>
+                  </a:txBody>
+                  <a:tcPr/>
+                </a:tc>
+                <a:tc>
+                  <a:txBody>
+                    <a:bodyPr/>
+                    <a:lstStyle/>
+                    <a:p>
+                      <a:r>
+                        <a:rPr lang="es-CO" sz="1200" dirty="0"/>
+                        <a:t>Consultar pedidos realizados para gestión básica.</a:t>
+                      </a:r>
+                    </a:p>
+                  </a:txBody>
+                  <a:tcPr/>
+                </a:tc>
+                <a:tc>
+                  <a:txBody>
+                    <a:bodyPr/>
+                    <a:lstStyle/>
+                    <a:p>
+                      <a:r>
+                        <a:rPr lang="es-CO" sz="1200" dirty="0"/>
+                        <a:t>Fundadores, Líder de tecnología, Marketing</a:t>
+                      </a:r>
+                    </a:p>
+                  </a:txBody>
+                  <a:tcPr/>
+                </a:tc>
+                <a:tc>
+                  <a:txBody>
+                    <a:bodyPr/>
+                    <a:lstStyle/>
+                    <a:p>
+                      <a:r>
+                        <a:rPr lang="es-CO" sz="1200" dirty="0"/>
+                        <a:t>1</a:t>
+                      </a:r>
+                    </a:p>
+                  </a:txBody>
+                  <a:tcPr/>
+                </a:tc>
+                <a:extLst>
+                  <a:ext uri="{0D108BD9-81ED-4DB2-BD59-A6C34878D82A}">
+                    <a16:rowId xmlns:a16="http://schemas.microsoft.com/office/drawing/2014/main" val="776579677"/>
+                  </a:ext>
+                </a:extLst>
+              </a:tr>
+              <a:tr h="462687">
+                <a:tc>
+                  <a:txBody>
+                    <a:bodyPr/>
+                    <a:lstStyle/>
+                    <a:p>
+                      <a:pPr marL="0" marR="0" lvl="0" indent="0" algn="l" defTabSz="457200" rtl="0" eaLnBrk="1" fontAlgn="auto" latinLnBrk="0" hangingPunct="1">
+                        <a:lnSpc>
+                          <a:spcPct val="100000"/>
+                        </a:lnSpc>
+                        <a:spcBef>
+                          <a:spcPts val="0"/>
+                        </a:spcBef>
+                        <a:spcAft>
+                          <a:spcPts val="0"/>
+                        </a:spcAft>
+                        <a:buClrTx/>
+                        <a:buSzTx/>
+                        <a:buFontTx/>
+                        <a:buNone/>
+                        <a:tabLst/>
+                        <a:defRPr/>
+                      </a:pPr>
+                      <a:r>
+                        <a:rPr lang="es-CO" sz="1200" dirty="0"/>
+                        <a:t>RF-05</a:t>
+                      </a:r>
+                    </a:p>
+                  </a:txBody>
+                  <a:tcPr/>
+                </a:tc>
+                <a:tc>
+                  <a:txBody>
+                    <a:bodyPr/>
+                    <a:lstStyle/>
+                    <a:p>
+                      <a:r>
+                        <a:rPr lang="es-CO" sz="1200" dirty="0"/>
+                        <a:t>Reseñas y calificaciones</a:t>
+                      </a:r>
+                    </a:p>
+                  </a:txBody>
+                  <a:tcPr/>
+                </a:tc>
+                <a:tc>
+                  <a:txBody>
+                    <a:bodyPr/>
+                    <a:lstStyle/>
+                    <a:p>
+                      <a:r>
+                        <a:rPr lang="es-ES" sz="1200" dirty="0"/>
+                        <a:t>Permitir a los usuarios dejar reseñas y ver comentarios de otros clientes.</a:t>
+                      </a:r>
+                      <a:endParaRPr lang="es-CO" sz="1200" dirty="0"/>
+                    </a:p>
+                  </a:txBody>
+                  <a:tcPr/>
+                </a:tc>
+                <a:tc>
+                  <a:txBody>
+                    <a:bodyPr/>
+                    <a:lstStyle/>
+                    <a:p>
+                      <a:r>
+                        <a:rPr lang="es-CO" sz="1200" dirty="0"/>
+                        <a:t>Clientes finales, Marketing</a:t>
+                      </a:r>
+                    </a:p>
+                  </a:txBody>
+                  <a:tcPr/>
+                </a:tc>
+                <a:tc>
+                  <a:txBody>
+                    <a:bodyPr/>
+                    <a:lstStyle/>
+                    <a:p>
+                      <a:r>
+                        <a:rPr lang="es-CO" sz="1200" dirty="0"/>
+                        <a:t>3</a:t>
+                      </a:r>
+                    </a:p>
+                  </a:txBody>
+                  <a:tcPr/>
+                </a:tc>
+                <a:extLst>
+                  <a:ext uri="{0D108BD9-81ED-4DB2-BD59-A6C34878D82A}">
+                    <a16:rowId xmlns:a16="http://schemas.microsoft.com/office/drawing/2014/main" val="229096102"/>
+                  </a:ext>
+                </a:extLst>
+              </a:tr>
+              <a:tr h="657502">
+                <a:tc>
+                  <a:txBody>
+                    <a:bodyPr/>
+                    <a:lstStyle/>
+                    <a:p>
+                      <a:pPr marL="0" marR="0" lvl="0" indent="0" algn="l" defTabSz="457200" rtl="0" eaLnBrk="1" fontAlgn="auto" latinLnBrk="0" hangingPunct="1">
+                        <a:lnSpc>
+                          <a:spcPct val="100000"/>
+                        </a:lnSpc>
+                        <a:spcBef>
+                          <a:spcPts val="0"/>
+                        </a:spcBef>
+                        <a:spcAft>
+                          <a:spcPts val="0"/>
+                        </a:spcAft>
+                        <a:buClrTx/>
+                        <a:buSzTx/>
+                        <a:buFontTx/>
+                        <a:buNone/>
+                        <a:tabLst/>
+                        <a:defRPr/>
+                      </a:pPr>
+                      <a:r>
+                        <a:rPr lang="es-CO" sz="1200" dirty="0"/>
+                        <a:t>RF-06</a:t>
+                      </a:r>
+                    </a:p>
+                  </a:txBody>
+                  <a:tcPr/>
+                </a:tc>
+                <a:tc>
+                  <a:txBody>
+                    <a:bodyPr/>
+                    <a:lstStyle/>
+                    <a:p>
+                      <a:r>
+                        <a:rPr lang="es-CO" sz="1200" dirty="0"/>
+                        <a:t>Filtro de búsqueda de productos</a:t>
+                      </a:r>
+                    </a:p>
+                  </a:txBody>
+                  <a:tcPr/>
+                </a:tc>
+                <a:tc>
+                  <a:txBody>
+                    <a:bodyPr/>
+                    <a:lstStyle/>
+                    <a:p>
+                      <a:r>
+                        <a:rPr lang="es-ES" sz="1200" dirty="0"/>
+                        <a:t>Facilitar la navegación entre productos por nombre, precio o características.</a:t>
+                      </a:r>
+                      <a:endParaRPr lang="es-CO" sz="1200" dirty="0"/>
+                    </a:p>
+                  </a:txBody>
+                  <a:tcPr/>
+                </a:tc>
+                <a:tc>
+                  <a:txBody>
+                    <a:bodyPr/>
+                    <a:lstStyle/>
+                    <a:p>
+                      <a:r>
+                        <a:rPr lang="es-CO" sz="1200" dirty="0"/>
+                        <a:t>Clientes finales</a:t>
+                      </a:r>
+                    </a:p>
+                  </a:txBody>
+                  <a:tcPr/>
+                </a:tc>
+                <a:tc>
+                  <a:txBody>
+                    <a:bodyPr/>
+                    <a:lstStyle/>
+                    <a:p>
+                      <a:r>
+                        <a:rPr lang="es-CO" sz="1200" dirty="0"/>
+                        <a:t>2</a:t>
+                      </a:r>
+                    </a:p>
+                  </a:txBody>
+                  <a:tcPr/>
+                </a:tc>
+                <a:extLst>
+                  <a:ext uri="{0D108BD9-81ED-4DB2-BD59-A6C34878D82A}">
+                    <a16:rowId xmlns:a16="http://schemas.microsoft.com/office/drawing/2014/main" val="987916321"/>
+                  </a:ext>
+                </a:extLst>
+              </a:tr>
+            </a:tbl>
+          </a:graphicData>
+        </a:graphic>
+      </p:graphicFrame>
+    </p:spTree>
+    <p:extLst>
+      <p:ext uri="{BB962C8B-B14F-4D97-AF65-F5344CB8AC3E}">
+        <p14:creationId xmlns:p14="http://schemas.microsoft.com/office/powerpoint/2010/main" val="16600562"/>
+      </p:ext>
+    </p:extLst>
+  </p:cSld>
+  <p:clrMapOvr>
+    <a:masterClrMapping/>
+  </p:clrMapOvr>
+</p:sld>
+</file>
+
+<file path=ppt/slides/slide6.xml><?xml version="1.0" encoding="utf-8"?>
+<p:sld xmlns:a="http://schemas.openxmlformats.org/drawingml/2006/main" xmlns:r="http://schemas.openxmlformats.org/officeDocument/2006/relationships" xmlns:p="http://schemas.openxmlformats.org/presentationml/2006/main">
+  <p:cSld>
+    <p:spTree>
+      <p:nvGrpSpPr>
+        <p:cNvPr id="1" name="">
+          <a:extLst>
+            <a:ext uri="{FF2B5EF4-FFF2-40B4-BE49-F238E27FC236}">
+              <a16:creationId xmlns:a16="http://schemas.microsoft.com/office/drawing/2014/main" id="{C87EAA15-C763-A6F8-E97F-B1EE9FC71401}"/>
+            </a:ext>
+          </a:extLst>
+        </p:cNvPr>
+        <p:cNvGrpSpPr/>
+        <p:nvPr/>
+      </p:nvGrpSpPr>
+      <p:grpSpPr>
+        <a:xfrm>
+          <a:off x="0" y="0"/>
+          <a:ext cx="0" cy="0"/>
+          <a:chOff x="0" y="0"/>
+          <a:chExt cx="0" cy="0"/>
+        </a:xfrm>
+      </p:grpSpPr>
+      <p:sp>
+        <p:nvSpPr>
+          <p:cNvPr id="2" name="Título 1">
+            <a:extLst>
+              <a:ext uri="{FF2B5EF4-FFF2-40B4-BE49-F238E27FC236}">
+                <a16:creationId xmlns:a16="http://schemas.microsoft.com/office/drawing/2014/main" id="{6ACBC483-D37C-FC76-5F80-677FB2AAB1B2}"/>
+              </a:ext>
+            </a:extLst>
+          </p:cNvPr>
+          <p:cNvSpPr>
+            <a:spLocks noGrp="1"/>
+          </p:cNvSpPr>
+          <p:nvPr>
+            <p:ph type="title"/>
+          </p:nvPr>
+        </p:nvSpPr>
+        <p:spPr/>
+        <p:txBody>
+          <a:bodyPr/>
+          <a:lstStyle/>
+          <a:p>
+            <a:r>
+              <a:rPr lang="es-CO" dirty="0"/>
+              <a:t>Requisitos Funcionales</a:t>
+            </a:r>
+          </a:p>
+        </p:txBody>
+      </p:sp>
+      <p:graphicFrame>
+        <p:nvGraphicFramePr>
+          <p:cNvPr id="5" name="Marcador de contenido 4">
+            <a:extLst>
+              <a:ext uri="{FF2B5EF4-FFF2-40B4-BE49-F238E27FC236}">
+                <a16:creationId xmlns:a16="http://schemas.microsoft.com/office/drawing/2014/main" id="{77A92C8A-0759-EA19-073E-79C735871CE7}"/>
+              </a:ext>
+            </a:extLst>
+          </p:cNvPr>
+          <p:cNvGraphicFramePr>
+            <a:graphicFrameLocks noGrp="1"/>
+          </p:cNvGraphicFramePr>
+          <p:nvPr>
+            <p:ph idx="1"/>
+            <p:extLst>
+              <p:ext uri="{D42A27DB-BD31-4B8C-83A1-F6EECF244321}">
+                <p14:modId xmlns:p14="http://schemas.microsoft.com/office/powerpoint/2010/main" val="2178190493"/>
+              </p:ext>
+            </p:extLst>
+          </p:nvPr>
+        </p:nvGraphicFramePr>
+        <p:xfrm>
+          <a:off x="556120" y="2446317"/>
+          <a:ext cx="11079760" cy="3233160"/>
+        </p:xfrm>
+        <a:graphic>
+          <a:graphicData uri="http://schemas.openxmlformats.org/drawingml/2006/table">
+            <a:tbl>
+              <a:tblPr firstRow="1" bandRow="1">
+                <a:tableStyleId>{5C22544A-7EE6-4342-B048-85BDC9FD1C3A}</a:tableStyleId>
+              </a:tblPr>
+              <a:tblGrid>
+                <a:gridCol w="919802">
+                  <a:extLst>
+                    <a:ext uri="{9D8B030D-6E8A-4147-A177-3AD203B41FA5}">
+                      <a16:colId xmlns:a16="http://schemas.microsoft.com/office/drawing/2014/main" val="1818179705"/>
+                    </a:ext>
+                  </a:extLst>
+                </a:gridCol>
+                <a:gridCol w="1936157">
+                  <a:extLst>
+                    <a:ext uri="{9D8B030D-6E8A-4147-A177-3AD203B41FA5}">
+                      <a16:colId xmlns:a16="http://schemas.microsoft.com/office/drawing/2014/main" val="1149119685"/>
+                    </a:ext>
+                  </a:extLst>
+                </a:gridCol>
+                <a:gridCol w="3903121">
+                  <a:extLst>
+                    <a:ext uri="{9D8B030D-6E8A-4147-A177-3AD203B41FA5}">
+                      <a16:colId xmlns:a16="http://schemas.microsoft.com/office/drawing/2014/main" val="645133758"/>
+                    </a:ext>
+                  </a:extLst>
+                </a:gridCol>
+                <a:gridCol w="3182587">
+                  <a:extLst>
+                    <a:ext uri="{9D8B030D-6E8A-4147-A177-3AD203B41FA5}">
+                      <a16:colId xmlns:a16="http://schemas.microsoft.com/office/drawing/2014/main" val="3060831916"/>
+                    </a:ext>
+                  </a:extLst>
+                </a:gridCol>
+                <a:gridCol w="1138093">
+                  <a:extLst>
+                    <a:ext uri="{9D8B030D-6E8A-4147-A177-3AD203B41FA5}">
+                      <a16:colId xmlns:a16="http://schemas.microsoft.com/office/drawing/2014/main" val="2068199293"/>
+                    </a:ext>
+                  </a:extLst>
+                </a:gridCol>
+              </a:tblGrid>
+              <a:tr h="292223">
+                <a:tc>
+                  <a:txBody>
+                    <a:bodyPr/>
+                    <a:lstStyle/>
+                    <a:p>
+                      <a:r>
+                        <a:rPr lang="es-CO" sz="1600" dirty="0"/>
+                        <a:t>Id</a:t>
+                      </a:r>
+                    </a:p>
+                  </a:txBody>
+                  <a:tcPr/>
+                </a:tc>
+                <a:tc>
+                  <a:txBody>
+                    <a:bodyPr/>
+                    <a:lstStyle/>
+                    <a:p>
+                      <a:r>
+                        <a:rPr lang="es-CO" sz="1600" dirty="0"/>
+                        <a:t>Nombre</a:t>
+                      </a:r>
+                    </a:p>
+                  </a:txBody>
+                  <a:tcPr/>
+                </a:tc>
+                <a:tc>
+                  <a:txBody>
+                    <a:bodyPr/>
+                    <a:lstStyle/>
+                    <a:p>
+                      <a:r>
+                        <a:rPr lang="es-CO" sz="1600" dirty="0"/>
+                        <a:t>Detalle</a:t>
+                      </a:r>
+                    </a:p>
+                  </a:txBody>
+                  <a:tcPr/>
+                </a:tc>
+                <a:tc>
+                  <a:txBody>
+                    <a:bodyPr/>
+                    <a:lstStyle/>
+                    <a:p>
+                      <a:r>
+                        <a:rPr lang="es-CO" sz="1600" dirty="0"/>
+                        <a:t>Interesados</a:t>
+                      </a:r>
+                    </a:p>
+                  </a:txBody>
+                  <a:tcPr/>
+                </a:tc>
+                <a:tc>
+                  <a:txBody>
+                    <a:bodyPr/>
+                    <a:lstStyle/>
+                    <a:p>
+                      <a:r>
+                        <a:rPr lang="es-CO" sz="1600" dirty="0"/>
+                        <a:t>Prioridad</a:t>
+                      </a:r>
+                    </a:p>
+                  </a:txBody>
+                  <a:tcPr/>
+                </a:tc>
+                <a:extLst>
+                  <a:ext uri="{0D108BD9-81ED-4DB2-BD59-A6C34878D82A}">
+                    <a16:rowId xmlns:a16="http://schemas.microsoft.com/office/drawing/2014/main" val="2016300265"/>
+                  </a:ext>
+                </a:extLst>
+              </a:tr>
+              <a:tr h="657502">
+                <a:tc>
+                  <a:txBody>
+                    <a:bodyPr/>
+                    <a:lstStyle/>
+                    <a:p>
+                      <a:r>
+                        <a:rPr lang="es-CO" sz="1200" dirty="0"/>
+                        <a:t>RF-07</a:t>
+                      </a:r>
+                    </a:p>
+                  </a:txBody>
+                  <a:tcPr/>
+                </a:tc>
+                <a:tc>
+                  <a:txBody>
+                    <a:bodyPr/>
+                    <a:lstStyle/>
+                    <a:p>
+                      <a:r>
+                        <a:rPr lang="es-CO" sz="1200" dirty="0"/>
+                        <a:t>Agregar al carrito</a:t>
+                      </a:r>
+                    </a:p>
+                  </a:txBody>
+                  <a:tcPr/>
+                </a:tc>
+                <a:tc>
+                  <a:txBody>
+                    <a:bodyPr/>
+                    <a:lstStyle/>
+                    <a:p>
+                      <a:r>
+                        <a:rPr lang="es-ES" sz="1200" dirty="0"/>
+                        <a:t>El usuario puede añadir productos al carrito antes de comprar.</a:t>
+                      </a:r>
+                      <a:endParaRPr lang="es-CO" sz="1200" dirty="0"/>
+                    </a:p>
+                  </a:txBody>
+                  <a:tcPr/>
+                </a:tc>
+                <a:tc>
+                  <a:txBody>
+                    <a:bodyPr/>
+                    <a:lstStyle/>
+                    <a:p>
+                      <a:r>
+                        <a:rPr lang="es-CO" sz="1200" dirty="0"/>
+                        <a:t>Clientes finales, líder de tecnología</a:t>
+                      </a:r>
+                    </a:p>
+                  </a:txBody>
+                  <a:tcPr/>
+                </a:tc>
+                <a:tc>
+                  <a:txBody>
+                    <a:bodyPr/>
+                    <a:lstStyle/>
+                    <a:p>
+                      <a:r>
+                        <a:rPr lang="es-CO" sz="1200" dirty="0"/>
+                        <a:t>1</a:t>
+                      </a:r>
+                    </a:p>
+                  </a:txBody>
+                  <a:tcPr/>
+                </a:tc>
+                <a:extLst>
+                  <a:ext uri="{0D108BD9-81ED-4DB2-BD59-A6C34878D82A}">
+                    <a16:rowId xmlns:a16="http://schemas.microsoft.com/office/drawing/2014/main" val="1544087225"/>
+                  </a:ext>
+                </a:extLst>
+              </a:tr>
+              <a:tr h="657502">
+                <a:tc>
+                  <a:txBody>
+                    <a:bodyPr/>
+                    <a:lstStyle/>
+                    <a:p>
+                      <a:pPr marL="0" marR="0" lvl="0" indent="0" algn="l" defTabSz="457200" rtl="0" eaLnBrk="1" fontAlgn="auto" latinLnBrk="0" hangingPunct="1">
+                        <a:lnSpc>
+                          <a:spcPct val="100000"/>
+                        </a:lnSpc>
+                        <a:spcBef>
+                          <a:spcPts val="0"/>
+                        </a:spcBef>
+                        <a:spcAft>
+                          <a:spcPts val="0"/>
+                        </a:spcAft>
+                        <a:buClrTx/>
+                        <a:buSzTx/>
+                        <a:buFontTx/>
+                        <a:buNone/>
+                        <a:tabLst/>
+                        <a:defRPr/>
+                      </a:pPr>
+                      <a:r>
+                        <a:rPr lang="es-CO" sz="1200" dirty="0"/>
+                        <a:t>RF-08</a:t>
+                      </a:r>
+                    </a:p>
+                  </a:txBody>
+                  <a:tcPr/>
+                </a:tc>
+                <a:tc>
+                  <a:txBody>
+                    <a:bodyPr/>
+                    <a:lstStyle/>
+                    <a:p>
+                      <a:r>
+                        <a:rPr lang="es-CO" sz="1200" dirty="0"/>
+                        <a:t>Ver carrito de compras</a:t>
+                      </a:r>
+                    </a:p>
+                  </a:txBody>
+                  <a:tcPr/>
+                </a:tc>
+                <a:tc>
+                  <a:txBody>
+                    <a:bodyPr/>
+                    <a:lstStyle/>
+                    <a:p>
+                      <a:r>
+                        <a:rPr lang="es-ES" sz="1200" dirty="0"/>
+                        <a:t>El usuario puede revisar lo que tiene en el carrito, modificar cantidades o eliminar productos.</a:t>
+                      </a:r>
+                      <a:endParaRPr lang="es-CO" sz="1200" dirty="0"/>
+                    </a:p>
+                  </a:txBody>
+                  <a:tcPr/>
+                </a:tc>
+                <a:tc>
+                  <a:txBody>
+                    <a:bodyPr/>
+                    <a:lstStyle/>
+                    <a:p>
+                      <a:r>
+                        <a:rPr lang="es-CO" sz="1200" dirty="0"/>
+                        <a:t>Clientes finales, líder de tecnología</a:t>
+                      </a:r>
+                    </a:p>
+                  </a:txBody>
+                  <a:tcPr/>
+                </a:tc>
+                <a:tc>
+                  <a:txBody>
+                    <a:bodyPr/>
+                    <a:lstStyle/>
+                    <a:p>
+                      <a:r>
+                        <a:rPr lang="es-CO" sz="1200" dirty="0"/>
+                        <a:t>1</a:t>
+                      </a:r>
+                    </a:p>
+                  </a:txBody>
+                  <a:tcPr/>
+                </a:tc>
+                <a:extLst>
+                  <a:ext uri="{0D108BD9-81ED-4DB2-BD59-A6C34878D82A}">
+                    <a16:rowId xmlns:a16="http://schemas.microsoft.com/office/drawing/2014/main" val="181673887"/>
+                  </a:ext>
+                </a:extLst>
+              </a:tr>
+              <a:tr h="462687">
+                <a:tc>
+                  <a:txBody>
+                    <a:bodyPr/>
+                    <a:lstStyle/>
+                    <a:p>
+                      <a:pPr marL="0" marR="0" lvl="0" indent="0" algn="l" defTabSz="457200" rtl="0" eaLnBrk="1" fontAlgn="auto" latinLnBrk="0" hangingPunct="1">
+                        <a:lnSpc>
+                          <a:spcPct val="100000"/>
+                        </a:lnSpc>
+                        <a:spcBef>
+                          <a:spcPts val="0"/>
+                        </a:spcBef>
+                        <a:spcAft>
+                          <a:spcPts val="0"/>
+                        </a:spcAft>
+                        <a:buClrTx/>
+                        <a:buSzTx/>
+                        <a:buFontTx/>
+                        <a:buNone/>
+                        <a:tabLst/>
+                        <a:defRPr/>
+                      </a:pPr>
+                      <a:r>
+                        <a:rPr lang="es-CO" sz="1200" dirty="0"/>
+                        <a:t>RF-09</a:t>
+                      </a:r>
+                    </a:p>
+                  </a:txBody>
+                  <a:tcPr/>
+                </a:tc>
+                <a:tc>
+                  <a:txBody>
+                    <a:bodyPr/>
+                    <a:lstStyle/>
+                    <a:p>
+                      <a:r>
+                        <a:rPr lang="es-CO" sz="1200" dirty="0"/>
+                        <a:t>Seleccionar método de pago</a:t>
+                      </a:r>
+                    </a:p>
+                  </a:txBody>
+                  <a:tcPr/>
+                </a:tc>
+                <a:tc>
+                  <a:txBody>
+                    <a:bodyPr/>
+                    <a:lstStyle/>
+                    <a:p>
+                      <a:r>
+                        <a:rPr lang="es-ES" sz="1200" dirty="0"/>
+                        <a:t>El usuario puede elegir entre PayPal u otras pasarelas externas disponibles.</a:t>
+                      </a:r>
+                      <a:endParaRPr lang="es-CO" sz="1200" dirty="0"/>
+                    </a:p>
+                  </a:txBody>
+                  <a:tcPr anchor="ctr"/>
+                </a:tc>
+                <a:tc>
+                  <a:txBody>
+                    <a:bodyPr/>
+                    <a:lstStyle/>
+                    <a:p>
+                      <a:r>
+                        <a:rPr lang="es-CO" sz="1200" dirty="0"/>
+                        <a:t>Clientes finales, líder de tecnología</a:t>
+                      </a:r>
+                    </a:p>
+                  </a:txBody>
+                  <a:tcPr/>
+                </a:tc>
+                <a:tc>
+                  <a:txBody>
+                    <a:bodyPr/>
+                    <a:lstStyle/>
+                    <a:p>
+                      <a:r>
+                        <a:rPr lang="es-CO" sz="1200" dirty="0"/>
+                        <a:t>1</a:t>
+                      </a:r>
+                    </a:p>
+                  </a:txBody>
+                  <a:tcPr/>
+                </a:tc>
+                <a:extLst>
+                  <a:ext uri="{0D108BD9-81ED-4DB2-BD59-A6C34878D82A}">
+                    <a16:rowId xmlns:a16="http://schemas.microsoft.com/office/drawing/2014/main" val="1429516624"/>
+                  </a:ext>
+                </a:extLst>
+              </a:tr>
+              <a:tr h="657502">
+                <a:tc>
+                  <a:txBody>
+                    <a:bodyPr/>
+                    <a:lstStyle/>
+                    <a:p>
+                      <a:pPr marL="0" marR="0" lvl="0" indent="0" algn="l" defTabSz="457200" rtl="0" eaLnBrk="1" fontAlgn="auto" latinLnBrk="0" hangingPunct="1">
+                        <a:lnSpc>
+                          <a:spcPct val="100000"/>
+                        </a:lnSpc>
+                        <a:spcBef>
+                          <a:spcPts val="0"/>
+                        </a:spcBef>
+                        <a:spcAft>
+                          <a:spcPts val="0"/>
+                        </a:spcAft>
+                        <a:buClrTx/>
+                        <a:buSzTx/>
+                        <a:buFontTx/>
+                        <a:buNone/>
+                        <a:tabLst/>
+                        <a:defRPr/>
+                      </a:pPr>
+                      <a:r>
+                        <a:rPr lang="es-CO" sz="1200" dirty="0"/>
+                        <a:t>RF-10</a:t>
+                      </a:r>
+                    </a:p>
+                  </a:txBody>
+                  <a:tcPr/>
+                </a:tc>
+                <a:tc>
+                  <a:txBody>
+                    <a:bodyPr/>
+                    <a:lstStyle/>
+                    <a:p>
+                      <a:r>
+                        <a:rPr lang="es-CO" sz="1200" dirty="0"/>
+                        <a:t>Confirmar y realizar compra</a:t>
+                      </a:r>
+                    </a:p>
+                  </a:txBody>
+                  <a:tcPr/>
+                </a:tc>
+                <a:tc>
+                  <a:txBody>
+                    <a:bodyPr/>
+                    <a:lstStyle/>
+                    <a:p>
+                      <a:r>
+                        <a:rPr lang="es-ES" sz="1200" dirty="0"/>
+                        <a:t>El usuario puede confirmar su compra y recibir un mensaje de éxito.</a:t>
+                      </a:r>
+                      <a:endParaRPr lang="es-CO" sz="1200" dirty="0"/>
+                    </a:p>
+                  </a:txBody>
+                  <a:tcPr/>
+                </a:tc>
+                <a:tc>
+                  <a:txBody>
+                    <a:bodyPr/>
+                    <a:lstStyle/>
+                    <a:p>
+                      <a:r>
+                        <a:rPr lang="es-CO" sz="1200" dirty="0"/>
+                        <a:t>Clientes finales, fundadores </a:t>
+                      </a:r>
+                    </a:p>
+                  </a:txBody>
+                  <a:tcPr/>
+                </a:tc>
+                <a:tc>
+                  <a:txBody>
+                    <a:bodyPr/>
+                    <a:lstStyle/>
+                    <a:p>
+                      <a:r>
+                        <a:rPr lang="es-CO" sz="1200" dirty="0"/>
+                        <a:t>1</a:t>
+                      </a:r>
+                    </a:p>
+                  </a:txBody>
+                  <a:tcPr/>
+                </a:tc>
+                <a:extLst>
+                  <a:ext uri="{0D108BD9-81ED-4DB2-BD59-A6C34878D82A}">
+                    <a16:rowId xmlns:a16="http://schemas.microsoft.com/office/drawing/2014/main" val="776579677"/>
+                  </a:ext>
+                </a:extLst>
+              </a:tr>
+              <a:tr h="462687">
+                <a:tc>
+                  <a:txBody>
+                    <a:bodyPr/>
+                    <a:lstStyle/>
+                    <a:p>
+                      <a:pPr marL="0" marR="0" lvl="0" indent="0" algn="l" defTabSz="457200" rtl="0" eaLnBrk="1" fontAlgn="auto" latinLnBrk="0" hangingPunct="1">
+                        <a:lnSpc>
+                          <a:spcPct val="100000"/>
+                        </a:lnSpc>
+                        <a:spcBef>
+                          <a:spcPts val="0"/>
+                        </a:spcBef>
+                        <a:spcAft>
+                          <a:spcPts val="0"/>
+                        </a:spcAft>
+                        <a:buClrTx/>
+                        <a:buSzTx/>
+                        <a:buFontTx/>
+                        <a:buNone/>
+                        <a:tabLst/>
+                        <a:defRPr/>
+                      </a:pPr>
+                      <a:r>
+                        <a:rPr lang="es-CO" sz="1200" dirty="0"/>
+                        <a:t>RF-11</a:t>
+                      </a:r>
+                    </a:p>
+                  </a:txBody>
+                  <a:tcPr/>
+                </a:tc>
+                <a:tc>
+                  <a:txBody>
+                    <a:bodyPr/>
+                    <a:lstStyle/>
+                    <a:p>
+                      <a:r>
+                        <a:rPr lang="es-CO" sz="1200" dirty="0"/>
+                        <a:t>Recibir confirmación de compra</a:t>
+                      </a:r>
+                    </a:p>
+                  </a:txBody>
+                  <a:tcPr/>
+                </a:tc>
+                <a:tc>
+                  <a:txBody>
+                    <a:bodyPr/>
+                    <a:lstStyle/>
+                    <a:p>
+                      <a:r>
+                        <a:rPr lang="es-ES" sz="1200" dirty="0"/>
+                        <a:t>El sistema envía un mensaje (en pantalla o por correo) confirmando la compra.</a:t>
+                      </a:r>
+                      <a:endParaRPr lang="es-CO" sz="1200" dirty="0"/>
+                    </a:p>
+                  </a:txBody>
+                  <a:tcPr/>
+                </a:tc>
+                <a:tc>
+                  <a:txBody>
+                    <a:bodyPr/>
+                    <a:lstStyle/>
+                    <a:p>
+                      <a:r>
+                        <a:rPr lang="es-CO" sz="1200" dirty="0"/>
+                        <a:t>Clientes finales</a:t>
+                      </a:r>
+                    </a:p>
+                  </a:txBody>
+                  <a:tcPr/>
+                </a:tc>
+                <a:tc>
+                  <a:txBody>
+                    <a:bodyPr/>
+                    <a:lstStyle/>
+                    <a:p>
+                      <a:r>
+                        <a:rPr lang="es-CO" sz="1200" dirty="0"/>
+                        <a:t>2</a:t>
+                      </a:r>
+                    </a:p>
+                  </a:txBody>
+                  <a:tcPr/>
+                </a:tc>
+                <a:extLst>
+                  <a:ext uri="{0D108BD9-81ED-4DB2-BD59-A6C34878D82A}">
+                    <a16:rowId xmlns:a16="http://schemas.microsoft.com/office/drawing/2014/main" val="229096102"/>
+                  </a:ext>
+                </a:extLst>
+              </a:tr>
+            </a:tbl>
+          </a:graphicData>
+        </a:graphic>
+      </p:graphicFrame>
+    </p:spTree>
+    <p:extLst>
+      <p:ext uri="{BB962C8B-B14F-4D97-AF65-F5344CB8AC3E}">
+        <p14:creationId xmlns:p14="http://schemas.microsoft.com/office/powerpoint/2010/main" val="3913458526"/>
+      </p:ext>
+    </p:extLst>
+  </p:cSld>
+  <p:clrMapOvr>
+    <a:masterClrMapping/>
+  </p:clrMapOvr>
+</p:sld>
+</file>
+
+<file path=ppt/slides/slide7.xml><?xml version="1.0" encoding="utf-8"?>
+<p:sld xmlns:a="http://schemas.openxmlformats.org/drawingml/2006/main" xmlns:r="http://schemas.openxmlformats.org/officeDocument/2006/relationships" xmlns:p="http://schemas.openxmlformats.org/presentationml/2006/main">
+  <p:cSld>
+    <p:spTree>
+      <p:nvGrpSpPr>
+        <p:cNvPr id="1" name=""/>
+        <p:cNvGrpSpPr/>
+        <p:nvPr/>
+      </p:nvGrpSpPr>
+      <p:grpSpPr>
+        <a:xfrm>
+          <a:off x="0" y="0"/>
+          <a:ext cx="0" cy="0"/>
+          <a:chOff x="0" y="0"/>
+          <a:chExt cx="0" cy="0"/>
+        </a:xfrm>
+      </p:grpSpPr>
+      <p:sp>
+        <p:nvSpPr>
+          <p:cNvPr id="2" name="Título 1">
+            <a:extLst>
+              <a:ext uri="{FF2B5EF4-FFF2-40B4-BE49-F238E27FC236}">
+                <a16:creationId xmlns:a16="http://schemas.microsoft.com/office/drawing/2014/main" id="{C276C733-1D19-6B60-25A8-6DCD4EA046DC}"/>
+              </a:ext>
+            </a:extLst>
+          </p:cNvPr>
+          <p:cNvSpPr>
+            <a:spLocks noGrp="1"/>
+          </p:cNvSpPr>
+          <p:nvPr>
+            <p:ph type="title"/>
+          </p:nvPr>
+        </p:nvSpPr>
+        <p:spPr/>
+        <p:txBody>
+          <a:bodyPr/>
+          <a:lstStyle/>
+          <a:p>
+            <a:r>
+              <a:rPr lang="es-CO" dirty="0"/>
+              <a:t>Requisitos No Funcionales</a:t>
+            </a:r>
+          </a:p>
+        </p:txBody>
+      </p:sp>
+      <p:graphicFrame>
+        <p:nvGraphicFramePr>
+          <p:cNvPr id="7" name="Marcador de contenido 4">
+            <a:extLst>
+              <a:ext uri="{FF2B5EF4-FFF2-40B4-BE49-F238E27FC236}">
+                <a16:creationId xmlns:a16="http://schemas.microsoft.com/office/drawing/2014/main" id="{7A5A91C8-F97C-E461-599D-9DEA0DBF0E6F}"/>
+              </a:ext>
+            </a:extLst>
+          </p:cNvPr>
+          <p:cNvGraphicFramePr>
+            <a:graphicFrameLocks/>
+          </p:cNvGraphicFramePr>
+          <p:nvPr>
+            <p:extLst>
+              <p:ext uri="{D42A27DB-BD31-4B8C-83A1-F6EECF244321}">
+                <p14:modId xmlns:p14="http://schemas.microsoft.com/office/powerpoint/2010/main" val="2626872920"/>
+              </p:ext>
+            </p:extLst>
+          </p:nvPr>
+        </p:nvGraphicFramePr>
+        <p:xfrm>
+          <a:off x="525462" y="2487138"/>
+          <a:ext cx="11141075" cy="4193182"/>
+        </p:xfrm>
+        <a:graphic>
+          <a:graphicData uri="http://schemas.openxmlformats.org/drawingml/2006/table">
+            <a:tbl>
+              <a:tblPr firstRow="1" bandRow="1">
+                <a:tableStyleId>{5C22544A-7EE6-4342-B048-85BDC9FD1C3A}</a:tableStyleId>
+              </a:tblPr>
+              <a:tblGrid>
+                <a:gridCol w="785792">
+                  <a:extLst>
+                    <a:ext uri="{9D8B030D-6E8A-4147-A177-3AD203B41FA5}">
+                      <a16:colId xmlns:a16="http://schemas.microsoft.com/office/drawing/2014/main" val="1818179705"/>
+                    </a:ext>
+                  </a:extLst>
+                </a:gridCol>
+                <a:gridCol w="1721922">
+                  <a:extLst>
+                    <a:ext uri="{9D8B030D-6E8A-4147-A177-3AD203B41FA5}">
+                      <a16:colId xmlns:a16="http://schemas.microsoft.com/office/drawing/2014/main" val="1149119685"/>
+                    </a:ext>
+                  </a:extLst>
+                </a:gridCol>
+                <a:gridCol w="3553115">
+                  <a:extLst>
+                    <a:ext uri="{9D8B030D-6E8A-4147-A177-3AD203B41FA5}">
+                      <a16:colId xmlns:a16="http://schemas.microsoft.com/office/drawing/2014/main" val="645133758"/>
+                    </a:ext>
+                  </a:extLst>
+                </a:gridCol>
+                <a:gridCol w="2348921">
+                  <a:extLst>
+                    <a:ext uri="{9D8B030D-6E8A-4147-A177-3AD203B41FA5}">
+                      <a16:colId xmlns:a16="http://schemas.microsoft.com/office/drawing/2014/main" val="3060831916"/>
+                    </a:ext>
+                  </a:extLst>
+                </a:gridCol>
+                <a:gridCol w="1068779">
+                  <a:extLst>
+                    <a:ext uri="{9D8B030D-6E8A-4147-A177-3AD203B41FA5}">
+                      <a16:colId xmlns:a16="http://schemas.microsoft.com/office/drawing/2014/main" val="2068199293"/>
+                    </a:ext>
+                  </a:extLst>
+                </a:gridCol>
+                <a:gridCol w="1662546">
+                  <a:extLst>
+                    <a:ext uri="{9D8B030D-6E8A-4147-A177-3AD203B41FA5}">
+                      <a16:colId xmlns:a16="http://schemas.microsoft.com/office/drawing/2014/main" val="4032293310"/>
+                    </a:ext>
+                  </a:extLst>
+                </a:gridCol>
+              </a:tblGrid>
+              <a:tr h="292223">
+                <a:tc>
+                  <a:txBody>
+                    <a:bodyPr/>
+                    <a:lstStyle/>
+                    <a:p>
+                      <a:r>
+                        <a:rPr lang="es-CO" sz="1600"/>
+                        <a:t>Id</a:t>
+                      </a:r>
+                    </a:p>
+                  </a:txBody>
+                  <a:tcPr anchor="ctr"/>
+                </a:tc>
+                <a:tc>
+                  <a:txBody>
+                    <a:bodyPr/>
+                    <a:lstStyle/>
+                    <a:p>
+                      <a:r>
+                        <a:rPr lang="es-CO" sz="1600" dirty="0"/>
+                        <a:t>Nombre</a:t>
+                      </a:r>
+                    </a:p>
+                  </a:txBody>
+                  <a:tcPr anchor="ctr"/>
+                </a:tc>
+                <a:tc>
+                  <a:txBody>
+                    <a:bodyPr/>
+                    <a:lstStyle/>
+                    <a:p>
+                      <a:r>
+                        <a:rPr lang="es-CO" sz="1600" dirty="0"/>
+                        <a:t>Detalle mejorado</a:t>
+                      </a:r>
+                    </a:p>
+                  </a:txBody>
+                  <a:tcPr anchor="ctr"/>
+                </a:tc>
+                <a:tc>
+                  <a:txBody>
+                    <a:bodyPr/>
+                    <a:lstStyle/>
+                    <a:p>
+                      <a:r>
+                        <a:rPr lang="es-CO" sz="1600"/>
+                        <a:t>Interesados</a:t>
+                      </a:r>
+                    </a:p>
+                  </a:txBody>
+                  <a:tcPr anchor="ctr"/>
+                </a:tc>
+                <a:tc>
+                  <a:txBody>
+                    <a:bodyPr/>
+                    <a:lstStyle/>
+                    <a:p>
+                      <a:r>
+                        <a:rPr lang="es-CO" sz="1600" dirty="0"/>
+                        <a:t>Prioridad</a:t>
+                      </a:r>
+                    </a:p>
+                  </a:txBody>
+                  <a:tcPr anchor="ctr"/>
+                </a:tc>
+                <a:tc>
+                  <a:txBody>
+                    <a:bodyPr/>
+                    <a:lstStyle/>
+                    <a:p>
+                      <a:r>
+                        <a:rPr lang="es-CO" sz="1600" dirty="0"/>
+                        <a:t>Métrica</a:t>
+                      </a:r>
+                    </a:p>
+                  </a:txBody>
+                  <a:tcPr anchor="ctr"/>
+                </a:tc>
+                <a:extLst>
+                  <a:ext uri="{0D108BD9-81ED-4DB2-BD59-A6C34878D82A}">
+                    <a16:rowId xmlns:a16="http://schemas.microsoft.com/office/drawing/2014/main" val="2016300265"/>
+                  </a:ext>
+                </a:extLst>
+              </a:tr>
+              <a:tr h="657502">
+                <a:tc>
+                  <a:txBody>
+                    <a:bodyPr/>
+                    <a:lstStyle/>
+                    <a:p>
+                      <a:r>
+                        <a:rPr lang="es-CO" sz="1200"/>
+                        <a:t>RNF-01</a:t>
+                      </a:r>
+                    </a:p>
+                  </a:txBody>
+                  <a:tcPr anchor="ctr"/>
+                </a:tc>
+                <a:tc>
+                  <a:txBody>
+                    <a:bodyPr/>
+                    <a:lstStyle/>
+                    <a:p>
+                      <a:r>
+                        <a:rPr lang="es-CO" sz="1200" dirty="0"/>
+                        <a:t>Optimización de Carga</a:t>
+                      </a:r>
+                    </a:p>
+                  </a:txBody>
+                  <a:tcPr anchor="ctr"/>
+                </a:tc>
+                <a:tc>
+                  <a:txBody>
+                    <a:bodyPr/>
+                    <a:lstStyle/>
+                    <a:p>
+                      <a:r>
+                        <a:rPr lang="es-ES" sz="1200" dirty="0"/>
+                        <a:t>Garantizar que el sitio cargue rápidamente, optimizando imágenes, recursos y tiempos de respuesta.</a:t>
+                      </a:r>
+                    </a:p>
+                  </a:txBody>
+                  <a:tcPr anchor="ctr"/>
+                </a:tc>
+                <a:tc>
+                  <a:txBody>
+                    <a:bodyPr/>
+                    <a:lstStyle/>
+                    <a:p>
+                      <a:r>
+                        <a:rPr lang="es-ES" sz="1200" dirty="0"/>
+                        <a:t>Clientes finales, Líder de Tecnología</a:t>
+                      </a:r>
+                    </a:p>
+                  </a:txBody>
+                  <a:tcPr anchor="ctr"/>
+                </a:tc>
+                <a:tc>
+                  <a:txBody>
+                    <a:bodyPr/>
+                    <a:lstStyle/>
+                    <a:p>
+                      <a:r>
+                        <a:rPr lang="es-CO" sz="1200"/>
+                        <a:t>1</a:t>
+                      </a:r>
+                    </a:p>
+                  </a:txBody>
+                  <a:tcPr anchor="ctr"/>
+                </a:tc>
+                <a:tc>
+                  <a:txBody>
+                    <a:bodyPr/>
+                    <a:lstStyle/>
+                    <a:p>
+                      <a:r>
+                        <a:rPr lang="es-ES" sz="1200" dirty="0"/>
+                        <a:t>Carga inicial entre </a:t>
+                      </a:r>
+                      <a:r>
+                        <a:rPr lang="es-ES" sz="1200" b="1" dirty="0"/>
+                        <a:t>2 y 5 segundos</a:t>
+                      </a:r>
+                      <a:endParaRPr lang="es-ES" sz="1200" dirty="0"/>
+                    </a:p>
+                  </a:txBody>
+                  <a:tcPr anchor="ctr"/>
+                </a:tc>
+                <a:extLst>
+                  <a:ext uri="{0D108BD9-81ED-4DB2-BD59-A6C34878D82A}">
+                    <a16:rowId xmlns:a16="http://schemas.microsoft.com/office/drawing/2014/main" val="1544087225"/>
+                  </a:ext>
+                </a:extLst>
+              </a:tr>
+              <a:tr h="657502">
+                <a:tc>
+                  <a:txBody>
+                    <a:bodyPr/>
+                    <a:lstStyle/>
+                    <a:p>
+                      <a:r>
+                        <a:rPr lang="es-CO" sz="1200"/>
+                        <a:t>RNF-02</a:t>
+                      </a:r>
+                    </a:p>
+                  </a:txBody>
+                  <a:tcPr anchor="ctr"/>
+                </a:tc>
+                <a:tc>
+                  <a:txBody>
+                    <a:bodyPr/>
+                    <a:lstStyle/>
+                    <a:p>
+                      <a:r>
+                        <a:rPr lang="es-ES" sz="1200" dirty="0"/>
+                        <a:t>Diseño visual elegante y atractiva</a:t>
+                      </a:r>
+                    </a:p>
+                  </a:txBody>
+                  <a:tcPr anchor="ctr"/>
+                </a:tc>
+                <a:tc>
+                  <a:txBody>
+                    <a:bodyPr/>
+                    <a:lstStyle/>
+                    <a:p>
+                      <a:r>
+                        <a:rPr lang="es-ES" sz="1200" dirty="0"/>
+                        <a:t>La interfaz debe reflejar una estética moderna y exclusiva, alineada con el branding de lujo, y ofrecer una experiencia visual coherente y pulida.</a:t>
+                      </a:r>
+                    </a:p>
+                  </a:txBody>
+                  <a:tcPr anchor="ctr"/>
+                </a:tc>
+                <a:tc>
+                  <a:txBody>
+                    <a:bodyPr/>
+                    <a:lstStyle/>
+                    <a:p>
+                      <a:r>
+                        <a:rPr lang="es-CO" sz="1200"/>
+                        <a:t>Clientes finales, Líder de Marketing</a:t>
+                      </a:r>
+                    </a:p>
+                  </a:txBody>
+                  <a:tcPr anchor="ctr"/>
+                </a:tc>
+                <a:tc>
+                  <a:txBody>
+                    <a:bodyPr/>
+                    <a:lstStyle/>
+                    <a:p>
+                      <a:r>
+                        <a:rPr lang="es-CO" sz="1200"/>
+                        <a:t>1</a:t>
+                      </a:r>
+                    </a:p>
+                  </a:txBody>
+                  <a:tcPr anchor="ctr"/>
+                </a:tc>
+                <a:tc>
+                  <a:txBody>
+                    <a:bodyPr/>
+                    <a:lstStyle/>
+                    <a:p>
+                      <a:r>
+                        <a:rPr lang="es-ES" sz="1200" dirty="0"/>
+                        <a:t>Cumplimiento de guías de estilo y validación por pruebas de usuario</a:t>
+                      </a:r>
+                    </a:p>
+                  </a:txBody>
+                  <a:tcPr anchor="ctr"/>
+                </a:tc>
+                <a:extLst>
+                  <a:ext uri="{0D108BD9-81ED-4DB2-BD59-A6C34878D82A}">
+                    <a16:rowId xmlns:a16="http://schemas.microsoft.com/office/drawing/2014/main" val="181673887"/>
+                  </a:ext>
+                </a:extLst>
+              </a:tr>
+              <a:tr h="462687">
+                <a:tc>
+                  <a:txBody>
+                    <a:bodyPr/>
+                    <a:lstStyle/>
+                    <a:p>
+                      <a:r>
+                        <a:rPr lang="es-CO" sz="1200" dirty="0"/>
+                        <a:t>RNF-03</a:t>
+                      </a:r>
+                    </a:p>
+                  </a:txBody>
+                  <a:tcPr anchor="ctr"/>
+                </a:tc>
+                <a:tc>
+                  <a:txBody>
+                    <a:bodyPr/>
+                    <a:lstStyle/>
+                    <a:p>
+                      <a:r>
+                        <a:rPr lang="es-CO" sz="1200" dirty="0"/>
+                        <a:t>Arquitectura limpia para integraciones</a:t>
+                      </a:r>
+                    </a:p>
+                  </a:txBody>
+                  <a:tcPr anchor="ctr"/>
+                </a:tc>
+                <a:tc>
+                  <a:txBody>
+                    <a:bodyPr/>
+                    <a:lstStyle/>
+                    <a:p>
+                      <a:r>
+                        <a:rPr lang="es-ES" sz="1200" dirty="0"/>
+                        <a:t>El código debe permitir integración futura con servicios externos (como logística o CRM) mediante prácticas limpias, desacopladas y bien documentadas.</a:t>
+                      </a:r>
+                    </a:p>
+                  </a:txBody>
+                  <a:tcPr anchor="ctr"/>
+                </a:tc>
+                <a:tc>
+                  <a:txBody>
+                    <a:bodyPr/>
+                    <a:lstStyle/>
+                    <a:p>
+                      <a:r>
+                        <a:rPr lang="es-CO" sz="1200"/>
+                        <a:t>Líder de Tecnología</a:t>
+                      </a:r>
+                    </a:p>
+                  </a:txBody>
+                  <a:tcPr anchor="ctr"/>
+                </a:tc>
+                <a:tc>
+                  <a:txBody>
+                    <a:bodyPr/>
+                    <a:lstStyle/>
+                    <a:p>
+                      <a:r>
+                        <a:rPr lang="es-CO" sz="1200"/>
+                        <a:t>2</a:t>
+                      </a:r>
+                    </a:p>
+                  </a:txBody>
+                  <a:tcPr anchor="ctr"/>
+                </a:tc>
+                <a:tc>
+                  <a:txBody>
+                    <a:bodyPr/>
+                    <a:lstStyle/>
+                    <a:p>
+                      <a:r>
+                        <a:rPr lang="es-ES" sz="1200" dirty="0"/>
+                        <a:t>Uso de arquitectura con separación de capas y documentación técnica actualizada</a:t>
+                      </a:r>
+                    </a:p>
+                  </a:txBody>
+                  <a:tcPr anchor="ctr"/>
+                </a:tc>
+                <a:extLst>
+                  <a:ext uri="{0D108BD9-81ED-4DB2-BD59-A6C34878D82A}">
+                    <a16:rowId xmlns:a16="http://schemas.microsoft.com/office/drawing/2014/main" val="1429516624"/>
+                  </a:ext>
+                </a:extLst>
+              </a:tr>
+              <a:tr h="462687">
+                <a:tc>
+                  <a:txBody>
+                    <a:bodyPr/>
+                    <a:lstStyle/>
+                    <a:p>
+                      <a:pPr marL="0" marR="0" lvl="0" indent="0" algn="l" defTabSz="457200" rtl="0" eaLnBrk="1" fontAlgn="auto" latinLnBrk="0" hangingPunct="1">
+                        <a:lnSpc>
+                          <a:spcPct val="100000"/>
+                        </a:lnSpc>
+                        <a:spcBef>
+                          <a:spcPts val="0"/>
+                        </a:spcBef>
+                        <a:spcAft>
+                          <a:spcPts val="0"/>
+                        </a:spcAft>
+                        <a:buClrTx/>
+                        <a:buSzTx/>
+                        <a:buFontTx/>
+                        <a:buNone/>
+                        <a:tabLst/>
+                        <a:defRPr/>
+                      </a:pPr>
+                      <a:r>
+                        <a:rPr lang="es-CO" sz="1200" dirty="0"/>
+                        <a:t>RNF-04</a:t>
+                      </a:r>
+                    </a:p>
+                  </a:txBody>
+                  <a:tcPr anchor="ctr"/>
+                </a:tc>
+                <a:tc>
+                  <a:txBody>
+                    <a:bodyPr/>
+                    <a:lstStyle/>
+                    <a:p>
+                      <a:r>
+                        <a:rPr lang="es-ES" sz="1200" dirty="0"/>
+                        <a:t>Disponibilidad y estabilidad en el flujo de compra</a:t>
+                      </a:r>
+                      <a:endParaRPr lang="es-CO" sz="1200" dirty="0"/>
+                    </a:p>
+                  </a:txBody>
+                  <a:tcPr anchor="ctr"/>
+                </a:tc>
+                <a:tc>
+                  <a:txBody>
+                    <a:bodyPr/>
+                    <a:lstStyle/>
+                    <a:p>
+                      <a:r>
+                        <a:rPr lang="es-ES" sz="1200" dirty="0"/>
+                        <a:t>El flujo de compra debe estar disponible el 99.9% del tiempo sin errores críticos y debe ser accesible para dispositivos de gama alta y baja</a:t>
+                      </a:r>
+                    </a:p>
+                  </a:txBody>
+                  <a:tcPr anchor="ctr"/>
+                </a:tc>
+                <a:tc>
+                  <a:txBody>
+                    <a:bodyPr/>
+                    <a:lstStyle/>
+                    <a:p>
+                      <a:r>
+                        <a:rPr lang="es-CO" sz="1200" dirty="0"/>
+                        <a:t>Clientes finales</a:t>
+                      </a:r>
+                    </a:p>
+                  </a:txBody>
+                  <a:tcPr anchor="ctr"/>
+                </a:tc>
+                <a:tc>
+                  <a:txBody>
+                    <a:bodyPr/>
+                    <a:lstStyle/>
+                    <a:p>
+                      <a:r>
+                        <a:rPr lang="es-CO" sz="1200" dirty="0"/>
+                        <a:t>1</a:t>
+                      </a:r>
+                    </a:p>
+                  </a:txBody>
+                  <a:tcPr anchor="ctr"/>
+                </a:tc>
+                <a:tc>
+                  <a:txBody>
+                    <a:bodyPr/>
+                    <a:lstStyle/>
+                    <a:p>
+                      <a:r>
+                        <a:rPr lang="es-ES" sz="1200" b="0" dirty="0"/>
+                        <a:t>Disponibilidad</a:t>
+                      </a:r>
+                      <a:r>
+                        <a:rPr lang="es-ES" sz="1200" dirty="0"/>
+                        <a:t> del servicio durante el proceso de compra ≥ </a:t>
+                      </a:r>
+                      <a:r>
+                        <a:rPr lang="es-ES" sz="1200" b="1" dirty="0"/>
+                        <a:t>99.9%</a:t>
+                      </a:r>
+                      <a:r>
+                        <a:rPr lang="es-ES" sz="1200" dirty="0"/>
+                        <a:t> mensual con </a:t>
+                      </a:r>
+                      <a:r>
+                        <a:rPr lang="es-CO" sz="1200" b="1" dirty="0"/>
+                        <a:t>0</a:t>
+                      </a:r>
+                      <a:r>
+                        <a:rPr lang="es-CO" sz="1200" dirty="0"/>
+                        <a:t> errores funcionales</a:t>
+                      </a:r>
+                      <a:endParaRPr lang="es-ES" sz="1200" dirty="0"/>
+                    </a:p>
+                  </a:txBody>
+                  <a:tcPr anchor="ctr"/>
+                </a:tc>
+                <a:extLst>
+                  <a:ext uri="{0D108BD9-81ED-4DB2-BD59-A6C34878D82A}">
+                    <a16:rowId xmlns:a16="http://schemas.microsoft.com/office/drawing/2014/main" val="882801141"/>
+                  </a:ext>
+                </a:extLst>
+              </a:tr>
+            </a:tbl>
+          </a:graphicData>
+        </a:graphic>
+      </p:graphicFrame>
+    </p:spTree>
+    <p:extLst>
+      <p:ext uri="{BB962C8B-B14F-4D97-AF65-F5344CB8AC3E}">
+        <p14:creationId xmlns:p14="http://schemas.microsoft.com/office/powerpoint/2010/main" val="2851455220"/>
+      </p:ext>
+    </p:extLst>
+  </p:cSld>
+  <p:clrMapOvr>
+    <a:masterClrMapping/>
+  </p:clrMapOvr>
+</p:sld>
+</file>
+
+<file path=ppt/slides/slide8.xml><?xml version="1.0" encoding="utf-8"?>
+<p:sld xmlns:a="http://schemas.openxmlformats.org/drawingml/2006/main" xmlns:r="http://schemas.openxmlformats.org/officeDocument/2006/relationships" xmlns:p="http://schemas.openxmlformats.org/presentationml/2006/main">
+  <p:cSld>
+    <p:spTree>
+      <p:nvGrpSpPr>
+        <p:cNvPr id="1" name="">
+          <a:extLst>
+            <a:ext uri="{FF2B5EF4-FFF2-40B4-BE49-F238E27FC236}">
+              <a16:creationId xmlns:a16="http://schemas.microsoft.com/office/drawing/2014/main" id="{11E7D3CF-4A13-4C30-6F1F-F0736BA3EAF4}"/>
+            </a:ext>
+          </a:extLst>
+        </p:cNvPr>
+        <p:cNvGrpSpPr/>
+        <p:nvPr/>
+      </p:nvGrpSpPr>
+      <p:grpSpPr>
+        <a:xfrm>
+          <a:off x="0" y="0"/>
+          <a:ext cx="0" cy="0"/>
+          <a:chOff x="0" y="0"/>
+          <a:chExt cx="0" cy="0"/>
+        </a:xfrm>
+      </p:grpSpPr>
+      <p:sp>
+        <p:nvSpPr>
+          <p:cNvPr id="2" name="Título 1">
+            <a:extLst>
+              <a:ext uri="{FF2B5EF4-FFF2-40B4-BE49-F238E27FC236}">
+                <a16:creationId xmlns:a16="http://schemas.microsoft.com/office/drawing/2014/main" id="{60016671-3B96-91F1-54D7-1CA4B1A7BFDE}"/>
+              </a:ext>
+            </a:extLst>
+          </p:cNvPr>
+          <p:cNvSpPr>
+            <a:spLocks noGrp="1"/>
+          </p:cNvSpPr>
+          <p:nvPr>
+            <p:ph type="title"/>
+          </p:nvPr>
+        </p:nvSpPr>
+        <p:spPr/>
+        <p:txBody>
+          <a:bodyPr/>
+          <a:lstStyle/>
+          <a:p>
+            <a:r>
+              <a:rPr lang="es-CO" dirty="0"/>
+              <a:t>Requisitos No Funcionales</a:t>
+            </a:r>
+          </a:p>
+        </p:txBody>
+      </p:sp>
+      <p:graphicFrame>
+        <p:nvGraphicFramePr>
+          <p:cNvPr id="7" name="Marcador de contenido 4">
+            <a:extLst>
+              <a:ext uri="{FF2B5EF4-FFF2-40B4-BE49-F238E27FC236}">
+                <a16:creationId xmlns:a16="http://schemas.microsoft.com/office/drawing/2014/main" id="{1017EC31-0110-3AD5-0DFD-9CDD7CE521C3}"/>
+              </a:ext>
+            </a:extLst>
+          </p:cNvPr>
+          <p:cNvGraphicFramePr>
+            <a:graphicFrameLocks/>
+          </p:cNvGraphicFramePr>
+          <p:nvPr>
+            <p:extLst>
+              <p:ext uri="{D42A27DB-BD31-4B8C-83A1-F6EECF244321}">
+                <p14:modId xmlns:p14="http://schemas.microsoft.com/office/powerpoint/2010/main" val="1345274678"/>
+              </p:ext>
+            </p:extLst>
+          </p:nvPr>
+        </p:nvGraphicFramePr>
+        <p:xfrm>
+          <a:off x="525462" y="2714412"/>
+          <a:ext cx="11141075" cy="3169920"/>
+        </p:xfrm>
+        <a:graphic>
+          <a:graphicData uri="http://schemas.openxmlformats.org/drawingml/2006/table">
+            <a:tbl>
+              <a:tblPr firstRow="1" bandRow="1">
+                <a:tableStyleId>{5C22544A-7EE6-4342-B048-85BDC9FD1C3A}</a:tableStyleId>
+              </a:tblPr>
+              <a:tblGrid>
+                <a:gridCol w="785792">
+                  <a:extLst>
+                    <a:ext uri="{9D8B030D-6E8A-4147-A177-3AD203B41FA5}">
+                      <a16:colId xmlns:a16="http://schemas.microsoft.com/office/drawing/2014/main" val="1818179705"/>
+                    </a:ext>
+                  </a:extLst>
+                </a:gridCol>
+                <a:gridCol w="1721922">
+                  <a:extLst>
+                    <a:ext uri="{9D8B030D-6E8A-4147-A177-3AD203B41FA5}">
+                      <a16:colId xmlns:a16="http://schemas.microsoft.com/office/drawing/2014/main" val="1149119685"/>
+                    </a:ext>
+                  </a:extLst>
+                </a:gridCol>
+                <a:gridCol w="3553115">
+                  <a:extLst>
+                    <a:ext uri="{9D8B030D-6E8A-4147-A177-3AD203B41FA5}">
+                      <a16:colId xmlns:a16="http://schemas.microsoft.com/office/drawing/2014/main" val="645133758"/>
+                    </a:ext>
+                  </a:extLst>
+                </a:gridCol>
+                <a:gridCol w="2348921">
+                  <a:extLst>
+                    <a:ext uri="{9D8B030D-6E8A-4147-A177-3AD203B41FA5}">
+                      <a16:colId xmlns:a16="http://schemas.microsoft.com/office/drawing/2014/main" val="3060831916"/>
+                    </a:ext>
+                  </a:extLst>
+                </a:gridCol>
+                <a:gridCol w="1068779">
+                  <a:extLst>
+                    <a:ext uri="{9D8B030D-6E8A-4147-A177-3AD203B41FA5}">
+                      <a16:colId xmlns:a16="http://schemas.microsoft.com/office/drawing/2014/main" val="2068199293"/>
+                    </a:ext>
+                  </a:extLst>
+                </a:gridCol>
+                <a:gridCol w="1662546">
+                  <a:extLst>
+                    <a:ext uri="{9D8B030D-6E8A-4147-A177-3AD203B41FA5}">
+                      <a16:colId xmlns:a16="http://schemas.microsoft.com/office/drawing/2014/main" val="4032293310"/>
+                    </a:ext>
+                  </a:extLst>
+                </a:gridCol>
+              </a:tblGrid>
+              <a:tr h="292223">
+                <a:tc>
+                  <a:txBody>
+                    <a:bodyPr/>
+                    <a:lstStyle/>
+                    <a:p>
+                      <a:r>
+                        <a:rPr lang="es-CO" sz="1600" dirty="0"/>
+                        <a:t>Id</a:t>
+                      </a:r>
+                    </a:p>
+                  </a:txBody>
+                  <a:tcPr anchor="ctr"/>
+                </a:tc>
+                <a:tc>
+                  <a:txBody>
+                    <a:bodyPr/>
+                    <a:lstStyle/>
+                    <a:p>
+                      <a:r>
+                        <a:rPr lang="es-CO" sz="1600" dirty="0"/>
+                        <a:t>Nombre</a:t>
+                      </a:r>
+                    </a:p>
+                  </a:txBody>
+                  <a:tcPr anchor="ctr"/>
+                </a:tc>
+                <a:tc>
+                  <a:txBody>
+                    <a:bodyPr/>
+                    <a:lstStyle/>
+                    <a:p>
+                      <a:r>
+                        <a:rPr lang="es-CO" sz="1600" dirty="0"/>
+                        <a:t>Detalle mejorado</a:t>
+                      </a:r>
+                    </a:p>
+                  </a:txBody>
+                  <a:tcPr anchor="ctr"/>
+                </a:tc>
+                <a:tc>
+                  <a:txBody>
+                    <a:bodyPr/>
+                    <a:lstStyle/>
+                    <a:p>
+                      <a:r>
+                        <a:rPr lang="es-CO" sz="1600"/>
+                        <a:t>Interesados</a:t>
+                      </a:r>
+                    </a:p>
+                  </a:txBody>
+                  <a:tcPr anchor="ctr"/>
+                </a:tc>
+                <a:tc>
+                  <a:txBody>
+                    <a:bodyPr/>
+                    <a:lstStyle/>
+                    <a:p>
+                      <a:r>
+                        <a:rPr lang="es-CO" sz="1600" dirty="0"/>
+                        <a:t>Prioridad</a:t>
+                      </a:r>
+                    </a:p>
+                  </a:txBody>
+                  <a:tcPr anchor="ctr"/>
+                </a:tc>
+                <a:tc>
+                  <a:txBody>
+                    <a:bodyPr/>
+                    <a:lstStyle/>
+                    <a:p>
+                      <a:r>
+                        <a:rPr lang="es-CO" sz="1600" dirty="0"/>
+                        <a:t>Métrica</a:t>
+                      </a:r>
+                    </a:p>
+                  </a:txBody>
+                  <a:tcPr anchor="ctr"/>
+                </a:tc>
+                <a:extLst>
+                  <a:ext uri="{0D108BD9-81ED-4DB2-BD59-A6C34878D82A}">
+                    <a16:rowId xmlns:a16="http://schemas.microsoft.com/office/drawing/2014/main" val="2016300265"/>
+                  </a:ext>
+                </a:extLst>
+              </a:tr>
+              <a:tr h="657502">
+                <a:tc>
+                  <a:txBody>
+                    <a:bodyPr/>
+                    <a:lstStyle/>
+                    <a:p>
+                      <a:r>
+                        <a:rPr lang="es-CO" sz="1200" dirty="0"/>
+                        <a:t>RNF-05</a:t>
+                      </a:r>
+                    </a:p>
+                  </a:txBody>
+                  <a:tcPr anchor="ctr"/>
+                </a:tc>
+                <a:tc>
+                  <a:txBody>
+                    <a:bodyPr/>
+                    <a:lstStyle/>
+                    <a:p>
+                      <a:r>
+                        <a:rPr lang="es-CO" sz="1200"/>
+                        <a:t>SEO optimizado</a:t>
+                      </a:r>
+                    </a:p>
+                  </a:txBody>
+                  <a:tcPr anchor="ctr"/>
+                </a:tc>
+                <a:tc>
+                  <a:txBody>
+                    <a:bodyPr/>
+                    <a:lstStyle/>
+                    <a:p>
+                      <a:r>
+                        <a:rPr lang="es-ES" sz="1200" dirty="0"/>
+                        <a:t>La tienda debe seguir prácticas de SEO técnico para mejorar su posicionamiento en motores de búsqueda, aumentando la visibilidad orgánica.</a:t>
+                      </a:r>
+                    </a:p>
+                  </a:txBody>
+                  <a:tcPr anchor="ctr"/>
+                </a:tc>
+                <a:tc>
+                  <a:txBody>
+                    <a:bodyPr/>
+                    <a:lstStyle/>
+                    <a:p>
+                      <a:r>
+                        <a:rPr lang="es-CO" sz="1200"/>
+                        <a:t>Líder de Marketing, Tecnología</a:t>
+                      </a:r>
+                    </a:p>
+                  </a:txBody>
+                  <a:tcPr anchor="ctr"/>
+                </a:tc>
+                <a:tc>
+                  <a:txBody>
+                    <a:bodyPr/>
+                    <a:lstStyle/>
+                    <a:p>
+                      <a:r>
+                        <a:rPr lang="es-CO" sz="1200"/>
+                        <a:t>1</a:t>
+                      </a:r>
+                    </a:p>
+                  </a:txBody>
+                  <a:tcPr anchor="ctr"/>
+                </a:tc>
+                <a:tc>
+                  <a:txBody>
+                    <a:bodyPr/>
+                    <a:lstStyle/>
+                    <a:p>
+                      <a:r>
+                        <a:rPr lang="es-ES" sz="1200" dirty="0"/>
+                        <a:t>Puntaje de </a:t>
+                      </a:r>
+                      <a:r>
+                        <a:rPr lang="es-ES" sz="1200" b="1" dirty="0"/>
+                        <a:t>SEO &gt; 80</a:t>
+                      </a:r>
+                      <a:r>
+                        <a:rPr lang="es-ES" sz="1200" dirty="0"/>
+                        <a:t> en </a:t>
+                      </a:r>
+                      <a:r>
+                        <a:rPr lang="es-ES" sz="1200" dirty="0" err="1"/>
+                        <a:t>Lighthouse</a:t>
+                      </a:r>
+                      <a:r>
+                        <a:rPr lang="es-ES" sz="1200" dirty="0"/>
+                        <a:t> y uso correcto de metadatos y etiquetas</a:t>
+                      </a:r>
+                    </a:p>
+                  </a:txBody>
+                  <a:tcPr anchor="ctr"/>
+                </a:tc>
+                <a:extLst>
+                  <a:ext uri="{0D108BD9-81ED-4DB2-BD59-A6C34878D82A}">
+                    <a16:rowId xmlns:a16="http://schemas.microsoft.com/office/drawing/2014/main" val="776579677"/>
+                  </a:ext>
+                </a:extLst>
+              </a:tr>
+              <a:tr h="462687">
+                <a:tc>
+                  <a:txBody>
+                    <a:bodyPr/>
+                    <a:lstStyle/>
+                    <a:p>
+                      <a:r>
+                        <a:rPr lang="es-CO" sz="1200" dirty="0"/>
+                        <a:t>RNF-06</a:t>
+                      </a:r>
+                    </a:p>
+                  </a:txBody>
+                  <a:tcPr anchor="ctr"/>
+                </a:tc>
+                <a:tc>
+                  <a:txBody>
+                    <a:bodyPr/>
+                    <a:lstStyle/>
+                    <a:p>
+                      <a:r>
+                        <a:rPr lang="es-CO" sz="1200" dirty="0"/>
+                        <a:t>Disponibilidad 24/7</a:t>
+                      </a:r>
+                    </a:p>
+                  </a:txBody>
+                  <a:tcPr anchor="ctr"/>
+                </a:tc>
+                <a:tc>
+                  <a:txBody>
+                    <a:bodyPr/>
+                    <a:lstStyle/>
+                    <a:p>
+                      <a:r>
+                        <a:rPr lang="es-ES" sz="1200" dirty="0"/>
+                        <a:t>El sistema debe estar disponible para usuarios en todo momento, evitando interrupciones no planificadas.</a:t>
+                      </a:r>
+                    </a:p>
+                  </a:txBody>
+                  <a:tcPr anchor="ctr"/>
+                </a:tc>
+                <a:tc>
+                  <a:txBody>
+                    <a:bodyPr/>
+                    <a:lstStyle/>
+                    <a:p>
+                      <a:r>
+                        <a:rPr lang="es-CO" sz="1200"/>
+                        <a:t>Fundadores, Clientes finales</a:t>
+                      </a:r>
+                    </a:p>
+                  </a:txBody>
+                  <a:tcPr anchor="ctr"/>
+                </a:tc>
+                <a:tc>
+                  <a:txBody>
+                    <a:bodyPr/>
+                    <a:lstStyle/>
+                    <a:p>
+                      <a:r>
+                        <a:rPr lang="es-CO" sz="1200"/>
+                        <a:t>1</a:t>
+                      </a:r>
+                    </a:p>
+                  </a:txBody>
+                  <a:tcPr anchor="ctr"/>
+                </a:tc>
+                <a:tc>
+                  <a:txBody>
+                    <a:bodyPr/>
+                    <a:lstStyle/>
+                    <a:p>
+                      <a:r>
+                        <a:rPr lang="es-ES" sz="1200" dirty="0" err="1"/>
+                        <a:t>Uptime</a:t>
+                      </a:r>
+                      <a:r>
+                        <a:rPr lang="es-ES" sz="1200" dirty="0"/>
+                        <a:t> ≥ </a:t>
+                      </a:r>
+                      <a:r>
+                        <a:rPr lang="es-ES" sz="1200" b="1" dirty="0"/>
+                        <a:t>99.5% mensual</a:t>
+                      </a:r>
+                      <a:r>
+                        <a:rPr lang="es-ES" sz="1200" dirty="0"/>
+                        <a:t> según monitoreo</a:t>
+                      </a:r>
+                    </a:p>
+                  </a:txBody>
+                  <a:tcPr anchor="ctr"/>
+                </a:tc>
+                <a:extLst>
+                  <a:ext uri="{0D108BD9-81ED-4DB2-BD59-A6C34878D82A}">
+                    <a16:rowId xmlns:a16="http://schemas.microsoft.com/office/drawing/2014/main" val="229096102"/>
+                  </a:ext>
+                </a:extLst>
+              </a:tr>
+              <a:tr h="657502">
+                <a:tc>
+                  <a:txBody>
+                    <a:bodyPr/>
+                    <a:lstStyle/>
+                    <a:p>
+                      <a:r>
+                        <a:rPr lang="es-CO" sz="1200" dirty="0"/>
+                        <a:t>RNF-07</a:t>
+                      </a:r>
+                    </a:p>
+                  </a:txBody>
+                  <a:tcPr anchor="ctr"/>
+                </a:tc>
+                <a:tc>
+                  <a:txBody>
+                    <a:bodyPr/>
+                    <a:lstStyle/>
+                    <a:p>
+                      <a:r>
+                        <a:rPr lang="es-CO" sz="1200" dirty="0"/>
+                        <a:t>Seguridad en la transacción</a:t>
+                      </a:r>
+                    </a:p>
+                  </a:txBody>
+                  <a:tcPr anchor="ctr"/>
+                </a:tc>
+                <a:tc>
+                  <a:txBody>
+                    <a:bodyPr/>
+                    <a:lstStyle/>
+                    <a:p>
+                      <a:r>
+                        <a:rPr lang="es-ES" sz="1200"/>
+                        <a:t>Implementar cifrado y validaciones necesarias para proteger la información de pago y los datos personales de los clientes durante las compras.</a:t>
+                      </a:r>
+                    </a:p>
+                  </a:txBody>
+                  <a:tcPr anchor="ctr"/>
+                </a:tc>
+                <a:tc>
+                  <a:txBody>
+                    <a:bodyPr/>
+                    <a:lstStyle/>
+                    <a:p>
+                      <a:r>
+                        <a:rPr lang="es-CO" sz="1200"/>
+                        <a:t>Fundadores, Líder de Tecnología</a:t>
+                      </a:r>
+                    </a:p>
+                  </a:txBody>
+                  <a:tcPr anchor="ctr"/>
+                </a:tc>
+                <a:tc>
+                  <a:txBody>
+                    <a:bodyPr/>
+                    <a:lstStyle/>
+                    <a:p>
+                      <a:r>
+                        <a:rPr lang="es-CO" sz="1200"/>
+                        <a:t>1</a:t>
+                      </a:r>
+                    </a:p>
+                  </a:txBody>
+                  <a:tcPr anchor="ctr"/>
+                </a:tc>
+                <a:tc>
+                  <a:txBody>
+                    <a:bodyPr/>
+                    <a:lstStyle/>
+                    <a:p>
+                      <a:r>
+                        <a:rPr lang="es-ES" sz="1200" dirty="0"/>
+                        <a:t>Uso de </a:t>
+                      </a:r>
+                      <a:r>
+                        <a:rPr lang="es-ES" sz="1200" b="1" dirty="0"/>
+                        <a:t>HTTPS</a:t>
+                      </a:r>
+                      <a:r>
+                        <a:rPr lang="es-ES" sz="1200" dirty="0"/>
+                        <a:t>, pasarela certificada, y cumplimiento de estándares de seguridad</a:t>
+                      </a:r>
+                    </a:p>
+                  </a:txBody>
+                  <a:tcPr anchor="ctr"/>
+                </a:tc>
+                <a:extLst>
+                  <a:ext uri="{0D108BD9-81ED-4DB2-BD59-A6C34878D82A}">
+                    <a16:rowId xmlns:a16="http://schemas.microsoft.com/office/drawing/2014/main" val="987916321"/>
+                  </a:ext>
+                </a:extLst>
+              </a:tr>
+            </a:tbl>
+          </a:graphicData>
+        </a:graphic>
+      </p:graphicFrame>
+    </p:spTree>
+    <p:extLst>
+      <p:ext uri="{BB962C8B-B14F-4D97-AF65-F5344CB8AC3E}">
+        <p14:creationId xmlns:p14="http://schemas.microsoft.com/office/powerpoint/2010/main" val="687110071"/>
+      </p:ext>
+    </p:extLst>
+  </p:cSld>
+  <p:clrMapOvr>
+    <a:masterClrMapping/>
+  </p:clrMapOvr>
+</p:sld>
+</file>
+
+<file path=ppt/slides/slide9.xml><?xml version="1.0" encoding="utf-8"?>
+<p:sld xmlns:a="http://schemas.openxmlformats.org/drawingml/2006/main" xmlns:r="http://schemas.openxmlformats.org/officeDocument/2006/relationships" xmlns:p="http://schemas.openxmlformats.org/presentationml/2006/main">
+  <p:cSld>
+    <p:spTree>
+      <p:nvGrpSpPr>
+        <p:cNvPr id="1" name=""/>
+        <p:cNvGrpSpPr/>
+        <p:nvPr/>
+      </p:nvGrpSpPr>
+      <p:grpSpPr>
+        <a:xfrm>
+          <a:off x="0" y="0"/>
+          <a:ext cx="0" cy="0"/>
+          <a:chOff x="0" y="0"/>
+          <a:chExt cx="0" cy="0"/>
+        </a:xfrm>
+      </p:grpSpPr>
+      <p:sp>
+        <p:nvSpPr>
+          <p:cNvPr id="2" name="Título 1">
+            <a:extLst>
+              <a:ext uri="{FF2B5EF4-FFF2-40B4-BE49-F238E27FC236}">
+                <a16:creationId xmlns:a16="http://schemas.microsoft.com/office/drawing/2014/main" id="{80B7472F-6451-C730-1584-77993EB822CC}"/>
+              </a:ext>
+            </a:extLst>
+          </p:cNvPr>
+          <p:cNvSpPr>
+            <a:spLocks noGrp="1"/>
+          </p:cNvSpPr>
+          <p:nvPr>
+            <p:ph type="title"/>
+          </p:nvPr>
+        </p:nvSpPr>
+        <p:spPr/>
+        <p:txBody>
+          <a:bodyPr/>
+          <a:lstStyle/>
+          <a:p>
+            <a:r>
+              <a:rPr lang="es-CO" dirty="0"/>
+              <a:t>Atributos de Calidad</a:t>
+            </a:r>
+          </a:p>
+        </p:txBody>
+      </p:sp>
+      <p:graphicFrame>
+        <p:nvGraphicFramePr>
+          <p:cNvPr id="5" name="Tabla 4">
+            <a:extLst>
+              <a:ext uri="{FF2B5EF4-FFF2-40B4-BE49-F238E27FC236}">
+                <a16:creationId xmlns:a16="http://schemas.microsoft.com/office/drawing/2014/main" id="{4408EF27-6F59-365D-D911-E88916CAF007}"/>
+              </a:ext>
+            </a:extLst>
+          </p:cNvPr>
+          <p:cNvGraphicFramePr>
+            <a:graphicFrameLocks noGrp="1"/>
+          </p:cNvGraphicFramePr>
+          <p:nvPr>
+            <p:extLst>
+              <p:ext uri="{D42A27DB-BD31-4B8C-83A1-F6EECF244321}">
+                <p14:modId xmlns:p14="http://schemas.microsoft.com/office/powerpoint/2010/main" val="285657144"/>
+              </p:ext>
+            </p:extLst>
+          </p:nvPr>
+        </p:nvGraphicFramePr>
+        <p:xfrm>
+          <a:off x="2036618" y="2438207"/>
+          <a:ext cx="8118764" cy="3789680"/>
+        </p:xfrm>
+        <a:graphic>
+          <a:graphicData uri="http://schemas.openxmlformats.org/drawingml/2006/table">
+            <a:tbl>
+              <a:tblPr firstRow="1" bandRow="1">
+                <a:tableStyleId>{5C22544A-7EE6-4342-B048-85BDC9FD1C3A}</a:tableStyleId>
+              </a:tblPr>
+              <a:tblGrid>
+                <a:gridCol w="1902691">
+                  <a:extLst>
+                    <a:ext uri="{9D8B030D-6E8A-4147-A177-3AD203B41FA5}">
+                      <a16:colId xmlns:a16="http://schemas.microsoft.com/office/drawing/2014/main" val="3639936542"/>
+                    </a:ext>
+                  </a:extLst>
+                </a:gridCol>
+                <a:gridCol w="1108364">
+                  <a:extLst>
+                    <a:ext uri="{9D8B030D-6E8A-4147-A177-3AD203B41FA5}">
+                      <a16:colId xmlns:a16="http://schemas.microsoft.com/office/drawing/2014/main" val="3800920167"/>
+                    </a:ext>
+                  </a:extLst>
+                </a:gridCol>
+                <a:gridCol w="1311563">
+                  <a:extLst>
+                    <a:ext uri="{9D8B030D-6E8A-4147-A177-3AD203B41FA5}">
+                      <a16:colId xmlns:a16="http://schemas.microsoft.com/office/drawing/2014/main" val="3271900954"/>
+                    </a:ext>
+                  </a:extLst>
+                </a:gridCol>
+                <a:gridCol w="1096050">
+                  <a:extLst>
+                    <a:ext uri="{9D8B030D-6E8A-4147-A177-3AD203B41FA5}">
+                      <a16:colId xmlns:a16="http://schemas.microsoft.com/office/drawing/2014/main" val="2877983654"/>
+                    </a:ext>
+                  </a:extLst>
+                </a:gridCol>
+                <a:gridCol w="1354667">
+                  <a:extLst>
+                    <a:ext uri="{9D8B030D-6E8A-4147-A177-3AD203B41FA5}">
+                      <a16:colId xmlns:a16="http://schemas.microsoft.com/office/drawing/2014/main" val="3411062428"/>
+                    </a:ext>
+                  </a:extLst>
+                </a:gridCol>
+                <a:gridCol w="1345429">
+                  <a:extLst>
+                    <a:ext uri="{9D8B030D-6E8A-4147-A177-3AD203B41FA5}">
+                      <a16:colId xmlns:a16="http://schemas.microsoft.com/office/drawing/2014/main" val="3102420762"/>
+                    </a:ext>
+                  </a:extLst>
+                </a:gridCol>
+              </a:tblGrid>
+              <a:tr h="370840">
+                <a:tc>
+                  <a:txBody>
+                    <a:bodyPr/>
+                    <a:lstStyle/>
+                    <a:p>
+                      <a:endParaRPr lang="es-CO" sz="1050" dirty="0"/>
+                    </a:p>
+                  </a:txBody>
+                  <a:tcPr anchor="ctr"/>
+                </a:tc>
+                <a:tc>
+                  <a:txBody>
+                    <a:bodyPr/>
+                    <a:lstStyle/>
+                    <a:p>
+                      <a:r>
+                        <a:rPr lang="es-CO" sz="1050"/>
+                        <a:t>Fundadores</a:t>
+                      </a:r>
+                    </a:p>
+                  </a:txBody>
+                  <a:tcPr anchor="ctr"/>
+                </a:tc>
+                <a:tc>
+                  <a:txBody>
+                    <a:bodyPr/>
+                    <a:lstStyle/>
+                    <a:p>
+                      <a:r>
+                        <a:rPr lang="es-CO" sz="1050" dirty="0"/>
+                        <a:t>Líder de Tecnología</a:t>
+                      </a:r>
+                    </a:p>
+                  </a:txBody>
+                  <a:tcPr anchor="ctr"/>
+                </a:tc>
+                <a:tc>
+                  <a:txBody>
+                    <a:bodyPr/>
+                    <a:lstStyle/>
+                    <a:p>
+                      <a:r>
+                        <a:rPr lang="es-CO" sz="1050"/>
+                        <a:t>Líder de Marketing</a:t>
+                      </a:r>
+                    </a:p>
+                  </a:txBody>
+                  <a:tcPr anchor="ctr"/>
+                </a:tc>
+                <a:tc>
+                  <a:txBody>
+                    <a:bodyPr/>
+                    <a:lstStyle/>
+                    <a:p>
+                      <a:r>
+                        <a:rPr lang="es-CO" sz="1050" dirty="0"/>
+                        <a:t>Clientes finales</a:t>
+                      </a:r>
+                    </a:p>
+                  </a:txBody>
+                  <a:tcPr anchor="ctr"/>
+                </a:tc>
+                <a:tc>
+                  <a:txBody>
+                    <a:bodyPr/>
+                    <a:lstStyle/>
+                    <a:p>
+                      <a:pPr algn="ctr"/>
+                      <a:r>
+                        <a:rPr lang="es-CO" sz="1050" dirty="0"/>
+                        <a:t>Negociación</a:t>
+                      </a:r>
+                    </a:p>
+                  </a:txBody>
+                  <a:tcPr anchor="ctr"/>
+                </a:tc>
+                <a:extLst>
+                  <a:ext uri="{0D108BD9-81ED-4DB2-BD59-A6C34878D82A}">
+                    <a16:rowId xmlns:a16="http://schemas.microsoft.com/office/drawing/2014/main" val="3115286371"/>
+                  </a:ext>
+                </a:extLst>
+              </a:tr>
+              <a:tr h="370840">
+                <a:tc>
+                  <a:txBody>
+                    <a:bodyPr/>
+                    <a:lstStyle/>
+                    <a:p>
+                      <a:r>
+                        <a:rPr lang="es-CO" sz="1050" b="1"/>
+                        <a:t>Rendimiento y Eficiencia</a:t>
+                      </a:r>
+                      <a:endParaRPr lang="es-CO" sz="1050"/>
+                    </a:p>
+                  </a:txBody>
+                  <a:tcPr anchor="ctr"/>
+                </a:tc>
+                <a:tc>
+                  <a:txBody>
+                    <a:bodyPr/>
+                    <a:lstStyle/>
+                    <a:p>
+                      <a:r>
+                        <a:rPr lang="es-CO" sz="1050"/>
+                        <a:t>10%</a:t>
+                      </a:r>
+                    </a:p>
+                  </a:txBody>
+                  <a:tcPr anchor="ctr"/>
+                </a:tc>
+                <a:tc>
+                  <a:txBody>
+                    <a:bodyPr/>
+                    <a:lstStyle/>
+                    <a:p>
+                      <a:r>
+                        <a:rPr lang="es-CO" sz="1050" dirty="0"/>
+                        <a:t>15%</a:t>
+                      </a:r>
+                    </a:p>
+                  </a:txBody>
+                  <a:tcPr anchor="ctr"/>
+                </a:tc>
+                <a:tc>
+                  <a:txBody>
+                    <a:bodyPr/>
+                    <a:lstStyle/>
+                    <a:p>
+                      <a:r>
+                        <a:rPr lang="es-CO" sz="1050"/>
+                        <a:t>5%</a:t>
+                      </a:r>
+                    </a:p>
+                  </a:txBody>
+                  <a:tcPr anchor="ctr"/>
+                </a:tc>
+                <a:tc>
+                  <a:txBody>
+                    <a:bodyPr/>
+                    <a:lstStyle/>
+                    <a:p>
+                      <a:r>
+                        <a:rPr lang="es-CO" sz="1050"/>
+                        <a:t>20%</a:t>
+                      </a:r>
+                    </a:p>
+                  </a:txBody>
+                  <a:tcPr anchor="ctr"/>
+                </a:tc>
+                <a:tc>
+                  <a:txBody>
+                    <a:bodyPr/>
+                    <a:lstStyle/>
+                    <a:p>
+                      <a:pPr algn="ctr" fontAlgn="b"/>
+                      <a:r>
+                        <a:rPr lang="es-CO" sz="1100" b="0" i="0" u="none" strike="noStrike" dirty="0">
+                          <a:solidFill>
+                            <a:srgbClr val="000000"/>
+                          </a:solidFill>
+                          <a:effectLst/>
+                          <a:latin typeface="+mn-lt"/>
+                        </a:rPr>
+                        <a:t>12,5%</a:t>
+                      </a:r>
+                    </a:p>
+                  </a:txBody>
+                  <a:tcPr marL="9525" marR="9525" marT="9525" marB="0" anchor="ctr"/>
+                </a:tc>
+                <a:extLst>
+                  <a:ext uri="{0D108BD9-81ED-4DB2-BD59-A6C34878D82A}">
+                    <a16:rowId xmlns:a16="http://schemas.microsoft.com/office/drawing/2014/main" val="2939398325"/>
+                  </a:ext>
+                </a:extLst>
+              </a:tr>
+              <a:tr h="370840">
+                <a:tc>
+                  <a:txBody>
+                    <a:bodyPr/>
+                    <a:lstStyle/>
+                    <a:p>
+                      <a:r>
+                        <a:rPr lang="es-CO" sz="1050" b="1" dirty="0"/>
+                        <a:t>Compatibilidad</a:t>
+                      </a:r>
+                      <a:endParaRPr lang="es-CO" sz="1050" dirty="0"/>
+                    </a:p>
+                  </a:txBody>
+                  <a:tcPr anchor="ctr"/>
+                </a:tc>
+                <a:tc>
+                  <a:txBody>
+                    <a:bodyPr/>
+                    <a:lstStyle/>
+                    <a:p>
+                      <a:r>
+                        <a:rPr lang="es-CO" sz="1050"/>
+                        <a:t>5%</a:t>
+                      </a:r>
+                    </a:p>
+                  </a:txBody>
+                  <a:tcPr anchor="ctr"/>
+                </a:tc>
+                <a:tc>
+                  <a:txBody>
+                    <a:bodyPr/>
+                    <a:lstStyle/>
+                    <a:p>
+                      <a:r>
+                        <a:rPr lang="es-CO" sz="1050"/>
+                        <a:t>5%</a:t>
+                      </a:r>
+                    </a:p>
+                  </a:txBody>
+                  <a:tcPr anchor="ctr"/>
+                </a:tc>
+                <a:tc>
+                  <a:txBody>
+                    <a:bodyPr/>
+                    <a:lstStyle/>
+                    <a:p>
+                      <a:r>
+                        <a:rPr lang="es-CO" sz="1050"/>
+                        <a:t>5%</a:t>
+                      </a:r>
+                    </a:p>
+                  </a:txBody>
+                  <a:tcPr anchor="ctr"/>
+                </a:tc>
+                <a:tc>
+                  <a:txBody>
+                    <a:bodyPr/>
+                    <a:lstStyle/>
+                    <a:p>
+                      <a:r>
+                        <a:rPr lang="es-CO" sz="1050"/>
+                        <a:t>10%</a:t>
+                      </a:r>
+                    </a:p>
+                  </a:txBody>
+                  <a:tcPr anchor="ctr"/>
+                </a:tc>
+                <a:tc>
+                  <a:txBody>
+                    <a:bodyPr/>
+                    <a:lstStyle/>
+                    <a:p>
+                      <a:pPr algn="ctr" fontAlgn="b"/>
+                      <a:r>
+                        <a:rPr lang="es-CO" sz="1100" b="0" i="0" u="none" strike="noStrike" dirty="0">
+                          <a:solidFill>
+                            <a:srgbClr val="000000"/>
+                          </a:solidFill>
+                          <a:effectLst/>
+                          <a:latin typeface="+mn-lt"/>
+                        </a:rPr>
+                        <a:t>6,25%</a:t>
+                      </a:r>
+                    </a:p>
+                  </a:txBody>
+                  <a:tcPr marL="9525" marR="9525" marT="9525" marB="0" anchor="ctr"/>
+                </a:tc>
+                <a:extLst>
+                  <a:ext uri="{0D108BD9-81ED-4DB2-BD59-A6C34878D82A}">
+                    <a16:rowId xmlns:a16="http://schemas.microsoft.com/office/drawing/2014/main" val="1249322925"/>
+                  </a:ext>
+                </a:extLst>
+              </a:tr>
+              <a:tr h="370840">
+                <a:tc>
+                  <a:txBody>
+                    <a:bodyPr/>
+                    <a:lstStyle/>
+                    <a:p>
+                      <a:r>
+                        <a:rPr lang="es-CO" sz="1050" b="1"/>
+                        <a:t>Usabilidad</a:t>
+                      </a:r>
+                      <a:endParaRPr lang="es-CO" sz="1050"/>
+                    </a:p>
+                  </a:txBody>
+                  <a:tcPr anchor="ctr"/>
+                </a:tc>
+                <a:tc>
+                  <a:txBody>
+                    <a:bodyPr/>
+                    <a:lstStyle/>
+                    <a:p>
+                      <a:r>
+                        <a:rPr lang="es-CO" sz="1050" dirty="0"/>
+                        <a:t>15%</a:t>
+                      </a:r>
+                    </a:p>
+                  </a:txBody>
+                  <a:tcPr anchor="ctr"/>
+                </a:tc>
+                <a:tc>
+                  <a:txBody>
+                    <a:bodyPr/>
+                    <a:lstStyle/>
+                    <a:p>
+                      <a:r>
+                        <a:rPr lang="es-CO" sz="1050"/>
+                        <a:t>10%</a:t>
+                      </a:r>
+                    </a:p>
+                  </a:txBody>
+                  <a:tcPr anchor="ctr"/>
+                </a:tc>
+                <a:tc>
+                  <a:txBody>
+                    <a:bodyPr/>
+                    <a:lstStyle/>
+                    <a:p>
+                      <a:r>
+                        <a:rPr lang="es-CO" sz="1050"/>
+                        <a:t>25%</a:t>
+                      </a:r>
+                    </a:p>
+                  </a:txBody>
+                  <a:tcPr anchor="ctr"/>
+                </a:tc>
+                <a:tc>
+                  <a:txBody>
+                    <a:bodyPr/>
+                    <a:lstStyle/>
+                    <a:p>
+                      <a:r>
+                        <a:rPr lang="es-CO" sz="1050"/>
+                        <a:t>30%</a:t>
+                      </a:r>
+                    </a:p>
+                  </a:txBody>
+                  <a:tcPr anchor="ctr"/>
+                </a:tc>
+                <a:tc>
+                  <a:txBody>
+                    <a:bodyPr/>
+                    <a:lstStyle/>
+                    <a:p>
+                      <a:pPr algn="ctr" fontAlgn="b"/>
+                      <a:r>
+                        <a:rPr lang="es-CO" sz="1100" b="0" i="0" u="none" strike="noStrike" dirty="0">
+                          <a:solidFill>
+                            <a:srgbClr val="000000"/>
+                          </a:solidFill>
+                          <a:effectLst/>
+                          <a:latin typeface="+mn-lt"/>
+                        </a:rPr>
+                        <a:t>20%</a:t>
+                      </a:r>
+                    </a:p>
+                  </a:txBody>
+                  <a:tcPr marL="9525" marR="9525" marT="9525" marB="0" anchor="ctr"/>
+                </a:tc>
+                <a:extLst>
+                  <a:ext uri="{0D108BD9-81ED-4DB2-BD59-A6C34878D82A}">
+                    <a16:rowId xmlns:a16="http://schemas.microsoft.com/office/drawing/2014/main" val="2573145302"/>
+                  </a:ext>
+                </a:extLst>
+              </a:tr>
+              <a:tr h="370840">
+                <a:tc>
+                  <a:txBody>
+                    <a:bodyPr/>
+                    <a:lstStyle/>
+                    <a:p>
+                      <a:r>
+                        <a:rPr lang="es-CO" sz="1050" b="1" dirty="0"/>
+                        <a:t>Fiabilidad (confiabilidad)</a:t>
+                      </a:r>
+                      <a:endParaRPr lang="es-CO" sz="1050" dirty="0"/>
+                    </a:p>
+                  </a:txBody>
+                  <a:tcPr anchor="ctr"/>
+                </a:tc>
+                <a:tc>
+                  <a:txBody>
+                    <a:bodyPr/>
+                    <a:lstStyle/>
+                    <a:p>
+                      <a:r>
+                        <a:rPr lang="es-CO" sz="1050"/>
+                        <a:t>20%</a:t>
+                      </a:r>
+                    </a:p>
+                  </a:txBody>
+                  <a:tcPr anchor="ctr"/>
+                </a:tc>
+                <a:tc>
+                  <a:txBody>
+                    <a:bodyPr/>
+                    <a:lstStyle/>
+                    <a:p>
+                      <a:r>
+                        <a:rPr lang="es-CO" sz="1050"/>
+                        <a:t>10%</a:t>
+                      </a:r>
+                    </a:p>
+                  </a:txBody>
+                  <a:tcPr anchor="ctr"/>
+                </a:tc>
+                <a:tc>
+                  <a:txBody>
+                    <a:bodyPr/>
+                    <a:lstStyle/>
+                    <a:p>
+                      <a:r>
+                        <a:rPr lang="es-CO" sz="1050"/>
+                        <a:t>5%</a:t>
+                      </a:r>
+                    </a:p>
+                  </a:txBody>
+                  <a:tcPr anchor="ctr"/>
+                </a:tc>
+                <a:tc>
+                  <a:txBody>
+                    <a:bodyPr/>
+                    <a:lstStyle/>
+                    <a:p>
+                      <a:r>
+                        <a:rPr lang="es-CO" sz="1050"/>
+                        <a:t>15%</a:t>
+                      </a:r>
+                    </a:p>
+                  </a:txBody>
+                  <a:tcPr anchor="ctr"/>
+                </a:tc>
+                <a:tc>
+                  <a:txBody>
+                    <a:bodyPr/>
+                    <a:lstStyle/>
+                    <a:p>
+                      <a:pPr algn="ctr" fontAlgn="b"/>
+                      <a:r>
+                        <a:rPr lang="es-CO" sz="1100" b="0" i="0" u="none" strike="noStrike" dirty="0">
+                          <a:solidFill>
+                            <a:srgbClr val="000000"/>
+                          </a:solidFill>
+                          <a:effectLst/>
+                          <a:latin typeface="+mn-lt"/>
+                        </a:rPr>
+                        <a:t>12,5%</a:t>
+                      </a:r>
+                    </a:p>
+                  </a:txBody>
+                  <a:tcPr marL="9525" marR="9525" marT="9525" marB="0" anchor="ctr"/>
+                </a:tc>
+                <a:extLst>
+                  <a:ext uri="{0D108BD9-81ED-4DB2-BD59-A6C34878D82A}">
+                    <a16:rowId xmlns:a16="http://schemas.microsoft.com/office/drawing/2014/main" val="2246355346"/>
+                  </a:ext>
+                </a:extLst>
+              </a:tr>
+              <a:tr h="370840">
+                <a:tc>
+                  <a:txBody>
+                    <a:bodyPr/>
+                    <a:lstStyle/>
+                    <a:p>
+                      <a:r>
+                        <a:rPr lang="es-CO" sz="1050" b="1"/>
+                        <a:t>Seguridad</a:t>
+                      </a:r>
+                      <a:endParaRPr lang="es-CO" sz="1050"/>
+                    </a:p>
+                  </a:txBody>
+                  <a:tcPr anchor="ctr"/>
+                </a:tc>
+                <a:tc>
+                  <a:txBody>
+                    <a:bodyPr/>
+                    <a:lstStyle/>
+                    <a:p>
+                      <a:r>
+                        <a:rPr lang="es-CO" sz="1050"/>
+                        <a:t>25%</a:t>
+                      </a:r>
+                    </a:p>
+                  </a:txBody>
+                  <a:tcPr anchor="ctr"/>
+                </a:tc>
+                <a:tc>
+                  <a:txBody>
+                    <a:bodyPr/>
+                    <a:lstStyle/>
+                    <a:p>
+                      <a:r>
+                        <a:rPr lang="es-CO" sz="1050"/>
+                        <a:t>20%</a:t>
+                      </a:r>
+                    </a:p>
+                  </a:txBody>
+                  <a:tcPr anchor="ctr"/>
+                </a:tc>
+                <a:tc>
+                  <a:txBody>
+                    <a:bodyPr/>
+                    <a:lstStyle/>
+                    <a:p>
+                      <a:r>
+                        <a:rPr lang="es-CO" sz="1050"/>
+                        <a:t>5%</a:t>
+                      </a:r>
+                    </a:p>
+                  </a:txBody>
+                  <a:tcPr anchor="ctr"/>
+                </a:tc>
+                <a:tc>
+                  <a:txBody>
+                    <a:bodyPr/>
+                    <a:lstStyle/>
+                    <a:p>
+                      <a:r>
+                        <a:rPr lang="es-CO" sz="1050"/>
+                        <a:t>10%</a:t>
+                      </a:r>
+                    </a:p>
+                  </a:txBody>
+                  <a:tcPr anchor="ctr"/>
+                </a:tc>
+                <a:tc>
+                  <a:txBody>
+                    <a:bodyPr/>
+                    <a:lstStyle/>
+                    <a:p>
+                      <a:pPr algn="ctr" fontAlgn="b"/>
+                      <a:r>
+                        <a:rPr lang="es-CO" sz="1100" b="0" i="0" u="none" strike="noStrike" dirty="0">
+                          <a:solidFill>
+                            <a:srgbClr val="000000"/>
+                          </a:solidFill>
+                          <a:effectLst/>
+                          <a:latin typeface="+mn-lt"/>
+                        </a:rPr>
+                        <a:t>15%</a:t>
+                      </a:r>
+                    </a:p>
+                  </a:txBody>
+                  <a:tcPr marL="9525" marR="9525" marT="9525" marB="0" anchor="ctr"/>
+                </a:tc>
+                <a:extLst>
+                  <a:ext uri="{0D108BD9-81ED-4DB2-BD59-A6C34878D82A}">
+                    <a16:rowId xmlns:a16="http://schemas.microsoft.com/office/drawing/2014/main" val="1577988929"/>
+                  </a:ext>
+                </a:extLst>
+              </a:tr>
+              <a:tr h="370840">
+                <a:tc>
+                  <a:txBody>
+                    <a:bodyPr/>
+                    <a:lstStyle/>
+                    <a:p>
+                      <a:r>
+                        <a:rPr lang="es-CO" sz="1050" b="1"/>
+                        <a:t>Mantenibilidad</a:t>
+                      </a:r>
+                      <a:endParaRPr lang="es-CO" sz="1050"/>
+                    </a:p>
+                  </a:txBody>
+                  <a:tcPr anchor="ctr"/>
+                </a:tc>
+                <a:tc>
+                  <a:txBody>
+                    <a:bodyPr/>
+                    <a:lstStyle/>
+                    <a:p>
+                      <a:r>
+                        <a:rPr lang="es-CO" sz="1050"/>
+                        <a:t>10%</a:t>
+                      </a:r>
+                    </a:p>
+                  </a:txBody>
+                  <a:tcPr anchor="ctr"/>
+                </a:tc>
+                <a:tc>
+                  <a:txBody>
+                    <a:bodyPr/>
+                    <a:lstStyle/>
+                    <a:p>
+                      <a:r>
+                        <a:rPr lang="es-CO" sz="1050"/>
+                        <a:t>25%</a:t>
+                      </a:r>
+                    </a:p>
+                  </a:txBody>
+                  <a:tcPr anchor="ctr"/>
+                </a:tc>
+                <a:tc>
+                  <a:txBody>
+                    <a:bodyPr/>
+                    <a:lstStyle/>
+                    <a:p>
+                      <a:r>
+                        <a:rPr lang="es-CO" sz="1050" dirty="0"/>
+                        <a:t>5%</a:t>
+                      </a:r>
+                    </a:p>
+                  </a:txBody>
+                  <a:tcPr anchor="ctr"/>
+                </a:tc>
+                <a:tc>
+                  <a:txBody>
+                    <a:bodyPr/>
+                    <a:lstStyle/>
+                    <a:p>
+                      <a:r>
+                        <a:rPr lang="es-CO" sz="1050"/>
+                        <a:t>5%</a:t>
+                      </a:r>
+                    </a:p>
+                  </a:txBody>
+                  <a:tcPr anchor="ctr"/>
+                </a:tc>
+                <a:tc>
+                  <a:txBody>
+                    <a:bodyPr/>
+                    <a:lstStyle/>
+                    <a:p>
+                      <a:pPr algn="ctr" fontAlgn="b"/>
+                      <a:r>
+                        <a:rPr lang="es-CO" sz="1100" b="0" i="0" u="none" strike="noStrike" dirty="0">
+                          <a:solidFill>
+                            <a:srgbClr val="000000"/>
+                          </a:solidFill>
+                          <a:effectLst/>
+                          <a:latin typeface="+mn-lt"/>
+                        </a:rPr>
+                        <a:t>11,25%</a:t>
+                      </a:r>
+                    </a:p>
+                  </a:txBody>
+                  <a:tcPr marL="9525" marR="9525" marT="9525" marB="0" anchor="ctr"/>
+                </a:tc>
+                <a:extLst>
+                  <a:ext uri="{0D108BD9-81ED-4DB2-BD59-A6C34878D82A}">
+                    <a16:rowId xmlns:a16="http://schemas.microsoft.com/office/drawing/2014/main" val="3274951064"/>
+                  </a:ext>
+                </a:extLst>
+              </a:tr>
+              <a:tr h="370840">
+                <a:tc>
+                  <a:txBody>
+                    <a:bodyPr/>
+                    <a:lstStyle/>
+                    <a:p>
+                      <a:r>
+                        <a:rPr lang="es-CO" sz="1050" b="1" dirty="0"/>
+                        <a:t>Flexibilidad (adaptabilidad)</a:t>
+                      </a:r>
+                      <a:endParaRPr lang="es-CO" sz="1050" dirty="0"/>
+                    </a:p>
+                  </a:txBody>
+                  <a:tcPr anchor="ctr"/>
+                </a:tc>
+                <a:tc>
+                  <a:txBody>
+                    <a:bodyPr/>
+                    <a:lstStyle/>
+                    <a:p>
+                      <a:r>
+                        <a:rPr lang="es-CO" sz="1050"/>
+                        <a:t>5%</a:t>
+                      </a:r>
+                    </a:p>
+                  </a:txBody>
+                  <a:tcPr anchor="ctr"/>
+                </a:tc>
+                <a:tc>
+                  <a:txBody>
+                    <a:bodyPr/>
+                    <a:lstStyle/>
+                    <a:p>
+                      <a:r>
+                        <a:rPr lang="es-CO" sz="1050"/>
+                        <a:t>10%</a:t>
+                      </a:r>
+                    </a:p>
+                  </a:txBody>
+                  <a:tcPr anchor="ctr"/>
+                </a:tc>
+                <a:tc>
+                  <a:txBody>
+                    <a:bodyPr/>
+                    <a:lstStyle/>
+                    <a:p>
+                      <a:r>
+                        <a:rPr lang="es-CO" sz="1050"/>
+                        <a:t>5%</a:t>
+                      </a:r>
+                    </a:p>
+                  </a:txBody>
+                  <a:tcPr anchor="ctr"/>
+                </a:tc>
+                <a:tc>
+                  <a:txBody>
+                    <a:bodyPr/>
+                    <a:lstStyle/>
+                    <a:p>
+                      <a:r>
+                        <a:rPr lang="es-CO" sz="1050"/>
+                        <a:t>5%</a:t>
+                      </a:r>
+                    </a:p>
+                  </a:txBody>
+                  <a:tcPr anchor="ctr"/>
+                </a:tc>
+                <a:tc>
+                  <a:txBody>
+                    <a:bodyPr/>
+                    <a:lstStyle/>
+                    <a:p>
+                      <a:pPr algn="ctr" fontAlgn="b"/>
+                      <a:r>
+                        <a:rPr lang="es-CO" sz="1100" b="0" i="0" u="none" strike="noStrike" dirty="0">
+                          <a:solidFill>
+                            <a:srgbClr val="000000"/>
+                          </a:solidFill>
+                          <a:effectLst/>
+                          <a:latin typeface="+mn-lt"/>
+                        </a:rPr>
+                        <a:t>6,25%</a:t>
+                      </a:r>
+                    </a:p>
+                  </a:txBody>
+                  <a:tcPr marL="9525" marR="9525" marT="9525" marB="0" anchor="ctr"/>
+                </a:tc>
+                <a:extLst>
+                  <a:ext uri="{0D108BD9-81ED-4DB2-BD59-A6C34878D82A}">
+                    <a16:rowId xmlns:a16="http://schemas.microsoft.com/office/drawing/2014/main" val="2570714913"/>
+                  </a:ext>
+                </a:extLst>
+              </a:tr>
+              <a:tr h="370840">
+                <a:tc>
+                  <a:txBody>
+                    <a:bodyPr/>
+                    <a:lstStyle/>
+                    <a:p>
+                      <a:r>
+                        <a:rPr lang="es-CO" sz="1050" b="1" dirty="0"/>
+                        <a:t>Funcionalidad</a:t>
+                      </a:r>
+                      <a:endParaRPr lang="es-CO" sz="1050" dirty="0"/>
+                    </a:p>
+                  </a:txBody>
+                  <a:tcPr anchor="ctr"/>
+                </a:tc>
+                <a:tc>
+                  <a:txBody>
+                    <a:bodyPr/>
+                    <a:lstStyle/>
+                    <a:p>
+                      <a:r>
+                        <a:rPr lang="es-CO" sz="1050"/>
+                        <a:t>10%</a:t>
+                      </a:r>
+                    </a:p>
+                  </a:txBody>
+                  <a:tcPr anchor="ctr"/>
+                </a:tc>
+                <a:tc>
+                  <a:txBody>
+                    <a:bodyPr/>
+                    <a:lstStyle/>
+                    <a:p>
+                      <a:r>
+                        <a:rPr lang="es-CO" sz="1050"/>
+                        <a:t>5%</a:t>
+                      </a:r>
+                    </a:p>
+                  </a:txBody>
+                  <a:tcPr anchor="ctr"/>
+                </a:tc>
+                <a:tc>
+                  <a:txBody>
+                    <a:bodyPr/>
+                    <a:lstStyle/>
+                    <a:p>
+                      <a:r>
+                        <a:rPr lang="es-CO" sz="1050"/>
+                        <a:t>45%</a:t>
+                      </a:r>
+                    </a:p>
+                  </a:txBody>
+                  <a:tcPr anchor="ctr"/>
+                </a:tc>
+                <a:tc>
+                  <a:txBody>
+                    <a:bodyPr/>
+                    <a:lstStyle/>
+                    <a:p>
+                      <a:r>
+                        <a:rPr lang="es-CO" sz="1050"/>
+                        <a:t>5%</a:t>
+                      </a:r>
+                    </a:p>
+                  </a:txBody>
+                  <a:tcPr anchor="ctr"/>
+                </a:tc>
+                <a:tc>
+                  <a:txBody>
+                    <a:bodyPr/>
+                    <a:lstStyle/>
+                    <a:p>
+                      <a:pPr algn="ctr" fontAlgn="b"/>
+                      <a:r>
+                        <a:rPr lang="es-CO" sz="1100" b="0" i="0" u="none" strike="noStrike" dirty="0">
+                          <a:solidFill>
+                            <a:srgbClr val="000000"/>
+                          </a:solidFill>
+                          <a:effectLst/>
+                          <a:latin typeface="+mn-lt"/>
+                        </a:rPr>
+                        <a:t>6,25%</a:t>
+                      </a:r>
+                    </a:p>
+                  </a:txBody>
+                  <a:tcPr marL="9525" marR="9525" marT="9525" marB="0" anchor="ctr"/>
+                </a:tc>
+                <a:extLst>
+                  <a:ext uri="{0D108BD9-81ED-4DB2-BD59-A6C34878D82A}">
+                    <a16:rowId xmlns:a16="http://schemas.microsoft.com/office/drawing/2014/main" val="1682295496"/>
+                  </a:ext>
+                </a:extLst>
+              </a:tr>
+              <a:tr h="370840">
+                <a:tc>
+                  <a:txBody>
+                    <a:bodyPr/>
+                    <a:lstStyle/>
+                    <a:p>
+                      <a:r>
+                        <a:rPr lang="es-CO" sz="1050" b="1" dirty="0"/>
+                        <a:t>TOTAL</a:t>
+                      </a:r>
+                      <a:endParaRPr lang="es-CO" sz="1050" dirty="0"/>
+                    </a:p>
+                  </a:txBody>
+                  <a:tcPr anchor="ctr"/>
+                </a:tc>
+                <a:tc>
+                  <a:txBody>
+                    <a:bodyPr/>
+                    <a:lstStyle/>
+                    <a:p>
+                      <a:r>
+                        <a:rPr lang="es-CO" sz="1050" b="1" dirty="0"/>
+                        <a:t>100%</a:t>
+                      </a:r>
+                      <a:endParaRPr lang="es-CO" sz="1050" dirty="0"/>
+                    </a:p>
+                  </a:txBody>
+                  <a:tcPr anchor="ctr"/>
+                </a:tc>
+                <a:tc>
+                  <a:txBody>
+                    <a:bodyPr/>
+                    <a:lstStyle/>
+                    <a:p>
+                      <a:r>
+                        <a:rPr lang="es-CO" sz="1050" b="1"/>
+                        <a:t>100%</a:t>
+                      </a:r>
+                      <a:endParaRPr lang="es-CO" sz="1050"/>
+                    </a:p>
+                  </a:txBody>
+                  <a:tcPr anchor="ctr"/>
+                </a:tc>
+                <a:tc>
+                  <a:txBody>
+                    <a:bodyPr/>
+                    <a:lstStyle/>
+                    <a:p>
+                      <a:r>
+                        <a:rPr lang="es-CO" sz="1050" b="1"/>
+                        <a:t>100%</a:t>
+                      </a:r>
+                      <a:endParaRPr lang="es-CO" sz="1050"/>
+                    </a:p>
+                  </a:txBody>
+                  <a:tcPr anchor="ctr"/>
+                </a:tc>
+                <a:tc>
+                  <a:txBody>
+                    <a:bodyPr/>
+                    <a:lstStyle/>
+                    <a:p>
+                      <a:r>
+                        <a:rPr lang="es-CO" sz="1050" b="1" dirty="0"/>
+                        <a:t>100%</a:t>
+                      </a:r>
+                    </a:p>
+                  </a:txBody>
+                  <a:tcPr anchor="ctr"/>
+                </a:tc>
+                <a:tc>
+                  <a:txBody>
+                    <a:bodyPr/>
+                    <a:lstStyle/>
+                    <a:p>
+                      <a:pPr algn="ctr" fontAlgn="b"/>
+                      <a:r>
+                        <a:rPr lang="es-CO" sz="1100" b="1" i="0" u="none" strike="noStrike" dirty="0">
+                          <a:solidFill>
+                            <a:srgbClr val="000000"/>
+                          </a:solidFill>
+                          <a:effectLst/>
+                          <a:latin typeface="+mn-lt"/>
+                        </a:rPr>
+                        <a:t>100%</a:t>
+                      </a:r>
+                    </a:p>
+                  </a:txBody>
+                  <a:tcPr marL="9525" marR="9525" marT="9525" marB="0" anchor="ctr"/>
+                </a:tc>
+                <a:extLst>
+                  <a:ext uri="{0D108BD9-81ED-4DB2-BD59-A6C34878D82A}">
+                    <a16:rowId xmlns:a16="http://schemas.microsoft.com/office/drawing/2014/main" val="2482201194"/>
+                  </a:ext>
+                </a:extLst>
+              </a:tr>
+            </a:tbl>
+          </a:graphicData>
+        </a:graphic>
+      </p:graphicFrame>
+    </p:spTree>
+    <p:extLst>
+      <p:ext uri="{BB962C8B-B14F-4D97-AF65-F5344CB8AC3E}">
+        <p14:creationId xmlns:p14="http://schemas.microsoft.com/office/powerpoint/2010/main" val="3840722679"/>
       </p:ext>
     </p:extLst>
   </p:cSld>

--- a/Project/Context/tempora.context.pptx
+++ b/Project/Context/tempora.context.pptx
@@ -13895,14 +13895,14 @@
             <p:ph idx="1"/>
             <p:extLst>
               <p:ext uri="{D42A27DB-BD31-4B8C-83A1-F6EECF244321}">
-                <p14:modId xmlns:p14="http://schemas.microsoft.com/office/powerpoint/2010/main" val="238730356"/>
+                <p14:modId xmlns:p14="http://schemas.microsoft.com/office/powerpoint/2010/main" val="2736057910"/>
               </p:ext>
             </p:extLst>
           </p:nvPr>
         </p:nvGraphicFramePr>
         <p:xfrm>
           <a:off x="597559" y="2546772"/>
-          <a:ext cx="11230262" cy="3620770"/>
+          <a:ext cx="11230262" cy="3337560"/>
         </p:xfrm>
         <a:graphic>
           <a:graphicData uri="http://schemas.openxmlformats.org/drawingml/2006/table">
@@ -14121,29 +14121,9 @@
                             <a:srgbClr val="000000"/>
                           </a:solidFill>
                           <a:effectLst/>
-                          <a:latin typeface="Century Gothic (Cuerpo)"/>
+                          <a:latin typeface="Aptos Narrow" panose="020B0004020202020204" pitchFamily="34" charset="0"/>
                         </a:rPr>
                         <a:t>Seguridad</a:t>
-                      </a:r>
-                    </a:p>
-                  </a:txBody>
-                  <a:tcPr marL="9525" marR="9525" marT="9525" marB="0" anchor="ctr"/>
-                </a:tc>
-                <a:tc>
-                  <a:txBody>
-                    <a:bodyPr/>
-                    <a:lstStyle/>
-                    <a:p>
-                      <a:pPr algn="l" fontAlgn="ctr"/>
-                      <a:r>
-                        <a:rPr lang="es-ES" sz="1100" b="0" i="0" u="none" strike="noStrike">
-                          <a:solidFill>
-                            <a:srgbClr val="000000"/>
-                          </a:solidFill>
-                          <a:effectLst/>
-                          <a:latin typeface="Century Gothic (Cuerpo)"/>
-                        </a:rPr>
-                        <a:t>Proteger la información del cliente durante la compra (transacciones, datos personales)</a:t>
                       </a:r>
                     </a:p>
                   </a:txBody>
@@ -14161,9 +14141,49 @@
                             <a:srgbClr val="000000"/>
                           </a:solidFill>
                           <a:effectLst/>
-                          <a:latin typeface="Century Gothic (Cuerpo)"/>
+                          <a:latin typeface="Aptos Narrow" panose="020B0004020202020204" pitchFamily="34" charset="0"/>
                         </a:rPr>
-                        <a:t>Uso de HTTPS, cifrado, cumplimiento de estándares, no vulnerabilidades</a:t>
+                        <a:t>Proteger la información del cliente durante la compra (transacciones, datos personales)</a:t>
+                      </a:r>
+                    </a:p>
+                  </a:txBody>
+                  <a:tcPr marL="9525" marR="9525" marT="9525" marB="0" anchor="ctr"/>
+                </a:tc>
+                <a:tc>
+                  <a:txBody>
+                    <a:bodyPr/>
+                    <a:lstStyle/>
+                    <a:p>
+                      <a:pPr algn="l" fontAlgn="ctr"/>
+                      <a:r>
+                        <a:rPr lang="es-ES" sz="1100" b="0" i="0" u="none" strike="noStrike" dirty="0">
+                          <a:solidFill>
+                            <a:srgbClr val="000000"/>
+                          </a:solidFill>
+                          <a:effectLst/>
+                          <a:latin typeface="Aptos Narrow" panose="020B0004020202020204" pitchFamily="34" charset="0"/>
+                        </a:rPr>
+                        <a:t>Uso de HTTPS, cifrado, cumplimiento de </a:t>
+                      </a:r>
+                      <a:r>
+                        <a:rPr lang="es-ES" sz="1100" b="0" i="0" u="none" strike="noStrike" dirty="0" err="1">
+                          <a:solidFill>
+                            <a:srgbClr val="000000"/>
+                          </a:solidFill>
+                          <a:effectLst/>
+                          <a:latin typeface="Aptos Narrow" panose="020B0004020202020204" pitchFamily="34" charset="0"/>
+                        </a:rPr>
+                        <a:t>estandares</a:t>
+                      </a:r>
+                      <a:r>
+                        <a:rPr lang="es-ES" sz="1100" b="0" i="0" u="none" strike="noStrike" dirty="0">
+                          <a:solidFill>
+                            <a:srgbClr val="000000"/>
+                          </a:solidFill>
+                          <a:effectLst/>
+                          <a:latin typeface="Aptos Narrow" panose="020B0004020202020204" pitchFamily="34" charset="0"/>
+                        </a:rPr>
+                        <a:t>, no vulnerabilidades</a:t>
                       </a:r>
                     </a:p>
                   </a:txBody>
@@ -14181,7 +14201,7 @@
                             <a:srgbClr val="000000"/>
                           </a:solidFill>
                           <a:effectLst/>
-                          <a:latin typeface="Century Gothic (Cuerpo)"/>
+                          <a:latin typeface="Aptos Narrow" panose="020B0004020202020204" pitchFamily="34" charset="0"/>
                         </a:rPr>
                         <a:t>3</a:t>
                       </a:r>
@@ -14201,7 +14221,7 @@
                             <a:srgbClr val="000000"/>
                           </a:solidFill>
                           <a:effectLst/>
-                          <a:latin typeface="Century Gothic (Cuerpo)"/>
+                          <a:latin typeface="Aptos Narrow" panose="020B0004020202020204" pitchFamily="34" charset="0"/>
                         </a:rPr>
                         <a:t>3</a:t>
                       </a:r>
@@ -14221,7 +14241,7 @@
                             <a:srgbClr val="000000"/>
                           </a:solidFill>
                           <a:effectLst/>
-                          <a:latin typeface="Century Gothic (Cuerpo)"/>
+                          <a:latin typeface="Century Gothic" panose="020B0502020202020204" pitchFamily="34" charset="0"/>
                         </a:rPr>
                         <a:t>15%</a:t>
                       </a:r>
@@ -14236,14 +14256,14 @@
                     <a:p>
                       <a:pPr algn="ctr" fontAlgn="ctr"/>
                       <a:r>
-                        <a:rPr lang="es-CO" sz="1100" b="0" i="0" u="none" strike="noStrike">
+                        <a:rPr lang="es-CO" sz="1100" b="0" i="0" u="none" strike="noStrike" dirty="0">
                           <a:solidFill>
                             <a:srgbClr val="000000"/>
                           </a:solidFill>
                           <a:effectLst/>
-                          <a:latin typeface="Century Gothic (Cuerpo)"/>
+                          <a:latin typeface="Aptos Narrow" panose="020B0004020202020204" pitchFamily="34" charset="0"/>
                         </a:rPr>
-                        <a:t>90,0</a:t>
+                        <a:t>23,1</a:t>
                       </a:r>
                     </a:p>
                   </a:txBody>
@@ -14268,9 +14288,9 @@
                             <a:srgbClr val="000000"/>
                           </a:solidFill>
                           <a:effectLst/>
-                          <a:latin typeface="Century Gothic (Cuerpo)"/>
+                          <a:latin typeface="Aptos Narrow" panose="020B0004020202020204" pitchFamily="34" charset="0"/>
                         </a:rPr>
-                        <a:t>Usabilidad</a:t>
+                        <a:t>Rendimiento y Eficiencia</a:t>
                       </a:r>
                     </a:p>
                   </a:txBody>
@@ -14282,55 +14302,72 @@
                     <a:lstStyle/>
                     <a:p>
                       <a:pPr algn="l" fontAlgn="ctr"/>
+                      <a:r>
+                        <a:rPr lang="es-ES" sz="1100" b="0" i="0" u="none" strike="noStrike" dirty="0">
+                          <a:solidFill>
+                            <a:srgbClr val="000000"/>
+                          </a:solidFill>
+                          <a:effectLst/>
+                          <a:latin typeface="Aptos Narrow" panose="020B0004020202020204" pitchFamily="34" charset="0"/>
+                        </a:rPr>
+                        <a:t>Tiempo de carga optimizado para brindar una experiencia fluida incluso en conexiones lentas</a:t>
+                      </a:r>
+                    </a:p>
+                  </a:txBody>
+                  <a:tcPr marL="9525" marR="9525" marT="9525" marB="0" anchor="ctr"/>
+                </a:tc>
+                <a:tc>
+                  <a:txBody>
+                    <a:bodyPr/>
+                    <a:lstStyle/>
+                    <a:p>
+                      <a:pPr algn="l" fontAlgn="ctr"/>
+                      <a:r>
+                        <a:rPr lang="es-ES" sz="1100" b="0" i="0" u="none" strike="noStrike">
+                          <a:solidFill>
+                            <a:srgbClr val="000000"/>
+                          </a:solidFill>
+                          <a:effectLst/>
+                          <a:latin typeface="Aptos Narrow" panose="020B0004020202020204" pitchFamily="34" charset="0"/>
+                        </a:rPr>
+                        <a:t>Carga de página: </a:t>
+                      </a:r>
+                      <a:r>
+                        <a:rPr lang="es-ES" sz="1100" b="1" i="0" u="none" strike="noStrike">
+                          <a:solidFill>
+                            <a:srgbClr val="000000"/>
+                          </a:solidFill>
+                          <a:effectLst/>
+                          <a:latin typeface="Aptos Narrow" panose="020B0004020202020204" pitchFamily="34" charset="0"/>
+                        </a:rPr>
+                        <a:t>2-5 segundos</a:t>
+                      </a:r>
+                      <a:endParaRPr lang="es-ES" sz="1100" b="0" i="0" u="none" strike="noStrike">
+                        <a:solidFill>
+                          <a:srgbClr val="000000"/>
+                        </a:solidFill>
+                        <a:effectLst/>
+                        <a:latin typeface="Aptos Narrow" panose="020B0004020202020204" pitchFamily="34" charset="0"/>
+                      </a:endParaRPr>
+                    </a:p>
+                  </a:txBody>
+                  <a:tcPr marL="9525" marR="9525" marT="9525" marB="0" anchor="ctr"/>
+                </a:tc>
+                <a:tc>
+                  <a:txBody>
+                    <a:bodyPr/>
+                    <a:lstStyle/>
+                    <a:p>
+                      <a:pPr algn="ctr" fontAlgn="ctr"/>
                       <a:r>
                         <a:rPr lang="es-CO" sz="1100" b="0" i="0" u="none" strike="noStrike">
                           <a:solidFill>
                             <a:srgbClr val="000000"/>
                           </a:solidFill>
                           <a:effectLst/>
-                          <a:latin typeface="Century Gothic (Cuerpo)"/>
+                          <a:latin typeface="Aptos Narrow" panose="020B0004020202020204" pitchFamily="34" charset="0"/>
                         </a:rPr>
-                        <a:t>Interfaz visual elegante, intuitiva y alineada a la marca</a:t>
-                      </a:r>
-                    </a:p>
-                  </a:txBody>
-                  <a:tcPr marL="9525" marR="9525" marT="9525" marB="0" anchor="ctr"/>
-                </a:tc>
-                <a:tc>
-                  <a:txBody>
-                    <a:bodyPr/>
-                    <a:lstStyle/>
-                    <a:p>
-                      <a:pPr algn="l" fontAlgn="ctr"/>
-                      <a:r>
-                        <a:rPr lang="es-ES" sz="1100" b="0" i="0" u="none" strike="noStrike">
-                          <a:solidFill>
-                            <a:srgbClr val="000000"/>
-                          </a:solidFill>
-                          <a:effectLst/>
-                          <a:latin typeface="Century Gothic (Cuerpo)"/>
-                        </a:rPr>
-                        <a:t>Pruebas con usuarios, satisfacción ≥ </a:t>
-                      </a:r>
-                      <a:r>
-                        <a:rPr lang="es-ES" sz="1100" b="1" i="0" u="none" strike="noStrike">
-                          <a:solidFill>
-                            <a:srgbClr val="000000"/>
-                          </a:solidFill>
-                          <a:effectLst/>
-                          <a:latin typeface="Century Gothic (Cuerpo)"/>
-                        </a:rPr>
-                        <a:t>80%</a:t>
-                      </a:r>
-                      <a:r>
-                        <a:rPr lang="es-ES" sz="1100" b="0" i="0" u="none" strike="noStrike">
-                          <a:solidFill>
-                            <a:srgbClr val="000000"/>
-                          </a:solidFill>
-                          <a:effectLst/>
-                          <a:latin typeface="Century Gothic (Cuerpo)"/>
-                        </a:rPr>
-                        <a:t>, evaluación heurística</a:t>
+                        <a:t>3</a:t>
                       </a:r>
                     </a:p>
                   </a:txBody>
@@ -14348,9 +14385,9 @@
                             <a:srgbClr val="000000"/>
                           </a:solidFill>
                           <a:effectLst/>
-                          <a:latin typeface="Century Gothic (Cuerpo)"/>
+                          <a:latin typeface="Aptos Narrow" panose="020B0004020202020204" pitchFamily="34" charset="0"/>
                         </a:rPr>
-                        <a:t>3</a:t>
+                        <a:t>2</a:t>
                       </a:r>
                     </a:p>
                   </a:txBody>
@@ -14361,16 +14398,16 @@
                     <a:bodyPr/>
                     <a:lstStyle/>
                     <a:p>
-                      <a:pPr algn="ctr" fontAlgn="ctr"/>
+                      <a:pPr algn="ctr" rtl="0" fontAlgn="ctr"/>
                       <a:r>
                         <a:rPr lang="es-CO" sz="1100" b="0" i="0" u="none" strike="noStrike">
                           <a:solidFill>
                             <a:srgbClr val="000000"/>
                           </a:solidFill>
                           <a:effectLst/>
-                          <a:latin typeface="Century Gothic (Cuerpo)"/>
+                          <a:latin typeface="Century Gothic" panose="020B0502020202020204" pitchFamily="34" charset="0"/>
                         </a:rPr>
-                        <a:t>1</a:t>
+                        <a:t>12,50%</a:t>
                       </a:r>
                     </a:p>
                   </a:txBody>
@@ -14381,36 +14418,16 @@
                     <a:bodyPr/>
                     <a:lstStyle/>
                     <a:p>
-                      <a:pPr algn="ctr" rtl="0" fontAlgn="ctr"/>
+                      <a:pPr algn="ctr" fontAlgn="ctr"/>
                       <a:r>
                         <a:rPr lang="es-CO" sz="1100" b="0" i="0" u="none" strike="noStrike">
                           <a:solidFill>
                             <a:srgbClr val="000000"/>
                           </a:solidFill>
                           <a:effectLst/>
-                          <a:latin typeface="Century Gothic (Cuerpo)"/>
+                          <a:latin typeface="Aptos Narrow" panose="020B0004020202020204" pitchFamily="34" charset="0"/>
                         </a:rPr>
-                        <a:t>20%</a:t>
-                      </a:r>
-                    </a:p>
-                  </a:txBody>
-                  <a:tcPr marL="9525" marR="9525" marT="9525" marB="0" anchor="ctr"/>
-                </a:tc>
-                <a:tc>
-                  <a:txBody>
-                    <a:bodyPr/>
-                    <a:lstStyle/>
-                    <a:p>
-                      <a:pPr algn="ctr" fontAlgn="ctr"/>
-                      <a:r>
-                        <a:rPr lang="es-CO" sz="1100" b="0" i="0" u="none" strike="noStrike">
-                          <a:solidFill>
-                            <a:srgbClr val="000000"/>
-                          </a:solidFill>
-                          <a:effectLst/>
-                          <a:latin typeface="Century Gothic (Cuerpo)"/>
-                        </a:rPr>
-                        <a:t>80,0</a:t>
+                        <a:t>15,4</a:t>
                       </a:r>
                     </a:p>
                   </a:txBody>
@@ -14435,9 +14452,9 @@
                             <a:srgbClr val="000000"/>
                           </a:solidFill>
                           <a:effectLst/>
-                          <a:latin typeface="Century Gothic (Cuerpo)"/>
+                          <a:latin typeface="Aptos Narrow" panose="020B0004020202020204" pitchFamily="34" charset="0"/>
                         </a:rPr>
-                        <a:t>Rendimiento y Eficiencia</a:t>
+                        <a:t>Fiabilidad</a:t>
                       </a:r>
                     </a:p>
                   </a:txBody>
@@ -14455,9 +14472,9 @@
                             <a:srgbClr val="000000"/>
                           </a:solidFill>
                           <a:effectLst/>
-                          <a:latin typeface="Century Gothic (Cuerpo)"/>
+                          <a:latin typeface="Aptos Narrow" panose="020B0004020202020204" pitchFamily="34" charset="0"/>
                         </a:rPr>
-                        <a:t>Tiempo de carga optimizado para brindar una experiencia fluida incluso en conexiones lentas</a:t>
+                        <a:t>Que la tienda esté disponible y estable sin errores frecuentes</a:t>
                       </a:r>
                     </a:p>
                   </a:txBody>
@@ -14475,9 +14492,9 @@
                             <a:srgbClr val="000000"/>
                           </a:solidFill>
                           <a:effectLst/>
-                          <a:latin typeface="Century Gothic (Cuerpo)"/>
+                          <a:latin typeface="Aptos Narrow" panose="020B0004020202020204" pitchFamily="34" charset="0"/>
                         </a:rPr>
-                        <a:t>Carga de página: </a:t>
+                        <a:t>Uptime ≥ </a:t>
                       </a:r>
                       <a:r>
                         <a:rPr lang="es-ES" sz="1100" b="1" i="0" u="none" strike="noStrike">
@@ -14485,17 +14502,20 @@
                             <a:srgbClr val="000000"/>
                           </a:solidFill>
                           <a:effectLst/>
-                          <a:latin typeface="Century Gothic (Cuerpo)"/>
+                          <a:latin typeface="Aptos Narrow" panose="020B0004020202020204" pitchFamily="34" charset="0"/>
                         </a:rPr>
-                        <a:t>2-5 segundos</a:t>
-                      </a:r>
-                      <a:endParaRPr lang="es-ES" sz="1100" b="0" i="0" u="none" strike="noStrike">
-                        <a:solidFill>
-                          <a:srgbClr val="000000"/>
-                        </a:solidFill>
-                        <a:effectLst/>
-                        <a:latin typeface="Century Gothic (Cuerpo)"/>
-                      </a:endParaRPr>
+                        <a:t>99.5%</a:t>
+                      </a:r>
+                      <a:r>
+                        <a:rPr lang="es-ES" sz="1100" b="0" i="0" u="none" strike="noStrike">
+                          <a:solidFill>
+                            <a:srgbClr val="000000"/>
+                          </a:solidFill>
+                          <a:effectLst/>
+                          <a:latin typeface="Aptos Narrow" panose="020B0004020202020204" pitchFamily="34" charset="0"/>
+                        </a:rPr>
+                        <a:t>, pruebas de regresión sin fallos críticos</a:t>
+                      </a:r>
                     </a:p>
                   </a:txBody>
                   <a:tcPr marL="9525" marR="9525" marT="9525" marB="0" anchor="ctr"/>
@@ -14512,7 +14532,7 @@
                             <a:srgbClr val="000000"/>
                           </a:solidFill>
                           <a:effectLst/>
-                          <a:latin typeface="Century Gothic (Cuerpo)"/>
+                          <a:latin typeface="Aptos Narrow" panose="020B0004020202020204" pitchFamily="34" charset="0"/>
                         </a:rPr>
                         <a:t>3</a:t>
                       </a:r>
@@ -14532,7 +14552,7 @@
                             <a:srgbClr val="000000"/>
                           </a:solidFill>
                           <a:effectLst/>
-                          <a:latin typeface="Century Gothic (Cuerpo)"/>
+                          <a:latin typeface="Aptos Narrow" panose="020B0004020202020204" pitchFamily="34" charset="0"/>
                         </a:rPr>
                         <a:t>2</a:t>
                       </a:r>
@@ -14552,7 +14572,7 @@
                             <a:srgbClr val="000000"/>
                           </a:solidFill>
                           <a:effectLst/>
-                          <a:latin typeface="Century Gothic (Cuerpo)"/>
+                          <a:latin typeface="Century Gothic" panose="020B0502020202020204" pitchFamily="34" charset="0"/>
                         </a:rPr>
                         <a:t>12,50%</a:t>
                       </a:r>
@@ -14572,9 +14592,9 @@
                             <a:srgbClr val="000000"/>
                           </a:solidFill>
                           <a:effectLst/>
-                          <a:latin typeface="Century Gothic (Cuerpo)"/>
+                          <a:latin typeface="Aptos Narrow" panose="020B0004020202020204" pitchFamily="34" charset="0"/>
                         </a:rPr>
-                        <a:t>62,5</a:t>
+                        <a:t>15,4</a:t>
                       </a:r>
                     </a:p>
                   </a:txBody>
@@ -14599,9 +14619,29 @@
                             <a:srgbClr val="000000"/>
                           </a:solidFill>
                           <a:effectLst/>
-                          <a:latin typeface="Century Gothic (Cuerpo)"/>
+                          <a:latin typeface="Aptos Narrow" panose="020B0004020202020204" pitchFamily="34" charset="0"/>
                         </a:rPr>
-                        <a:t>Fiabilidad</a:t>
+                        <a:t>Compatibilidad</a:t>
+                      </a:r>
+                    </a:p>
+                  </a:txBody>
+                  <a:tcPr marL="9525" marR="9525" marT="9525" marB="0" anchor="ctr"/>
+                </a:tc>
+                <a:tc>
+                  <a:txBody>
+                    <a:bodyPr/>
+                    <a:lstStyle/>
+                    <a:p>
+                      <a:pPr algn="l" fontAlgn="ctr"/>
+                      <a:r>
+                        <a:rPr lang="es-CO" sz="1100" b="0" i="0" u="none" strike="noStrike">
+                          <a:solidFill>
+                            <a:srgbClr val="000000"/>
+                          </a:solidFill>
+                          <a:effectLst/>
+                          <a:latin typeface="Aptos Narrow" panose="020B0004020202020204" pitchFamily="34" charset="0"/>
+                        </a:rPr>
+                        <a:t>Funcionar correctamente en múltiples dispositivos y navegadores</a:t>
                       </a:r>
                     </a:p>
                   </a:txBody>
@@ -14619,60 +14659,27 @@
                             <a:srgbClr val="000000"/>
                           </a:solidFill>
                           <a:effectLst/>
-                          <a:latin typeface="Century Gothic (Cuerpo)"/>
+                          <a:latin typeface="Aptos Narrow" panose="020B0004020202020204" pitchFamily="34" charset="0"/>
                         </a:rPr>
-                        <a:t>Que la tienda esté disponible y estable sin errores frecuentes</a:t>
-                      </a:r>
-                    </a:p>
-                  </a:txBody>
-                  <a:tcPr marL="9525" marR="9525" marT="9525" marB="0" anchor="ctr"/>
-                </a:tc>
-                <a:tc>
-                  <a:txBody>
-                    <a:bodyPr/>
-                    <a:lstStyle/>
-                    <a:p>
-                      <a:pPr algn="l" fontAlgn="ctr"/>
-                      <a:r>
-                        <a:rPr lang="es-ES" sz="1100" b="0" i="0" u="none" strike="noStrike" dirty="0" err="1">
+                        <a:t>Pruebas en navegadores y móviles: </a:t>
+                      </a:r>
+                      <a:r>
+                        <a:rPr lang="es-ES" sz="1100" b="1" i="0" u="none" strike="noStrike">
                           <a:solidFill>
                             <a:srgbClr val="000000"/>
                           </a:solidFill>
                           <a:effectLst/>
-                          <a:latin typeface="Century Gothic (Cuerpo)"/>
+                          <a:latin typeface="Aptos Narrow" panose="020B0004020202020204" pitchFamily="34" charset="0"/>
                         </a:rPr>
-                        <a:t>Uptime</a:t>
-                      </a:r>
-                      <a:r>
-                        <a:rPr lang="es-ES" sz="1100" b="0" i="0" u="none" strike="noStrike" dirty="0">
-                          <a:solidFill>
-                            <a:srgbClr val="000000"/>
-                          </a:solidFill>
-                          <a:effectLst/>
-                          <a:latin typeface="Century Gothic (Cuerpo)"/>
-                        </a:rPr>
-                        <a:t> ≥ </a:t>
-                      </a:r>
-                      <a:r>
-                        <a:rPr lang="es-ES" sz="1100" b="1" i="0" u="none" strike="noStrike" dirty="0">
-                          <a:solidFill>
-                            <a:srgbClr val="000000"/>
-                          </a:solidFill>
-                          <a:effectLst/>
-                          <a:latin typeface="Century Gothic (Cuerpo)"/>
-                        </a:rPr>
-                        <a:t>99.5%</a:t>
-                      </a:r>
-                      <a:r>
-                        <a:rPr lang="es-ES" sz="1100" b="0" i="0" u="none" strike="noStrike" dirty="0">
-                          <a:solidFill>
-                            <a:srgbClr val="000000"/>
-                          </a:solidFill>
-                          <a:effectLst/>
-                          <a:latin typeface="Century Gothic (Cuerpo)"/>
-                        </a:rPr>
-                        <a:t>, pruebas de regresión sin fallos críticos</a:t>
-                      </a:r>
+                        <a:t>≥ 95% compatibilidad</a:t>
+                      </a:r>
+                      <a:endParaRPr lang="es-ES" sz="1100" b="0" i="0" u="none" strike="noStrike">
+                        <a:solidFill>
+                          <a:srgbClr val="000000"/>
+                        </a:solidFill>
+                        <a:effectLst/>
+                        <a:latin typeface="Aptos Narrow" panose="020B0004020202020204" pitchFamily="34" charset="0"/>
+                      </a:endParaRPr>
                     </a:p>
                   </a:txBody>
                   <a:tcPr marL="9525" marR="9525" marT="9525" marB="0" anchor="ctr"/>
@@ -14689,7 +14696,7 @@
                             <a:srgbClr val="000000"/>
                           </a:solidFill>
                           <a:effectLst/>
-                          <a:latin typeface="Century Gothic (Cuerpo)"/>
+                          <a:latin typeface="Aptos Narrow" panose="020B0004020202020204" pitchFamily="34" charset="0"/>
                         </a:rPr>
                         <a:t>3</a:t>
                       </a:r>
@@ -14709,7 +14716,7 @@
                             <a:srgbClr val="000000"/>
                           </a:solidFill>
                           <a:effectLst/>
-                          <a:latin typeface="Century Gothic (Cuerpo)"/>
+                          <a:latin typeface="Aptos Narrow" panose="020B0004020202020204" pitchFamily="34" charset="0"/>
                         </a:rPr>
                         <a:t>2</a:t>
                       </a:r>
@@ -14729,9 +14736,9 @@
                             <a:srgbClr val="000000"/>
                           </a:solidFill>
                           <a:effectLst/>
-                          <a:latin typeface="Century Gothic (Cuerpo)"/>
+                          <a:latin typeface="Century Gothic" panose="020B0502020202020204" pitchFamily="34" charset="0"/>
                         </a:rPr>
-                        <a:t>12,50%</a:t>
+                        <a:t>6,25%</a:t>
                       </a:r>
                     </a:p>
                   </a:txBody>
@@ -14749,9 +14756,9 @@
                             <a:srgbClr val="000000"/>
                           </a:solidFill>
                           <a:effectLst/>
-                          <a:latin typeface="Century Gothic (Cuerpo)"/>
+                          <a:latin typeface="Aptos Narrow" panose="020B0004020202020204" pitchFamily="34" charset="0"/>
                         </a:rPr>
-                        <a:t>62,5</a:t>
+                        <a:t>15,4</a:t>
                       </a:r>
                     </a:p>
                   </a:txBody>
@@ -14776,7 +14783,7 @@
                             <a:srgbClr val="000000"/>
                           </a:solidFill>
                           <a:effectLst/>
-                          <a:latin typeface="Century Gothic (Cuerpo)"/>
+                          <a:latin typeface="Aptos Narrow" panose="020B0004020202020204" pitchFamily="34" charset="0"/>
                         </a:rPr>
                         <a:t>Mantenibilidad</a:t>
                       </a:r>
@@ -14796,7 +14803,7 @@
                             <a:srgbClr val="000000"/>
                           </a:solidFill>
                           <a:effectLst/>
-                          <a:latin typeface="Century Gothic (Cuerpo)"/>
+                          <a:latin typeface="Aptos Narrow" panose="020B0004020202020204" pitchFamily="34" charset="0"/>
                         </a:rPr>
                         <a:t>Código modular y documentado para facilitar cambios o mejoras futuras</a:t>
                       </a:r>
@@ -14816,7 +14823,7 @@
                             <a:srgbClr val="000000"/>
                           </a:solidFill>
                           <a:effectLst/>
-                          <a:latin typeface="Century Gothic (Cuerpo)"/>
+                          <a:latin typeface="Aptos Narrow" panose="020B0004020202020204" pitchFamily="34" charset="0"/>
                         </a:rPr>
                         <a:t>Nivel de acoplamiento/cobertura de pruebas/unitarias ≥ </a:t>
                       </a:r>
@@ -14826,7 +14833,7 @@
                             <a:srgbClr val="000000"/>
                           </a:solidFill>
                           <a:effectLst/>
-                          <a:latin typeface="Century Gothic (Cuerpo)"/>
+                          <a:latin typeface="Aptos Narrow" panose="020B0004020202020204" pitchFamily="34" charset="0"/>
                         </a:rPr>
                         <a:t>80%</a:t>
                       </a:r>
@@ -14835,7 +14842,7 @@
                           <a:srgbClr val="000000"/>
                         </a:solidFill>
                         <a:effectLst/>
-                        <a:latin typeface="Century Gothic (Cuerpo)"/>
+                        <a:latin typeface="Aptos Narrow" panose="020B0004020202020204" pitchFamily="34" charset="0"/>
                       </a:endParaRPr>
                     </a:p>
                   </a:txBody>
@@ -14853,7 +14860,7 @@
                             <a:srgbClr val="000000"/>
                           </a:solidFill>
                           <a:effectLst/>
-                          <a:latin typeface="Century Gothic (Cuerpo)"/>
+                          <a:latin typeface="Aptos Narrow" panose="020B0004020202020204" pitchFamily="34" charset="0"/>
                         </a:rPr>
                         <a:t>2</a:t>
                       </a:r>
@@ -14873,7 +14880,7 @@
                             <a:srgbClr val="000000"/>
                           </a:solidFill>
                           <a:effectLst/>
-                          <a:latin typeface="Century Gothic (Cuerpo)"/>
+                          <a:latin typeface="Aptos Narrow" panose="020B0004020202020204" pitchFamily="34" charset="0"/>
                         </a:rPr>
                         <a:t>2</a:t>
                       </a:r>
@@ -14893,7 +14900,7 @@
                             <a:srgbClr val="000000"/>
                           </a:solidFill>
                           <a:effectLst/>
-                          <a:latin typeface="Century Gothic (Cuerpo)"/>
+                          <a:latin typeface="Century Gothic" panose="020B0502020202020204" pitchFamily="34" charset="0"/>
                         </a:rPr>
                         <a:t>11,25%</a:t>
                       </a:r>
@@ -14913,9 +14920,9 @@
                             <a:srgbClr val="000000"/>
                           </a:solidFill>
                           <a:effectLst/>
-                          <a:latin typeface="Century Gothic (Cuerpo)"/>
+                          <a:latin typeface="Aptos Narrow" panose="020B0004020202020204" pitchFamily="34" charset="0"/>
                         </a:rPr>
-                        <a:t>45,0</a:t>
+                        <a:t>10,3</a:t>
                       </a:r>
                     </a:p>
                   </a:txBody>
@@ -14940,9 +14947,9 @@
                             <a:srgbClr val="000000"/>
                           </a:solidFill>
                           <a:effectLst/>
-                          <a:latin typeface="Century Gothic (Cuerpo)"/>
+                          <a:latin typeface="Aptos Narrow" panose="020B0004020202020204" pitchFamily="34" charset="0"/>
                         </a:rPr>
-                        <a:t>Compatibilidad</a:t>
+                        <a:t>Usabilidad</a:t>
                       </a:r>
                     </a:p>
                   </a:txBody>
@@ -14960,9 +14967,9 @@
                             <a:srgbClr val="000000"/>
                           </a:solidFill>
                           <a:effectLst/>
-                          <a:latin typeface="Century Gothic (Cuerpo)"/>
+                          <a:latin typeface="Aptos Narrow" panose="020B0004020202020204" pitchFamily="34" charset="0"/>
                         </a:rPr>
-                        <a:t>Funcionar correctamente en múltiples dispositivos y navegadores</a:t>
+                        <a:t>Interfaz visual elegante, intuitiva y alineada a la marca</a:t>
                       </a:r>
                     </a:p>
                   </a:txBody>
@@ -14980,9 +14987,9 @@
                             <a:srgbClr val="000000"/>
                           </a:solidFill>
                           <a:effectLst/>
-                          <a:latin typeface="Century Gothic (Cuerpo)"/>
+                          <a:latin typeface="Aptos Narrow" panose="020B0004020202020204" pitchFamily="34" charset="0"/>
                         </a:rPr>
-                        <a:t>Pruebas en navegadores y móviles: </a:t>
+                        <a:t>Pruebas con usuarios, satisfacción ≥ </a:t>
                       </a:r>
                       <a:r>
                         <a:rPr lang="es-ES" sz="1100" b="1" i="0" u="none" strike="noStrike">
@@ -14990,17 +14997,20 @@
                             <a:srgbClr val="000000"/>
                           </a:solidFill>
                           <a:effectLst/>
-                          <a:latin typeface="Century Gothic (Cuerpo)"/>
+                          <a:latin typeface="Aptos Narrow" panose="020B0004020202020204" pitchFamily="34" charset="0"/>
                         </a:rPr>
-                        <a:t>≥ 95% compatibilidad</a:t>
-                      </a:r>
-                      <a:endParaRPr lang="es-ES" sz="1100" b="0" i="0" u="none" strike="noStrike">
-                        <a:solidFill>
-                          <a:srgbClr val="000000"/>
-                        </a:solidFill>
-                        <a:effectLst/>
-                        <a:latin typeface="Century Gothic (Cuerpo)"/>
-                      </a:endParaRPr>
+                        <a:t>80%</a:t>
+                      </a:r>
+                      <a:r>
+                        <a:rPr lang="es-ES" sz="1100" b="0" i="0" u="none" strike="noStrike">
+                          <a:solidFill>
+                            <a:srgbClr val="000000"/>
+                          </a:solidFill>
+                          <a:effectLst/>
+                          <a:latin typeface="Aptos Narrow" panose="020B0004020202020204" pitchFamily="34" charset="0"/>
+                        </a:rPr>
+                        <a:t>, evaluación heurística</a:t>
+                      </a:r>
                     </a:p>
                   </a:txBody>
                   <a:tcPr marL="9525" marR="9525" marT="9525" marB="0" anchor="ctr"/>
@@ -15017,7 +15027,7 @@
                             <a:srgbClr val="000000"/>
                           </a:solidFill>
                           <a:effectLst/>
-                          <a:latin typeface="Century Gothic (Cuerpo)"/>
+                          <a:latin typeface="Aptos Narrow" panose="020B0004020202020204" pitchFamily="34" charset="0"/>
                         </a:rPr>
                         <a:t>3</a:t>
                       </a:r>
@@ -15037,9 +15047,9 @@
                             <a:srgbClr val="000000"/>
                           </a:solidFill>
                           <a:effectLst/>
-                          <a:latin typeface="Century Gothic (Cuerpo)"/>
+                          <a:latin typeface="Aptos Narrow" panose="020B0004020202020204" pitchFamily="34" charset="0"/>
                         </a:rPr>
-                        <a:t>2</a:t>
+                        <a:t>1</a:t>
                       </a:r>
                     </a:p>
                   </a:txBody>
@@ -15057,9 +15067,9 @@
                             <a:srgbClr val="000000"/>
                           </a:solidFill>
                           <a:effectLst/>
-                          <a:latin typeface="Century Gothic (Cuerpo)"/>
+                          <a:latin typeface="Century Gothic" panose="020B0502020202020204" pitchFamily="34" charset="0"/>
                         </a:rPr>
-                        <a:t>6,25%</a:t>
+                        <a:t>20%</a:t>
                       </a:r>
                     </a:p>
                   </a:txBody>
@@ -15077,9 +15087,9 @@
                             <a:srgbClr val="000000"/>
                           </a:solidFill>
                           <a:effectLst/>
-                          <a:latin typeface="Century Gothic (Cuerpo)"/>
+                          <a:latin typeface="Aptos Narrow" panose="020B0004020202020204" pitchFamily="34" charset="0"/>
                         </a:rPr>
-                        <a:t>31,3</a:t>
+                        <a:t>7,7</a:t>
                       </a:r>
                     </a:p>
                   </a:txBody>
@@ -15104,7 +15114,7 @@
                             <a:srgbClr val="000000"/>
                           </a:solidFill>
                           <a:effectLst/>
-                          <a:latin typeface="Century Gothic (Cuerpo)"/>
+                          <a:latin typeface="Aptos Narrow" panose="020B0004020202020204" pitchFamily="34" charset="0"/>
                         </a:rPr>
                         <a:t>Funcionalidad (Adecuación)</a:t>
                       </a:r>
@@ -15124,7 +15134,7 @@
                             <a:srgbClr val="000000"/>
                           </a:solidFill>
                           <a:effectLst/>
-                          <a:latin typeface="Century Gothic (Cuerpo)"/>
+                          <a:latin typeface="Aptos Narrow" panose="020B0004020202020204" pitchFamily="34" charset="0"/>
                         </a:rPr>
                         <a:t>Mostrar correctamente los productos y permitir compras funcionales sin errores</a:t>
                       </a:r>
@@ -15144,7 +15154,7 @@
                             <a:srgbClr val="000000"/>
                           </a:solidFill>
                           <a:effectLst/>
-                          <a:latin typeface="Century Gothic (Cuerpo)"/>
+                          <a:latin typeface="Aptos Narrow" panose="020B0004020202020204" pitchFamily="34" charset="0"/>
                         </a:rPr>
                         <a:t>Validación completa de flujo de compra sin bugs</a:t>
                       </a:r>
@@ -15164,7 +15174,7 @@
                             <a:srgbClr val="000000"/>
                           </a:solidFill>
                           <a:effectLst/>
-                          <a:latin typeface="Century Gothic (Cuerpo)"/>
+                          <a:latin typeface="Aptos Narrow" panose="020B0004020202020204" pitchFamily="34" charset="0"/>
                         </a:rPr>
                         <a:t>3</a:t>
                       </a:r>
@@ -15178,35 +15188,15 @@
                     <a:lstStyle/>
                     <a:p>
                       <a:pPr algn="ctr" fontAlgn="ctr"/>
-                      <a:r>
-                        <a:rPr lang="es-CO" sz="1100" b="0" i="0" u="none" strike="noStrike" dirty="0">
-                          <a:solidFill>
-                            <a:srgbClr val="000000"/>
-                          </a:solidFill>
-                          <a:effectLst/>
-                          <a:latin typeface="Century Gothic (Cuerpo)"/>
-                        </a:rPr>
-                        <a:t>1</a:t>
-                      </a:r>
-                    </a:p>
-                  </a:txBody>
-                  <a:tcPr marL="9525" marR="9525" marT="9525" marB="0" anchor="ctr"/>
-                </a:tc>
-                <a:tc>
-                  <a:txBody>
-                    <a:bodyPr/>
-                    <a:lstStyle/>
-                    <a:p>
-                      <a:pPr algn="ctr" rtl="0" fontAlgn="ctr"/>
                       <a:r>
                         <a:rPr lang="es-CO" sz="1100" b="0" i="0" u="none" strike="noStrike">
                           <a:solidFill>
                             <a:srgbClr val="000000"/>
                           </a:solidFill>
                           <a:effectLst/>
-                          <a:latin typeface="Century Gothic (Cuerpo)"/>
+                          <a:latin typeface="Aptos Narrow" panose="020B0004020202020204" pitchFamily="34" charset="0"/>
                         </a:rPr>
-                        <a:t>6,25%</a:t>
+                        <a:t>1</a:t>
                       </a:r>
                     </a:p>
                   </a:txBody>
@@ -15217,16 +15207,36 @@
                     <a:bodyPr/>
                     <a:lstStyle/>
                     <a:p>
-                      <a:pPr algn="ctr" fontAlgn="ctr"/>
+                      <a:pPr algn="ctr" rtl="0" fontAlgn="ctr"/>
                       <a:r>
                         <a:rPr lang="es-CO" sz="1100" b="0" i="0" u="none" strike="noStrike">
                           <a:solidFill>
                             <a:srgbClr val="000000"/>
                           </a:solidFill>
                           <a:effectLst/>
-                          <a:latin typeface="Century Gothic (Cuerpo)"/>
+                          <a:latin typeface="Century Gothic" panose="020B0502020202020204" pitchFamily="34" charset="0"/>
                         </a:rPr>
-                        <a:t>25,0</a:t>
+                        <a:t>6,25%</a:t>
+                      </a:r>
+                    </a:p>
+                  </a:txBody>
+                  <a:tcPr marL="9525" marR="9525" marT="9525" marB="0" anchor="ctr"/>
+                </a:tc>
+                <a:tc>
+                  <a:txBody>
+                    <a:bodyPr/>
+                    <a:lstStyle/>
+                    <a:p>
+                      <a:pPr algn="ctr" fontAlgn="ctr"/>
+                      <a:r>
+                        <a:rPr lang="es-CO" sz="1100" b="0" i="0" u="none" strike="noStrike">
+                          <a:solidFill>
+                            <a:srgbClr val="000000"/>
+                          </a:solidFill>
+                          <a:effectLst/>
+                          <a:latin typeface="Aptos Narrow" panose="020B0004020202020204" pitchFamily="34" charset="0"/>
+                        </a:rPr>
+                        <a:t>7,7</a:t>
                       </a:r>
                     </a:p>
                   </a:txBody>
@@ -15251,7 +15261,7 @@
                             <a:srgbClr val="000000"/>
                           </a:solidFill>
                           <a:effectLst/>
-                          <a:latin typeface="Century Gothic (Cuerpo)"/>
+                          <a:latin typeface="Aptos Narrow" panose="020B0004020202020204" pitchFamily="34" charset="0"/>
                         </a:rPr>
                         <a:t>Portabilidad</a:t>
                       </a:r>
@@ -15271,7 +15281,7 @@
                             <a:srgbClr val="000000"/>
                           </a:solidFill>
                           <a:effectLst/>
-                          <a:latin typeface="Century Gothic (Cuerpo)"/>
+                          <a:latin typeface="Aptos Narrow" panose="020B0004020202020204" pitchFamily="34" charset="0"/>
                         </a:rPr>
                         <a:t>Posibilidad de migrar el sistema a otro proveedor de hosting o entorno técnico</a:t>
                       </a:r>
@@ -15291,7 +15301,7 @@
                             <a:srgbClr val="000000"/>
                           </a:solidFill>
                           <a:effectLst/>
-                          <a:latin typeface="Century Gothic (Cuerpo)"/>
+                          <a:latin typeface="Aptos Narrow" panose="020B0004020202020204" pitchFamily="34" charset="0"/>
                         </a:rPr>
                         <a:t>Despliegue exitoso en 2 entornos distintos (ej. local y cloud)</a:t>
                       </a:r>
@@ -15311,7 +15321,7 @@
                             <a:srgbClr val="000000"/>
                           </a:solidFill>
                           <a:effectLst/>
-                          <a:latin typeface="Century Gothic (Cuerpo)"/>
+                          <a:latin typeface="Aptos Narrow" panose="020B0004020202020204" pitchFamily="34" charset="0"/>
                         </a:rPr>
                         <a:t>1</a:t>
                       </a:r>
@@ -15331,7 +15341,7 @@
                             <a:srgbClr val="000000"/>
                           </a:solidFill>
                           <a:effectLst/>
-                          <a:latin typeface="Century Gothic (Cuerpo)"/>
+                          <a:latin typeface="Aptos Narrow" panose="020B0004020202020204" pitchFamily="34" charset="0"/>
                         </a:rPr>
                         <a:t>2</a:t>
                       </a:r>
@@ -15351,7 +15361,7 @@
                             <a:srgbClr val="000000"/>
                           </a:solidFill>
                           <a:effectLst/>
-                          <a:latin typeface="Century Gothic (Cuerpo)"/>
+                          <a:latin typeface="Century Gothic" panose="020B0502020202020204" pitchFamily="34" charset="0"/>
                         </a:rPr>
                         <a:t>6,25%</a:t>
                       </a:r>
@@ -15371,9 +15381,9 @@
                             <a:srgbClr val="000000"/>
                           </a:solidFill>
                           <a:effectLst/>
-                          <a:latin typeface="Century Gothic (Cuerpo)"/>
+                          <a:latin typeface="Aptos Narrow" panose="020B0004020202020204" pitchFamily="34" charset="0"/>
                         </a:rPr>
-                        <a:t>18,8</a:t>
+                        <a:t>5</a:t>
                       </a:r>
                     </a:p>
                   </a:txBody>

--- a/Project/Context/tempora.context.pptx
+++ b/Project/Context/tempora.context.pptx
@@ -767,7 +767,7 @@
           <a:p>
             <a:fld id="{CA7562F1-D84A-4873-AB67-5B203484F720}" type="datetimeFigureOut">
               <a:rPr lang="es-CO" smtClean="0"/>
-              <a:t>8/04/2025</a:t>
+              <a:t>20/04/2025</a:t>
             </a:fld>
             <a:endParaRPr lang="es-CO"/>
           </a:p>
@@ -1887,7 +1887,7 @@
           <a:p>
             <a:fld id="{CA7562F1-D84A-4873-AB67-5B203484F720}" type="datetimeFigureOut">
               <a:rPr lang="es-CO" smtClean="0"/>
-              <a:t>8/04/2025</a:t>
+              <a:t>20/04/2025</a:t>
             </a:fld>
             <a:endParaRPr lang="es-CO"/>
           </a:p>
@@ -2898,7 +2898,7 @@
           <a:p>
             <a:fld id="{CA7562F1-D84A-4873-AB67-5B203484F720}" type="datetimeFigureOut">
               <a:rPr lang="es-CO" smtClean="0"/>
-              <a:t>8/04/2025</a:t>
+              <a:t>20/04/2025</a:t>
             </a:fld>
             <a:endParaRPr lang="es-CO"/>
           </a:p>
@@ -4068,7 +4068,7 @@
           <a:p>
             <a:fld id="{CA7562F1-D84A-4873-AB67-5B203484F720}" type="datetimeFigureOut">
               <a:rPr lang="es-CO" smtClean="0"/>
-              <a:t>8/04/2025</a:t>
+              <a:t>20/04/2025</a:t>
             </a:fld>
             <a:endParaRPr lang="es-CO"/>
           </a:p>
@@ -5129,7 +5129,7 @@
           <a:p>
             <a:fld id="{CA7562F1-D84A-4873-AB67-5B203484F720}" type="datetimeFigureOut">
               <a:rPr lang="es-CO" smtClean="0"/>
-              <a:t>8/04/2025</a:t>
+              <a:t>20/04/2025</a:t>
             </a:fld>
             <a:endParaRPr lang="es-CO"/>
           </a:p>
@@ -5775,7 +5775,7 @@
           <a:p>
             <a:fld id="{CA7562F1-D84A-4873-AB67-5B203484F720}" type="datetimeFigureOut">
               <a:rPr lang="es-CO" smtClean="0"/>
-              <a:t>8/04/2025</a:t>
+              <a:t>20/04/2025</a:t>
             </a:fld>
             <a:endParaRPr lang="es-CO"/>
           </a:p>
@@ -6622,7 +6622,7 @@
           <a:p>
             <a:fld id="{CA7562F1-D84A-4873-AB67-5B203484F720}" type="datetimeFigureOut">
               <a:rPr lang="es-CO" smtClean="0"/>
-              <a:t>8/04/2025</a:t>
+              <a:t>20/04/2025</a:t>
             </a:fld>
             <a:endParaRPr lang="es-CO"/>
           </a:p>
@@ -6797,7 +6797,7 @@
           <a:p>
             <a:fld id="{CA7562F1-D84A-4873-AB67-5B203484F720}" type="datetimeFigureOut">
               <a:rPr lang="es-CO" smtClean="0"/>
-              <a:t>8/04/2025</a:t>
+              <a:t>20/04/2025</a:t>
             </a:fld>
             <a:endParaRPr lang="es-CO"/>
           </a:p>
@@ -7795,7 +7795,7 @@
           <a:p>
             <a:fld id="{CA7562F1-D84A-4873-AB67-5B203484F720}" type="datetimeFigureOut">
               <a:rPr lang="es-CO" smtClean="0"/>
-              <a:t>8/04/2025</a:t>
+              <a:t>20/04/2025</a:t>
             </a:fld>
             <a:endParaRPr lang="es-CO"/>
           </a:p>
@@ -8001,7 +8001,7 @@
           <a:p>
             <a:fld id="{CA7562F1-D84A-4873-AB67-5B203484F720}" type="datetimeFigureOut">
               <a:rPr lang="es-CO" smtClean="0"/>
-              <a:t>8/04/2025</a:t>
+              <a:t>20/04/2025</a:t>
             </a:fld>
             <a:endParaRPr lang="es-CO"/>
           </a:p>
@@ -9063,7 +9063,7 @@
           <a:p>
             <a:fld id="{CA7562F1-D84A-4873-AB67-5B203484F720}" type="datetimeFigureOut">
               <a:rPr lang="es-CO" smtClean="0"/>
-              <a:t>8/04/2025</a:t>
+              <a:t>20/04/2025</a:t>
             </a:fld>
             <a:endParaRPr lang="es-CO"/>
           </a:p>
@@ -9335,7 +9335,7 @@
           <a:p>
             <a:fld id="{CA7562F1-D84A-4873-AB67-5B203484F720}" type="datetimeFigureOut">
               <a:rPr lang="es-CO" smtClean="0"/>
-              <a:t>8/04/2025</a:t>
+              <a:t>20/04/2025</a:t>
             </a:fld>
             <a:endParaRPr lang="es-CO"/>
           </a:p>
@@ -9717,7 +9717,7 @@
           <a:p>
             <a:fld id="{CA7562F1-D84A-4873-AB67-5B203484F720}" type="datetimeFigureOut">
               <a:rPr lang="es-CO" smtClean="0"/>
-              <a:t>8/04/2025</a:t>
+              <a:t>20/04/2025</a:t>
             </a:fld>
             <a:endParaRPr lang="es-CO"/>
           </a:p>
@@ -9835,7 +9835,7 @@
           <a:p>
             <a:fld id="{CA7562F1-D84A-4873-AB67-5B203484F720}" type="datetimeFigureOut">
               <a:rPr lang="es-CO" smtClean="0"/>
-              <a:t>8/04/2025</a:t>
+              <a:t>20/04/2025</a:t>
             </a:fld>
             <a:endParaRPr lang="es-CO"/>
           </a:p>
@@ -9930,7 +9930,7 @@
           <a:p>
             <a:fld id="{CA7562F1-D84A-4873-AB67-5B203484F720}" type="datetimeFigureOut">
               <a:rPr lang="es-CO" smtClean="0"/>
-              <a:t>8/04/2025</a:t>
+              <a:t>20/04/2025</a:t>
             </a:fld>
             <a:endParaRPr lang="es-CO"/>
           </a:p>
@@ -11039,7 +11039,7 @@
           <a:p>
             <a:fld id="{CA7562F1-D84A-4873-AB67-5B203484F720}" type="datetimeFigureOut">
               <a:rPr lang="es-CO" smtClean="0"/>
-              <a:t>8/04/2025</a:t>
+              <a:t>20/04/2025</a:t>
             </a:fld>
             <a:endParaRPr lang="es-CO"/>
           </a:p>
@@ -12172,7 +12172,7 @@
           <a:p>
             <a:fld id="{CA7562F1-D84A-4873-AB67-5B203484F720}" type="datetimeFigureOut">
               <a:rPr lang="es-CO" smtClean="0"/>
-              <a:t>8/04/2025</a:t>
+              <a:t>20/04/2025</a:t>
             </a:fld>
             <a:endParaRPr lang="es-CO"/>
           </a:p>
@@ -13200,7 +13200,7 @@
           <a:p>
             <a:fld id="{CA7562F1-D84A-4873-AB67-5B203484F720}" type="datetimeFigureOut">
               <a:rPr lang="es-CO" smtClean="0"/>
-              <a:t>8/04/2025</a:t>
+              <a:t>20/04/2025</a:t>
             </a:fld>
             <a:endParaRPr lang="es-CO"/>
           </a:p>
@@ -13895,14 +13895,14 @@
             <p:ph idx="1"/>
             <p:extLst>
               <p:ext uri="{D42A27DB-BD31-4B8C-83A1-F6EECF244321}">
-                <p14:modId xmlns:p14="http://schemas.microsoft.com/office/powerpoint/2010/main" val="2736057910"/>
+                <p14:modId xmlns:p14="http://schemas.microsoft.com/office/powerpoint/2010/main" val="190337633"/>
               </p:ext>
             </p:extLst>
           </p:nvPr>
         </p:nvGraphicFramePr>
         <p:xfrm>
           <a:off x="597559" y="2546772"/>
-          <a:ext cx="11230262" cy="3337560"/>
+          <a:ext cx="11230262" cy="3311525"/>
         </p:xfrm>
         <a:graphic>
           <a:graphicData uri="http://schemas.openxmlformats.org/drawingml/2006/table">
@@ -14256,22 +14256,339 @@
                     <a:p>
                       <a:pPr algn="ctr" fontAlgn="ctr"/>
                       <a:r>
-                        <a:rPr lang="es-CO" sz="1100" b="0" i="0" u="none" strike="noStrike" dirty="0">
+                        <a:rPr lang="es-CO" sz="1100" dirty="0"/>
+                        <a:t>0.90</a:t>
+                      </a:r>
+                      <a:endParaRPr lang="es-CO" sz="1100" b="0" i="0" u="none" strike="noStrike" dirty="0">
+                        <a:solidFill>
+                          <a:srgbClr val="000000"/>
+                        </a:solidFill>
+                        <a:effectLst/>
+                        <a:latin typeface="Aptos Narrow" panose="020B0004020202020204" pitchFamily="34" charset="0"/>
+                      </a:endParaRPr>
+                    </a:p>
+                  </a:txBody>
+                  <a:tcPr marL="9525" marR="9525" marT="9525" marB="0" anchor="ctr"/>
+                </a:tc>
+                <a:extLst>
+                  <a:ext uri="{0D108BD9-81ED-4DB2-BD59-A6C34878D82A}">
+                    <a16:rowId xmlns:a16="http://schemas.microsoft.com/office/drawing/2014/main" val="769556295"/>
+                  </a:ext>
+                </a:extLst>
+              </a:tr>
+              <a:tr h="370840">
+                <a:tc>
+                  <a:txBody>
+                    <a:bodyPr/>
+                    <a:lstStyle/>
+                    <a:p>
+                      <a:pPr algn="l" fontAlgn="ctr"/>
+                      <a:r>
+                        <a:rPr lang="es-CO" sz="1100" b="1" i="0" u="none" strike="noStrike" dirty="0">
                           <a:solidFill>
                             <a:srgbClr val="000000"/>
                           </a:solidFill>
                           <a:effectLst/>
                           <a:latin typeface="Aptos Narrow" panose="020B0004020202020204" pitchFamily="34" charset="0"/>
                         </a:rPr>
-                        <a:t>23,1</a:t>
-                      </a:r>
+                        <a:t>Usabilidad</a:t>
+                      </a:r>
+                    </a:p>
+                  </a:txBody>
+                  <a:tcPr marL="9525" marR="9525" marT="9525" marB="0" anchor="ctr"/>
+                </a:tc>
+                <a:tc>
+                  <a:txBody>
+                    <a:bodyPr/>
+                    <a:lstStyle/>
+                    <a:p>
+                      <a:pPr algn="l" fontAlgn="ctr"/>
+                      <a:r>
+                        <a:rPr lang="es-CO" sz="1100" b="0" i="0" u="none" strike="noStrike">
+                          <a:solidFill>
+                            <a:srgbClr val="000000"/>
+                          </a:solidFill>
+                          <a:effectLst/>
+                          <a:latin typeface="Aptos Narrow" panose="020B0004020202020204" pitchFamily="34" charset="0"/>
+                        </a:rPr>
+                        <a:t>Interfaz visual elegante, intuitiva y alineada a la marca</a:t>
+                      </a:r>
+                    </a:p>
+                  </a:txBody>
+                  <a:tcPr marL="9525" marR="9525" marT="9525" marB="0" anchor="ctr"/>
+                </a:tc>
+                <a:tc>
+                  <a:txBody>
+                    <a:bodyPr/>
+                    <a:lstStyle/>
+                    <a:p>
+                      <a:pPr algn="l" fontAlgn="ctr"/>
+                      <a:r>
+                        <a:rPr lang="es-ES" sz="1100" b="0" i="0" u="none" strike="noStrike">
+                          <a:solidFill>
+                            <a:srgbClr val="000000"/>
+                          </a:solidFill>
+                          <a:effectLst/>
+                          <a:latin typeface="Aptos Narrow" panose="020B0004020202020204" pitchFamily="34" charset="0"/>
+                        </a:rPr>
+                        <a:t>Pruebas con usuarios, satisfacción ≥ </a:t>
+                      </a:r>
+                      <a:r>
+                        <a:rPr lang="es-ES" sz="1100" b="1" i="0" u="none" strike="noStrike">
+                          <a:solidFill>
+                            <a:srgbClr val="000000"/>
+                          </a:solidFill>
+                          <a:effectLst/>
+                          <a:latin typeface="Aptos Narrow" panose="020B0004020202020204" pitchFamily="34" charset="0"/>
+                        </a:rPr>
+                        <a:t>80%</a:t>
+                      </a:r>
+                      <a:r>
+                        <a:rPr lang="es-ES" sz="1100" b="0" i="0" u="none" strike="noStrike">
+                          <a:solidFill>
+                            <a:srgbClr val="000000"/>
+                          </a:solidFill>
+                          <a:effectLst/>
+                          <a:latin typeface="Aptos Narrow" panose="020B0004020202020204" pitchFamily="34" charset="0"/>
+                        </a:rPr>
+                        <a:t>, evaluación heurística</a:t>
+                      </a:r>
+                    </a:p>
+                  </a:txBody>
+                  <a:tcPr marL="9525" marR="9525" marT="9525" marB="0" anchor="ctr"/>
+                </a:tc>
+                <a:tc>
+                  <a:txBody>
+                    <a:bodyPr/>
+                    <a:lstStyle/>
+                    <a:p>
+                      <a:pPr algn="ctr" fontAlgn="ctr"/>
+                      <a:r>
+                        <a:rPr lang="es-CO" sz="1100" b="0" i="0" u="none" strike="noStrike">
+                          <a:solidFill>
+                            <a:srgbClr val="000000"/>
+                          </a:solidFill>
+                          <a:effectLst/>
+                          <a:latin typeface="Aptos Narrow" panose="020B0004020202020204" pitchFamily="34" charset="0"/>
+                        </a:rPr>
+                        <a:t>3</a:t>
+                      </a:r>
+                    </a:p>
+                  </a:txBody>
+                  <a:tcPr marL="9525" marR="9525" marT="9525" marB="0" anchor="ctr"/>
+                </a:tc>
+                <a:tc>
+                  <a:txBody>
+                    <a:bodyPr/>
+                    <a:lstStyle/>
+                    <a:p>
+                      <a:pPr algn="ctr" fontAlgn="ctr"/>
+                      <a:r>
+                        <a:rPr lang="es-CO" sz="1100" b="0" i="0" u="none" strike="noStrike">
+                          <a:solidFill>
+                            <a:srgbClr val="000000"/>
+                          </a:solidFill>
+                          <a:effectLst/>
+                          <a:latin typeface="Aptos Narrow" panose="020B0004020202020204" pitchFamily="34" charset="0"/>
+                        </a:rPr>
+                        <a:t>1</a:t>
+                      </a:r>
+                    </a:p>
+                  </a:txBody>
+                  <a:tcPr marL="9525" marR="9525" marT="9525" marB="0" anchor="ctr"/>
+                </a:tc>
+                <a:tc>
+                  <a:txBody>
+                    <a:bodyPr/>
+                    <a:lstStyle/>
+                    <a:p>
+                      <a:pPr algn="ctr" rtl="0" fontAlgn="ctr"/>
+                      <a:r>
+                        <a:rPr lang="es-CO" sz="1100" b="0" i="0" u="none" strike="noStrike">
+                          <a:solidFill>
+                            <a:srgbClr val="000000"/>
+                          </a:solidFill>
+                          <a:effectLst/>
+                          <a:latin typeface="Century Gothic" panose="020B0502020202020204" pitchFamily="34" charset="0"/>
+                        </a:rPr>
+                        <a:t>20%</a:t>
+                      </a:r>
+                    </a:p>
+                  </a:txBody>
+                  <a:tcPr marL="9525" marR="9525" marT="9525" marB="0" anchor="ctr"/>
+                </a:tc>
+                <a:tc>
+                  <a:txBody>
+                    <a:bodyPr/>
+                    <a:lstStyle/>
+                    <a:p>
+                      <a:pPr algn="ctr" fontAlgn="ctr"/>
+                      <a:r>
+                        <a:rPr lang="es-CO" sz="1100" dirty="0"/>
+                        <a:t>0.80</a:t>
+                      </a:r>
+                      <a:endParaRPr lang="es-CO" sz="1100" b="0" i="0" u="none" strike="noStrike" dirty="0">
+                        <a:solidFill>
+                          <a:srgbClr val="000000"/>
+                        </a:solidFill>
+                        <a:effectLst/>
+                        <a:latin typeface="Aptos Narrow" panose="020B0004020202020204" pitchFamily="34" charset="0"/>
+                      </a:endParaRPr>
                     </a:p>
                   </a:txBody>
                   <a:tcPr marL="9525" marR="9525" marT="9525" marB="0" anchor="ctr"/>
                 </a:tc>
                 <a:extLst>
                   <a:ext uri="{0D108BD9-81ED-4DB2-BD59-A6C34878D82A}">
-                    <a16:rowId xmlns:a16="http://schemas.microsoft.com/office/drawing/2014/main" val="769556295"/>
+                    <a16:rowId xmlns:a16="http://schemas.microsoft.com/office/drawing/2014/main" val="1033695951"/>
+                  </a:ext>
+                </a:extLst>
+              </a:tr>
+              <a:tr h="370840">
+                <a:tc>
+                  <a:txBody>
+                    <a:bodyPr/>
+                    <a:lstStyle/>
+                    <a:p>
+                      <a:pPr algn="l" fontAlgn="ctr"/>
+                      <a:r>
+                        <a:rPr lang="es-CO" sz="1100" b="1" i="0" u="none" strike="noStrike">
+                          <a:solidFill>
+                            <a:srgbClr val="000000"/>
+                          </a:solidFill>
+                          <a:effectLst/>
+                          <a:latin typeface="Aptos Narrow" panose="020B0004020202020204" pitchFamily="34" charset="0"/>
+                        </a:rPr>
+                        <a:t>Funcionalidad (Adecuación)</a:t>
+                      </a:r>
+                    </a:p>
+                  </a:txBody>
+                  <a:tcPr marL="9525" marR="9525" marT="9525" marB="0" anchor="ctr"/>
+                </a:tc>
+                <a:tc>
+                  <a:txBody>
+                    <a:bodyPr/>
+                    <a:lstStyle/>
+                    <a:p>
+                      <a:pPr algn="l" fontAlgn="ctr"/>
+                      <a:r>
+                        <a:rPr lang="es-ES" sz="1100" b="0" i="0" u="none" strike="noStrike">
+                          <a:solidFill>
+                            <a:srgbClr val="000000"/>
+                          </a:solidFill>
+                          <a:effectLst/>
+                          <a:latin typeface="Aptos Narrow" panose="020B0004020202020204" pitchFamily="34" charset="0"/>
+                        </a:rPr>
+                        <a:t>Mostrar correctamente los productos y permitir compras funcionales sin errores</a:t>
+                      </a:r>
+                    </a:p>
+                  </a:txBody>
+                  <a:tcPr marL="9525" marR="9525" marT="9525" marB="0" anchor="ctr"/>
+                </a:tc>
+                <a:tc>
+                  <a:txBody>
+                    <a:bodyPr/>
+                    <a:lstStyle/>
+                    <a:p>
+                      <a:pPr algn="l" fontAlgn="ctr"/>
+                      <a:r>
+                        <a:rPr lang="es-ES" sz="1100" b="0" i="0" u="none" strike="noStrike">
+                          <a:solidFill>
+                            <a:srgbClr val="000000"/>
+                          </a:solidFill>
+                          <a:effectLst/>
+                          <a:latin typeface="Aptos Narrow" panose="020B0004020202020204" pitchFamily="34" charset="0"/>
+                        </a:rPr>
+                        <a:t>Validación completa de flujo de compra sin bugs</a:t>
+                      </a:r>
+                    </a:p>
+                  </a:txBody>
+                  <a:tcPr marL="9525" marR="9525" marT="9525" marB="0" anchor="ctr"/>
+                </a:tc>
+                <a:tc>
+                  <a:txBody>
+                    <a:bodyPr/>
+                    <a:lstStyle/>
+                    <a:p>
+                      <a:pPr algn="ctr" fontAlgn="ctr"/>
+                      <a:r>
+                        <a:rPr lang="es-CO" sz="1100" b="0" i="0" u="none" strike="noStrike">
+                          <a:solidFill>
+                            <a:srgbClr val="000000"/>
+                          </a:solidFill>
+                          <a:effectLst/>
+                          <a:latin typeface="Aptos Narrow" panose="020B0004020202020204" pitchFamily="34" charset="0"/>
+                        </a:rPr>
+                        <a:t>3</a:t>
+                      </a:r>
+                    </a:p>
+                  </a:txBody>
+                  <a:tcPr marL="9525" marR="9525" marT="9525" marB="0" anchor="ctr"/>
+                </a:tc>
+                <a:tc>
+                  <a:txBody>
+                    <a:bodyPr/>
+                    <a:lstStyle/>
+                    <a:p>
+                      <a:pPr algn="ctr" fontAlgn="ctr"/>
+                      <a:r>
+                        <a:rPr lang="es-CO" sz="1100" b="0" i="0" u="none" strike="noStrike">
+                          <a:solidFill>
+                            <a:srgbClr val="000000"/>
+                          </a:solidFill>
+                          <a:effectLst/>
+                          <a:latin typeface="Aptos Narrow" panose="020B0004020202020204" pitchFamily="34" charset="0"/>
+                        </a:rPr>
+                        <a:t>1</a:t>
+                      </a:r>
+                    </a:p>
+                  </a:txBody>
+                  <a:tcPr marL="9525" marR="9525" marT="9525" marB="0" anchor="ctr"/>
+                </a:tc>
+                <a:tc>
+                  <a:txBody>
+                    <a:bodyPr/>
+                    <a:lstStyle/>
+                    <a:p>
+                      <a:pPr algn="ctr" rtl="0" fontAlgn="ctr"/>
+                      <a:r>
+                        <a:rPr lang="es-CO" sz="1100" b="0" i="0" u="none" strike="noStrike" dirty="0">
+                          <a:solidFill>
+                            <a:srgbClr val="000000"/>
+                          </a:solidFill>
+                          <a:effectLst/>
+                          <a:latin typeface="Century Gothic" panose="020B0502020202020204" pitchFamily="34" charset="0"/>
+                        </a:rPr>
+                        <a:t>16,25%</a:t>
+                      </a:r>
+                    </a:p>
+                  </a:txBody>
+                  <a:tcPr marL="9525" marR="9525" marT="9525" marB="0" anchor="ctr"/>
+                </a:tc>
+                <a:tc>
+                  <a:txBody>
+                    <a:bodyPr/>
+                    <a:lstStyle/>
+                    <a:p>
+                      <a:pPr algn="ctr" fontAlgn="ctr"/>
+                      <a:r>
+                        <a:rPr lang="es-CO" sz="1100" dirty="0"/>
+                        <a:t>0.65</a:t>
+                      </a:r>
+                      <a:endParaRPr lang="es-CO" sz="1100" b="0" i="0" u="none" strike="noStrike" dirty="0">
+                        <a:solidFill>
+                          <a:srgbClr val="000000"/>
+                        </a:solidFill>
+                        <a:effectLst/>
+                        <a:latin typeface="Aptos Narrow" panose="020B0004020202020204" pitchFamily="34" charset="0"/>
+                      </a:endParaRPr>
+                    </a:p>
+                  </a:txBody>
+                  <a:tcPr marL="9525" marR="9525" marT="9525" marB="0" anchor="ctr"/>
+                </a:tc>
+                <a:extLst>
+                  <a:ext uri="{0D108BD9-81ED-4DB2-BD59-A6C34878D82A}">
+                    <a16:rowId xmlns:a16="http://schemas.microsoft.com/office/drawing/2014/main" val="4169772732"/>
                   </a:ext>
                 </a:extLst>
               </a:tr>
@@ -14420,26 +14737,27 @@
                     <a:p>
                       <a:pPr algn="ctr" fontAlgn="ctr"/>
                       <a:r>
-                        <a:rPr lang="es-CO" sz="1100" b="0" i="0" u="none" strike="noStrike">
-                          <a:solidFill>
-                            <a:srgbClr val="000000"/>
-                          </a:solidFill>
-                          <a:effectLst/>
-                          <a:latin typeface="Aptos Narrow" panose="020B0004020202020204" pitchFamily="34" charset="0"/>
-                        </a:rPr>
-                        <a:t>15,4</a:t>
-                      </a:r>
+                        <a:rPr lang="es-CO" sz="1100" dirty="0"/>
+                        <a:t>0.625</a:t>
+                      </a:r>
+                      <a:endParaRPr lang="es-CO" sz="1100" b="0" i="0" u="none" strike="noStrike" dirty="0">
+                        <a:solidFill>
+                          <a:srgbClr val="000000"/>
+                        </a:solidFill>
+                        <a:effectLst/>
+                        <a:latin typeface="Aptos Narrow" panose="020B0004020202020204" pitchFamily="34" charset="0"/>
+                      </a:endParaRPr>
                     </a:p>
                   </a:txBody>
                   <a:tcPr marL="9525" marR="9525" marT="9525" marB="0" anchor="ctr"/>
                 </a:tc>
                 <a:extLst>
                   <a:ext uri="{0D108BD9-81ED-4DB2-BD59-A6C34878D82A}">
-                    <a16:rowId xmlns:a16="http://schemas.microsoft.com/office/drawing/2014/main" val="1033695951"/>
+                    <a16:rowId xmlns:a16="http://schemas.microsoft.com/office/drawing/2014/main" val="3528343803"/>
                   </a:ext>
                 </a:extLst>
               </a:tr>
-              <a:tr h="370840">
+              <a:tr h="0">
                 <a:tc>
                   <a:txBody>
                     <a:bodyPr/>
@@ -14587,6 +14905,54 @@
                     <a:p>
                       <a:pPr algn="ctr" fontAlgn="ctr"/>
                       <a:r>
+                        <a:rPr lang="es-CO" sz="1100" dirty="0"/>
+                        <a:t>0.625</a:t>
+                      </a:r>
+                      <a:endParaRPr lang="es-CO" sz="1100" b="0" i="0" u="none" strike="noStrike" dirty="0">
+                        <a:solidFill>
+                          <a:srgbClr val="000000"/>
+                        </a:solidFill>
+                        <a:effectLst/>
+                        <a:latin typeface="Aptos Narrow" panose="020B0004020202020204" pitchFamily="34" charset="0"/>
+                      </a:endParaRPr>
+                    </a:p>
+                  </a:txBody>
+                  <a:tcPr marL="9525" marR="9525" marT="9525" marB="0" anchor="ctr"/>
+                </a:tc>
+                <a:extLst>
+                  <a:ext uri="{0D108BD9-81ED-4DB2-BD59-A6C34878D82A}">
+                    <a16:rowId xmlns:a16="http://schemas.microsoft.com/office/drawing/2014/main" val="361196856"/>
+                  </a:ext>
+                </a:extLst>
+              </a:tr>
+              <a:tr h="370840">
+                <a:tc>
+                  <a:txBody>
+                    <a:bodyPr/>
+                    <a:lstStyle/>
+                    <a:p>
+                      <a:pPr algn="l" fontAlgn="ctr"/>
+                      <a:r>
+                        <a:rPr lang="es-CO" sz="1100" b="1" i="0" u="none" strike="noStrike">
+                          <a:solidFill>
+                            <a:srgbClr val="000000"/>
+                          </a:solidFill>
+                          <a:effectLst/>
+                          <a:latin typeface="Aptos Narrow" panose="020B0004020202020204" pitchFamily="34" charset="0"/>
+                        </a:rPr>
+                        <a:t>Mantenibilidad</a:t>
+                      </a:r>
+                    </a:p>
+                  </a:txBody>
+                  <a:tcPr marL="9525" marR="9525" marT="9525" marB="0" anchor="ctr"/>
+                </a:tc>
+                <a:tc>
+                  <a:txBody>
+                    <a:bodyPr/>
+                    <a:lstStyle/>
+                    <a:p>
+                      <a:pPr algn="l" fontAlgn="ctr"/>
+                      <a:r>
                         <a:rPr lang="es-CO" sz="1100" b="0" i="0" u="none" strike="noStrike">
                           <a:solidFill>
                             <a:srgbClr val="000000"/>
@@ -14594,15 +14960,133 @@
                           <a:effectLst/>
                           <a:latin typeface="Aptos Narrow" panose="020B0004020202020204" pitchFamily="34" charset="0"/>
                         </a:rPr>
-                        <a:t>15,4</a:t>
-                      </a:r>
+                        <a:t>Código modular y documentado para facilitar cambios o mejoras futuras</a:t>
+                      </a:r>
+                    </a:p>
+                  </a:txBody>
+                  <a:tcPr marL="9525" marR="9525" marT="9525" marB="0" anchor="ctr"/>
+                </a:tc>
+                <a:tc>
+                  <a:txBody>
+                    <a:bodyPr/>
+                    <a:lstStyle/>
+                    <a:p>
+                      <a:pPr algn="l" fontAlgn="ctr"/>
+                      <a:r>
+                        <a:rPr lang="es-ES" sz="1100" b="0" i="0" u="none" strike="noStrike">
+                          <a:solidFill>
+                            <a:srgbClr val="000000"/>
+                          </a:solidFill>
+                          <a:effectLst/>
+                          <a:latin typeface="Aptos Narrow" panose="020B0004020202020204" pitchFamily="34" charset="0"/>
+                        </a:rPr>
+                        <a:t>Nivel de acoplamiento/cobertura de pruebas/unitarias ≥ </a:t>
+                      </a:r>
+                      <a:r>
+                        <a:rPr lang="es-ES" sz="1100" b="1" i="0" u="none" strike="noStrike">
+                          <a:solidFill>
+                            <a:srgbClr val="000000"/>
+                          </a:solidFill>
+                          <a:effectLst/>
+                          <a:latin typeface="Aptos Narrow" panose="020B0004020202020204" pitchFamily="34" charset="0"/>
+                        </a:rPr>
+                        <a:t>80%</a:t>
+                      </a:r>
+                      <a:endParaRPr lang="es-ES" sz="1100" b="0" i="0" u="none" strike="noStrike">
+                        <a:solidFill>
+                          <a:srgbClr val="000000"/>
+                        </a:solidFill>
+                        <a:effectLst/>
+                        <a:latin typeface="Aptos Narrow" panose="020B0004020202020204" pitchFamily="34" charset="0"/>
+                      </a:endParaRPr>
+                    </a:p>
+                  </a:txBody>
+                  <a:tcPr marL="9525" marR="9525" marT="9525" marB="0" anchor="ctr"/>
+                </a:tc>
+                <a:tc>
+                  <a:txBody>
+                    <a:bodyPr/>
+                    <a:lstStyle/>
+                    <a:p>
+                      <a:pPr algn="ctr" fontAlgn="ctr"/>
+                      <a:r>
+                        <a:rPr lang="es-CO" sz="1100" b="0" i="0" u="none" strike="noStrike">
+                          <a:solidFill>
+                            <a:srgbClr val="000000"/>
+                          </a:solidFill>
+                          <a:effectLst/>
+                          <a:latin typeface="Aptos Narrow" panose="020B0004020202020204" pitchFamily="34" charset="0"/>
+                        </a:rPr>
+                        <a:t>2</a:t>
+                      </a:r>
+                    </a:p>
+                  </a:txBody>
+                  <a:tcPr marL="9525" marR="9525" marT="9525" marB="0" anchor="ctr"/>
+                </a:tc>
+                <a:tc>
+                  <a:txBody>
+                    <a:bodyPr/>
+                    <a:lstStyle/>
+                    <a:p>
+                      <a:pPr algn="ctr" fontAlgn="ctr"/>
+                      <a:r>
+                        <a:rPr lang="es-CO" sz="1100" b="0" i="0" u="none" strike="noStrike">
+                          <a:solidFill>
+                            <a:srgbClr val="000000"/>
+                          </a:solidFill>
+                          <a:effectLst/>
+                          <a:latin typeface="Aptos Narrow" panose="020B0004020202020204" pitchFamily="34" charset="0"/>
+                        </a:rPr>
+                        <a:t>2</a:t>
+                      </a:r>
+                    </a:p>
+                  </a:txBody>
+                  <a:tcPr marL="9525" marR="9525" marT="9525" marB="0" anchor="ctr"/>
+                </a:tc>
+                <a:tc>
+                  <a:txBody>
+                    <a:bodyPr/>
+                    <a:lstStyle/>
+                    <a:p>
+                      <a:pPr algn="ctr" rtl="0" fontAlgn="ctr"/>
+                      <a:r>
+                        <a:rPr lang="es-CO" sz="1100" b="0" i="0" u="none" strike="noStrike">
+                          <a:solidFill>
+                            <a:srgbClr val="000000"/>
+                          </a:solidFill>
+                          <a:effectLst/>
+                          <a:latin typeface="Century Gothic" panose="020B0502020202020204" pitchFamily="34" charset="0"/>
+                        </a:rPr>
+                        <a:t>11,25%</a:t>
+                      </a:r>
+                    </a:p>
+                  </a:txBody>
+                  <a:tcPr marL="9525" marR="9525" marT="9525" marB="0" anchor="ctr"/>
+                </a:tc>
+                <a:tc>
+                  <a:txBody>
+                    <a:bodyPr/>
+                    <a:lstStyle/>
+                    <a:p>
+                      <a:pPr algn="ctr" fontAlgn="ctr"/>
+                      <a:r>
+                        <a:rPr lang="es-CO" sz="1100" dirty="0"/>
+                        <a:t>0.45</a:t>
+                      </a:r>
+                      <a:endParaRPr lang="es-CO" sz="1100" b="0" i="0" u="none" strike="noStrike" dirty="0">
+                        <a:solidFill>
+                          <a:srgbClr val="000000"/>
+                        </a:solidFill>
+                        <a:effectLst/>
+                        <a:latin typeface="Aptos Narrow" panose="020B0004020202020204" pitchFamily="34" charset="0"/>
+                      </a:endParaRPr>
                     </a:p>
                   </a:txBody>
                   <a:tcPr marL="9525" marR="9525" marT="9525" marB="0" anchor="ctr"/>
                 </a:tc>
                 <a:extLst>
                   <a:ext uri="{0D108BD9-81ED-4DB2-BD59-A6C34878D82A}">
-                    <a16:rowId xmlns:a16="http://schemas.microsoft.com/office/drawing/2014/main" val="4169772732"/>
+                    <a16:rowId xmlns:a16="http://schemas.microsoft.com/office/drawing/2014/main" val="2889416144"/>
                   </a:ext>
                 </a:extLst>
               </a:tr>
@@ -14751,6 +15235,94 @@
                     <a:p>
                       <a:pPr algn="ctr" fontAlgn="ctr"/>
                       <a:r>
+                        <a:rPr lang="es-CO" sz="1100" dirty="0"/>
+                        <a:t>0.3125</a:t>
+                      </a:r>
+                      <a:endParaRPr lang="es-CO" sz="1100" b="0" i="0" u="none" strike="noStrike" dirty="0">
+                        <a:solidFill>
+                          <a:srgbClr val="000000"/>
+                        </a:solidFill>
+                        <a:effectLst/>
+                        <a:latin typeface="Aptos Narrow" panose="020B0004020202020204" pitchFamily="34" charset="0"/>
+                      </a:endParaRPr>
+                    </a:p>
+                  </a:txBody>
+                  <a:tcPr marL="9525" marR="9525" marT="9525" marB="0" anchor="ctr"/>
+                </a:tc>
+                <a:extLst>
+                  <a:ext uri="{0D108BD9-81ED-4DB2-BD59-A6C34878D82A}">
+                    <a16:rowId xmlns:a16="http://schemas.microsoft.com/office/drawing/2014/main" val="1508997131"/>
+                  </a:ext>
+                </a:extLst>
+              </a:tr>
+              <a:tr h="370840">
+                <a:tc>
+                  <a:txBody>
+                    <a:bodyPr/>
+                    <a:lstStyle/>
+                    <a:p>
+                      <a:pPr algn="l" fontAlgn="ctr"/>
+                      <a:r>
+                        <a:rPr lang="es-CO" sz="1100" b="1" i="0" u="none" strike="noStrike">
+                          <a:solidFill>
+                            <a:srgbClr val="000000"/>
+                          </a:solidFill>
+                          <a:effectLst/>
+                          <a:latin typeface="Aptos Narrow" panose="020B0004020202020204" pitchFamily="34" charset="0"/>
+                        </a:rPr>
+                        <a:t>Portabilidad</a:t>
+                      </a:r>
+                    </a:p>
+                  </a:txBody>
+                  <a:tcPr marL="9525" marR="9525" marT="9525" marB="0" anchor="ctr"/>
+                </a:tc>
+                <a:tc>
+                  <a:txBody>
+                    <a:bodyPr/>
+                    <a:lstStyle/>
+                    <a:p>
+                      <a:pPr algn="l" fontAlgn="ctr"/>
+                      <a:r>
+                        <a:rPr lang="es-ES" sz="1100" b="0" i="0" u="none" strike="noStrike">
+                          <a:solidFill>
+                            <a:srgbClr val="000000"/>
+                          </a:solidFill>
+                          <a:effectLst/>
+                          <a:latin typeface="Aptos Narrow" panose="020B0004020202020204" pitchFamily="34" charset="0"/>
+                        </a:rPr>
+                        <a:t>Posibilidad de migrar el sistema a otro proveedor de hosting o entorno técnico</a:t>
+                      </a:r>
+                    </a:p>
+                  </a:txBody>
+                  <a:tcPr marL="9525" marR="9525" marT="9525" marB="0" anchor="ctr"/>
+                </a:tc>
+                <a:tc>
+                  <a:txBody>
+                    <a:bodyPr/>
+                    <a:lstStyle/>
+                    <a:p>
+                      <a:pPr algn="l" fontAlgn="ctr"/>
+                      <a:r>
+                        <a:rPr lang="es-ES" sz="1100" b="0" i="0" u="none" strike="noStrike">
+                          <a:solidFill>
+                            <a:srgbClr val="000000"/>
+                          </a:solidFill>
+                          <a:effectLst/>
+                          <a:latin typeface="Aptos Narrow" panose="020B0004020202020204" pitchFamily="34" charset="0"/>
+                        </a:rPr>
+                        <a:t>Despliegue exitoso en 2 entornos distintos (ej. local y cloud)</a:t>
+                      </a:r>
+                    </a:p>
+                  </a:txBody>
+                  <a:tcPr marL="9525" marR="9525" marT="9525" marB="0" anchor="ctr"/>
+                </a:tc>
+                <a:tc>
+                  <a:txBody>
+                    <a:bodyPr/>
+                    <a:lstStyle/>
+                    <a:p>
+                      <a:pPr algn="ctr" fontAlgn="ctr"/>
+                      <a:r>
                         <a:rPr lang="es-CO" sz="1100" b="0" i="0" u="none" strike="noStrike">
                           <a:solidFill>
                             <a:srgbClr val="000000"/>
@@ -14758,92 +15330,8 @@
                           <a:effectLst/>
                           <a:latin typeface="Aptos Narrow" panose="020B0004020202020204" pitchFamily="34" charset="0"/>
                         </a:rPr>
-                        <a:t>15,4</a:t>
-                      </a:r>
-                    </a:p>
-                  </a:txBody>
-                  <a:tcPr marL="9525" marR="9525" marT="9525" marB="0" anchor="ctr"/>
-                </a:tc>
-                <a:extLst>
-                  <a:ext uri="{0D108BD9-81ED-4DB2-BD59-A6C34878D82A}">
-                    <a16:rowId xmlns:a16="http://schemas.microsoft.com/office/drawing/2014/main" val="3528343803"/>
-                  </a:ext>
-                </a:extLst>
-              </a:tr>
-              <a:tr h="370840">
-                <a:tc>
-                  <a:txBody>
-                    <a:bodyPr/>
-                    <a:lstStyle/>
-                    <a:p>
-                      <a:pPr algn="l" fontAlgn="ctr"/>
-                      <a:r>
-                        <a:rPr lang="es-CO" sz="1100" b="1" i="0" u="none" strike="noStrike">
-                          <a:solidFill>
-                            <a:srgbClr val="000000"/>
-                          </a:solidFill>
-                          <a:effectLst/>
-                          <a:latin typeface="Aptos Narrow" panose="020B0004020202020204" pitchFamily="34" charset="0"/>
-                        </a:rPr>
-                        <a:t>Mantenibilidad</a:t>
-                      </a:r>
-                    </a:p>
-                  </a:txBody>
-                  <a:tcPr marL="9525" marR="9525" marT="9525" marB="0" anchor="ctr"/>
-                </a:tc>
-                <a:tc>
-                  <a:txBody>
-                    <a:bodyPr/>
-                    <a:lstStyle/>
-                    <a:p>
-                      <a:pPr algn="l" fontAlgn="ctr"/>
-                      <a:r>
-                        <a:rPr lang="es-CO" sz="1100" b="0" i="0" u="none" strike="noStrike">
-                          <a:solidFill>
-                            <a:srgbClr val="000000"/>
-                          </a:solidFill>
-                          <a:effectLst/>
-                          <a:latin typeface="Aptos Narrow" panose="020B0004020202020204" pitchFamily="34" charset="0"/>
-                        </a:rPr>
-                        <a:t>Código modular y documentado para facilitar cambios o mejoras futuras</a:t>
-                      </a:r>
-                    </a:p>
-                  </a:txBody>
-                  <a:tcPr marL="9525" marR="9525" marT="9525" marB="0" anchor="ctr"/>
-                </a:tc>
-                <a:tc>
-                  <a:txBody>
-                    <a:bodyPr/>
-                    <a:lstStyle/>
-                    <a:p>
-                      <a:pPr algn="l" fontAlgn="ctr"/>
-                      <a:r>
-                        <a:rPr lang="es-ES" sz="1100" b="0" i="0" u="none" strike="noStrike">
-                          <a:solidFill>
-                            <a:srgbClr val="000000"/>
-                          </a:solidFill>
-                          <a:effectLst/>
-                          <a:latin typeface="Aptos Narrow" panose="020B0004020202020204" pitchFamily="34" charset="0"/>
-                        </a:rPr>
-                        <a:t>Nivel de acoplamiento/cobertura de pruebas/unitarias ≥ </a:t>
-                      </a:r>
-                      <a:r>
-                        <a:rPr lang="es-ES" sz="1100" b="1" i="0" u="none" strike="noStrike">
-                          <a:solidFill>
-                            <a:srgbClr val="000000"/>
-                          </a:solidFill>
-                          <a:effectLst/>
-                          <a:latin typeface="Aptos Narrow" panose="020B0004020202020204" pitchFamily="34" charset="0"/>
-                        </a:rPr>
-                        <a:t>80%</a:t>
-                      </a:r>
-                      <a:endParaRPr lang="es-ES" sz="1100" b="0" i="0" u="none" strike="noStrike">
-                        <a:solidFill>
-                          <a:srgbClr val="000000"/>
-                        </a:solidFill>
-                        <a:effectLst/>
-                        <a:latin typeface="Aptos Narrow" panose="020B0004020202020204" pitchFamily="34" charset="0"/>
-                      </a:endParaRPr>
+                        <a:t>1</a:t>
+                      </a:r>
                     </a:p>
                   </a:txBody>
                   <a:tcPr marL="9525" marR="9525" marT="9525" marB="0" anchor="ctr"/>
@@ -14873,340 +15361,6 @@
                     <a:bodyPr/>
                     <a:lstStyle/>
                     <a:p>
-                      <a:pPr algn="ctr" fontAlgn="ctr"/>
-                      <a:r>
-                        <a:rPr lang="es-CO" sz="1100" b="0" i="0" u="none" strike="noStrike">
-                          <a:solidFill>
-                            <a:srgbClr val="000000"/>
-                          </a:solidFill>
-                          <a:effectLst/>
-                          <a:latin typeface="Aptos Narrow" panose="020B0004020202020204" pitchFamily="34" charset="0"/>
-                        </a:rPr>
-                        <a:t>2</a:t>
-                      </a:r>
-                    </a:p>
-                  </a:txBody>
-                  <a:tcPr marL="9525" marR="9525" marT="9525" marB="0" anchor="ctr"/>
-                </a:tc>
-                <a:tc>
-                  <a:txBody>
-                    <a:bodyPr/>
-                    <a:lstStyle/>
-                    <a:p>
-                      <a:pPr algn="ctr" rtl="0" fontAlgn="ctr"/>
-                      <a:r>
-                        <a:rPr lang="es-CO" sz="1100" b="0" i="0" u="none" strike="noStrike">
-                          <a:solidFill>
-                            <a:srgbClr val="000000"/>
-                          </a:solidFill>
-                          <a:effectLst/>
-                          <a:latin typeface="Century Gothic" panose="020B0502020202020204" pitchFamily="34" charset="0"/>
-                        </a:rPr>
-                        <a:t>11,25%</a:t>
-                      </a:r>
-                    </a:p>
-                  </a:txBody>
-                  <a:tcPr marL="9525" marR="9525" marT="9525" marB="0" anchor="ctr"/>
-                </a:tc>
-                <a:tc>
-                  <a:txBody>
-                    <a:bodyPr/>
-                    <a:lstStyle/>
-                    <a:p>
-                      <a:pPr algn="ctr" fontAlgn="ctr"/>
-                      <a:r>
-                        <a:rPr lang="es-CO" sz="1100" b="0" i="0" u="none" strike="noStrike">
-                          <a:solidFill>
-                            <a:srgbClr val="000000"/>
-                          </a:solidFill>
-                          <a:effectLst/>
-                          <a:latin typeface="Aptos Narrow" panose="020B0004020202020204" pitchFamily="34" charset="0"/>
-                        </a:rPr>
-                        <a:t>10,3</a:t>
-                      </a:r>
-                    </a:p>
-                  </a:txBody>
-                  <a:tcPr marL="9525" marR="9525" marT="9525" marB="0" anchor="ctr"/>
-                </a:tc>
-                <a:extLst>
-                  <a:ext uri="{0D108BD9-81ED-4DB2-BD59-A6C34878D82A}">
-                    <a16:rowId xmlns:a16="http://schemas.microsoft.com/office/drawing/2014/main" val="361196856"/>
-                  </a:ext>
-                </a:extLst>
-              </a:tr>
-              <a:tr h="370840">
-                <a:tc>
-                  <a:txBody>
-                    <a:bodyPr/>
-                    <a:lstStyle/>
-                    <a:p>
-                      <a:pPr algn="l" fontAlgn="ctr"/>
-                      <a:r>
-                        <a:rPr lang="es-CO" sz="1100" b="1" i="0" u="none" strike="noStrike">
-                          <a:solidFill>
-                            <a:srgbClr val="000000"/>
-                          </a:solidFill>
-                          <a:effectLst/>
-                          <a:latin typeface="Aptos Narrow" panose="020B0004020202020204" pitchFamily="34" charset="0"/>
-                        </a:rPr>
-                        <a:t>Usabilidad</a:t>
-                      </a:r>
-                    </a:p>
-                  </a:txBody>
-                  <a:tcPr marL="9525" marR="9525" marT="9525" marB="0" anchor="ctr"/>
-                </a:tc>
-                <a:tc>
-                  <a:txBody>
-                    <a:bodyPr/>
-                    <a:lstStyle/>
-                    <a:p>
-                      <a:pPr algn="l" fontAlgn="ctr"/>
-                      <a:r>
-                        <a:rPr lang="es-CO" sz="1100" b="0" i="0" u="none" strike="noStrike">
-                          <a:solidFill>
-                            <a:srgbClr val="000000"/>
-                          </a:solidFill>
-                          <a:effectLst/>
-                          <a:latin typeface="Aptos Narrow" panose="020B0004020202020204" pitchFamily="34" charset="0"/>
-                        </a:rPr>
-                        <a:t>Interfaz visual elegante, intuitiva y alineada a la marca</a:t>
-                      </a:r>
-                    </a:p>
-                  </a:txBody>
-                  <a:tcPr marL="9525" marR="9525" marT="9525" marB="0" anchor="ctr"/>
-                </a:tc>
-                <a:tc>
-                  <a:txBody>
-                    <a:bodyPr/>
-                    <a:lstStyle/>
-                    <a:p>
-                      <a:pPr algn="l" fontAlgn="ctr"/>
-                      <a:r>
-                        <a:rPr lang="es-ES" sz="1100" b="0" i="0" u="none" strike="noStrike">
-                          <a:solidFill>
-                            <a:srgbClr val="000000"/>
-                          </a:solidFill>
-                          <a:effectLst/>
-                          <a:latin typeface="Aptos Narrow" panose="020B0004020202020204" pitchFamily="34" charset="0"/>
-                        </a:rPr>
-                        <a:t>Pruebas con usuarios, satisfacción ≥ </a:t>
-                      </a:r>
-                      <a:r>
-                        <a:rPr lang="es-ES" sz="1100" b="1" i="0" u="none" strike="noStrike">
-                          <a:solidFill>
-                            <a:srgbClr val="000000"/>
-                          </a:solidFill>
-                          <a:effectLst/>
-                          <a:latin typeface="Aptos Narrow" panose="020B0004020202020204" pitchFamily="34" charset="0"/>
-                        </a:rPr>
-                        <a:t>80%</a:t>
-                      </a:r>
-                      <a:r>
-                        <a:rPr lang="es-ES" sz="1100" b="0" i="0" u="none" strike="noStrike">
-                          <a:solidFill>
-                            <a:srgbClr val="000000"/>
-                          </a:solidFill>
-                          <a:effectLst/>
-                          <a:latin typeface="Aptos Narrow" panose="020B0004020202020204" pitchFamily="34" charset="0"/>
-                        </a:rPr>
-                        <a:t>, evaluación heurística</a:t>
-                      </a:r>
-                    </a:p>
-                  </a:txBody>
-                  <a:tcPr marL="9525" marR="9525" marT="9525" marB="0" anchor="ctr"/>
-                </a:tc>
-                <a:tc>
-                  <a:txBody>
-                    <a:bodyPr/>
-                    <a:lstStyle/>
-                    <a:p>
-                      <a:pPr algn="ctr" fontAlgn="ctr"/>
-                      <a:r>
-                        <a:rPr lang="es-CO" sz="1100" b="0" i="0" u="none" strike="noStrike">
-                          <a:solidFill>
-                            <a:srgbClr val="000000"/>
-                          </a:solidFill>
-                          <a:effectLst/>
-                          <a:latin typeface="Aptos Narrow" panose="020B0004020202020204" pitchFamily="34" charset="0"/>
-                        </a:rPr>
-                        <a:t>3</a:t>
-                      </a:r>
-                    </a:p>
-                  </a:txBody>
-                  <a:tcPr marL="9525" marR="9525" marT="9525" marB="0" anchor="ctr"/>
-                </a:tc>
-                <a:tc>
-                  <a:txBody>
-                    <a:bodyPr/>
-                    <a:lstStyle/>
-                    <a:p>
-                      <a:pPr algn="ctr" fontAlgn="ctr"/>
-                      <a:r>
-                        <a:rPr lang="es-CO" sz="1100" b="0" i="0" u="none" strike="noStrike">
-                          <a:solidFill>
-                            <a:srgbClr val="000000"/>
-                          </a:solidFill>
-                          <a:effectLst/>
-                          <a:latin typeface="Aptos Narrow" panose="020B0004020202020204" pitchFamily="34" charset="0"/>
-                        </a:rPr>
-                        <a:t>1</a:t>
-                      </a:r>
-                    </a:p>
-                  </a:txBody>
-                  <a:tcPr marL="9525" marR="9525" marT="9525" marB="0" anchor="ctr"/>
-                </a:tc>
-                <a:tc>
-                  <a:txBody>
-                    <a:bodyPr/>
-                    <a:lstStyle/>
-                    <a:p>
-                      <a:pPr algn="ctr" rtl="0" fontAlgn="ctr"/>
-                      <a:r>
-                        <a:rPr lang="es-CO" sz="1100" b="0" i="0" u="none" strike="noStrike">
-                          <a:solidFill>
-                            <a:srgbClr val="000000"/>
-                          </a:solidFill>
-                          <a:effectLst/>
-                          <a:latin typeface="Century Gothic" panose="020B0502020202020204" pitchFamily="34" charset="0"/>
-                        </a:rPr>
-                        <a:t>20%</a:t>
-                      </a:r>
-                    </a:p>
-                  </a:txBody>
-                  <a:tcPr marL="9525" marR="9525" marT="9525" marB="0" anchor="ctr"/>
-                </a:tc>
-                <a:tc>
-                  <a:txBody>
-                    <a:bodyPr/>
-                    <a:lstStyle/>
-                    <a:p>
-                      <a:pPr algn="ctr" fontAlgn="ctr"/>
-                      <a:r>
-                        <a:rPr lang="es-CO" sz="1100" b="0" i="0" u="none" strike="noStrike">
-                          <a:solidFill>
-                            <a:srgbClr val="000000"/>
-                          </a:solidFill>
-                          <a:effectLst/>
-                          <a:latin typeface="Aptos Narrow" panose="020B0004020202020204" pitchFamily="34" charset="0"/>
-                        </a:rPr>
-                        <a:t>7,7</a:t>
-                      </a:r>
-                    </a:p>
-                  </a:txBody>
-                  <a:tcPr marL="9525" marR="9525" marT="9525" marB="0" anchor="ctr"/>
-                </a:tc>
-                <a:extLst>
-                  <a:ext uri="{0D108BD9-81ED-4DB2-BD59-A6C34878D82A}">
-                    <a16:rowId xmlns:a16="http://schemas.microsoft.com/office/drawing/2014/main" val="2889416144"/>
-                  </a:ext>
-                </a:extLst>
-              </a:tr>
-              <a:tr h="370840">
-                <a:tc>
-                  <a:txBody>
-                    <a:bodyPr/>
-                    <a:lstStyle/>
-                    <a:p>
-                      <a:pPr algn="l" fontAlgn="ctr"/>
-                      <a:r>
-                        <a:rPr lang="es-CO" sz="1100" b="1" i="0" u="none" strike="noStrike">
-                          <a:solidFill>
-                            <a:srgbClr val="000000"/>
-                          </a:solidFill>
-                          <a:effectLst/>
-                          <a:latin typeface="Aptos Narrow" panose="020B0004020202020204" pitchFamily="34" charset="0"/>
-                        </a:rPr>
-                        <a:t>Funcionalidad (Adecuación)</a:t>
-                      </a:r>
-                    </a:p>
-                  </a:txBody>
-                  <a:tcPr marL="9525" marR="9525" marT="9525" marB="0" anchor="ctr"/>
-                </a:tc>
-                <a:tc>
-                  <a:txBody>
-                    <a:bodyPr/>
-                    <a:lstStyle/>
-                    <a:p>
-                      <a:pPr algn="l" fontAlgn="ctr"/>
-                      <a:r>
-                        <a:rPr lang="es-ES" sz="1100" b="0" i="0" u="none" strike="noStrike">
-                          <a:solidFill>
-                            <a:srgbClr val="000000"/>
-                          </a:solidFill>
-                          <a:effectLst/>
-                          <a:latin typeface="Aptos Narrow" panose="020B0004020202020204" pitchFamily="34" charset="0"/>
-                        </a:rPr>
-                        <a:t>Mostrar correctamente los productos y permitir compras funcionales sin errores</a:t>
-                      </a:r>
-                    </a:p>
-                  </a:txBody>
-                  <a:tcPr marL="9525" marR="9525" marT="9525" marB="0" anchor="ctr"/>
-                </a:tc>
-                <a:tc>
-                  <a:txBody>
-                    <a:bodyPr/>
-                    <a:lstStyle/>
-                    <a:p>
-                      <a:pPr algn="l" fontAlgn="ctr"/>
-                      <a:r>
-                        <a:rPr lang="es-ES" sz="1100" b="0" i="0" u="none" strike="noStrike">
-                          <a:solidFill>
-                            <a:srgbClr val="000000"/>
-                          </a:solidFill>
-                          <a:effectLst/>
-                          <a:latin typeface="Aptos Narrow" panose="020B0004020202020204" pitchFamily="34" charset="0"/>
-                        </a:rPr>
-                        <a:t>Validación completa de flujo de compra sin bugs</a:t>
-                      </a:r>
-                    </a:p>
-                  </a:txBody>
-                  <a:tcPr marL="9525" marR="9525" marT="9525" marB="0" anchor="ctr"/>
-                </a:tc>
-                <a:tc>
-                  <a:txBody>
-                    <a:bodyPr/>
-                    <a:lstStyle/>
-                    <a:p>
-                      <a:pPr algn="ctr" fontAlgn="ctr"/>
-                      <a:r>
-                        <a:rPr lang="es-CO" sz="1100" b="0" i="0" u="none" strike="noStrike">
-                          <a:solidFill>
-                            <a:srgbClr val="000000"/>
-                          </a:solidFill>
-                          <a:effectLst/>
-                          <a:latin typeface="Aptos Narrow" panose="020B0004020202020204" pitchFamily="34" charset="0"/>
-                        </a:rPr>
-                        <a:t>3</a:t>
-                      </a:r>
-                    </a:p>
-                  </a:txBody>
-                  <a:tcPr marL="9525" marR="9525" marT="9525" marB="0" anchor="ctr"/>
-                </a:tc>
-                <a:tc>
-                  <a:txBody>
-                    <a:bodyPr/>
-                    <a:lstStyle/>
-                    <a:p>
-                      <a:pPr algn="ctr" fontAlgn="ctr"/>
-                      <a:r>
-                        <a:rPr lang="es-CO" sz="1100" b="0" i="0" u="none" strike="noStrike">
-                          <a:solidFill>
-                            <a:srgbClr val="000000"/>
-                          </a:solidFill>
-                          <a:effectLst/>
-                          <a:latin typeface="Aptos Narrow" panose="020B0004020202020204" pitchFamily="34" charset="0"/>
-                        </a:rPr>
-                        <a:t>1</a:t>
-                      </a:r>
-                    </a:p>
-                  </a:txBody>
-                  <a:tcPr marL="9525" marR="9525" marT="9525" marB="0" anchor="ctr"/>
-                </a:tc>
-                <a:tc>
-                  <a:txBody>
-                    <a:bodyPr/>
-                    <a:lstStyle/>
-                    <a:p>
                       <a:pPr algn="ctr" rtl="0" fontAlgn="ctr"/>
                       <a:r>
                         <a:rPr lang="es-CO" sz="1100" b="0" i="0" u="none" strike="noStrike">
@@ -15229,162 +15383,16 @@
                     <a:p>
                       <a:pPr algn="ctr" fontAlgn="ctr"/>
                       <a:r>
-                        <a:rPr lang="es-CO" sz="1100" b="0" i="0" u="none" strike="noStrike">
-                          <a:solidFill>
-                            <a:srgbClr val="000000"/>
-                          </a:solidFill>
-                          <a:effectLst/>
-                          <a:latin typeface="Aptos Narrow" panose="020B0004020202020204" pitchFamily="34" charset="0"/>
-                        </a:rPr>
-                        <a:t>7,7</a:t>
-                      </a:r>
-                    </a:p>
-                  </a:txBody>
-                  <a:tcPr marL="9525" marR="9525" marT="9525" marB="0" anchor="ctr"/>
-                </a:tc>
-                <a:extLst>
-                  <a:ext uri="{0D108BD9-81ED-4DB2-BD59-A6C34878D82A}">
-                    <a16:rowId xmlns:a16="http://schemas.microsoft.com/office/drawing/2014/main" val="1508997131"/>
-                  </a:ext>
-                </a:extLst>
-              </a:tr>
-              <a:tr h="370840">
-                <a:tc>
-                  <a:txBody>
-                    <a:bodyPr/>
-                    <a:lstStyle/>
-                    <a:p>
-                      <a:pPr algn="l" fontAlgn="ctr"/>
-                      <a:r>
-                        <a:rPr lang="es-CO" sz="1100" b="1" i="0" u="none" strike="noStrike">
-                          <a:solidFill>
-                            <a:srgbClr val="000000"/>
-                          </a:solidFill>
-                          <a:effectLst/>
-                          <a:latin typeface="Aptos Narrow" panose="020B0004020202020204" pitchFamily="34" charset="0"/>
-                        </a:rPr>
-                        <a:t>Portabilidad</a:t>
-                      </a:r>
-                    </a:p>
-                  </a:txBody>
-                  <a:tcPr marL="9525" marR="9525" marT="9525" marB="0" anchor="ctr"/>
-                </a:tc>
-                <a:tc>
-                  <a:txBody>
-                    <a:bodyPr/>
-                    <a:lstStyle/>
-                    <a:p>
-                      <a:pPr algn="l" fontAlgn="ctr"/>
-                      <a:r>
-                        <a:rPr lang="es-ES" sz="1100" b="0" i="0" u="none" strike="noStrike">
-                          <a:solidFill>
-                            <a:srgbClr val="000000"/>
-                          </a:solidFill>
-                          <a:effectLst/>
-                          <a:latin typeface="Aptos Narrow" panose="020B0004020202020204" pitchFamily="34" charset="0"/>
-                        </a:rPr>
-                        <a:t>Posibilidad de migrar el sistema a otro proveedor de hosting o entorno técnico</a:t>
-                      </a:r>
-                    </a:p>
-                  </a:txBody>
-                  <a:tcPr marL="9525" marR="9525" marT="9525" marB="0" anchor="ctr"/>
-                </a:tc>
-                <a:tc>
-                  <a:txBody>
-                    <a:bodyPr/>
-                    <a:lstStyle/>
-                    <a:p>
-                      <a:pPr algn="l" fontAlgn="ctr"/>
-                      <a:r>
-                        <a:rPr lang="es-ES" sz="1100" b="0" i="0" u="none" strike="noStrike">
-                          <a:solidFill>
-                            <a:srgbClr val="000000"/>
-                          </a:solidFill>
-                          <a:effectLst/>
-                          <a:latin typeface="Aptos Narrow" panose="020B0004020202020204" pitchFamily="34" charset="0"/>
-                        </a:rPr>
-                        <a:t>Despliegue exitoso en 2 entornos distintos (ej. local y cloud)</a:t>
-                      </a:r>
-                    </a:p>
-                  </a:txBody>
-                  <a:tcPr marL="9525" marR="9525" marT="9525" marB="0" anchor="ctr"/>
-                </a:tc>
-                <a:tc>
-                  <a:txBody>
-                    <a:bodyPr/>
-                    <a:lstStyle/>
-                    <a:p>
-                      <a:pPr algn="ctr" fontAlgn="ctr"/>
-                      <a:r>
-                        <a:rPr lang="es-CO" sz="1100" b="0" i="0" u="none" strike="noStrike">
-                          <a:solidFill>
-                            <a:srgbClr val="000000"/>
-                          </a:solidFill>
-                          <a:effectLst/>
-                          <a:latin typeface="Aptos Narrow" panose="020B0004020202020204" pitchFamily="34" charset="0"/>
-                        </a:rPr>
-                        <a:t>1</a:t>
-                      </a:r>
-                    </a:p>
-                  </a:txBody>
-                  <a:tcPr marL="9525" marR="9525" marT="9525" marB="0" anchor="ctr"/>
-                </a:tc>
-                <a:tc>
-                  <a:txBody>
-                    <a:bodyPr/>
-                    <a:lstStyle/>
-                    <a:p>
-                      <a:pPr algn="ctr" fontAlgn="ctr"/>
-                      <a:r>
-                        <a:rPr lang="es-CO" sz="1100" b="0" i="0" u="none" strike="noStrike">
-                          <a:solidFill>
-                            <a:srgbClr val="000000"/>
-                          </a:solidFill>
-                          <a:effectLst/>
-                          <a:latin typeface="Aptos Narrow" panose="020B0004020202020204" pitchFamily="34" charset="0"/>
-                        </a:rPr>
-                        <a:t>2</a:t>
-                      </a:r>
-                    </a:p>
-                  </a:txBody>
-                  <a:tcPr marL="9525" marR="9525" marT="9525" marB="0" anchor="ctr"/>
-                </a:tc>
-                <a:tc>
-                  <a:txBody>
-                    <a:bodyPr/>
-                    <a:lstStyle/>
-                    <a:p>
-                      <a:pPr algn="ctr" rtl="0" fontAlgn="ctr"/>
-                      <a:r>
-                        <a:rPr lang="es-CO" sz="1100" b="0" i="0" u="none" strike="noStrike">
-                          <a:solidFill>
-                            <a:srgbClr val="000000"/>
-                          </a:solidFill>
-                          <a:effectLst/>
-                          <a:latin typeface="Century Gothic" panose="020B0502020202020204" pitchFamily="34" charset="0"/>
-                        </a:rPr>
-                        <a:t>6,25%</a:t>
-                      </a:r>
-                    </a:p>
-                  </a:txBody>
-                  <a:tcPr marL="9525" marR="9525" marT="9525" marB="0" anchor="ctr"/>
-                </a:tc>
-                <a:tc>
-                  <a:txBody>
-                    <a:bodyPr/>
-                    <a:lstStyle/>
-                    <a:p>
-                      <a:pPr algn="ctr" fontAlgn="ctr"/>
-                      <a:r>
-                        <a:rPr lang="es-CO" sz="1100" b="0" i="0" u="none" strike="noStrike" dirty="0">
-                          <a:solidFill>
-                            <a:srgbClr val="000000"/>
-                          </a:solidFill>
-                          <a:effectLst/>
-                          <a:latin typeface="Aptos Narrow" panose="020B0004020202020204" pitchFamily="34" charset="0"/>
-                        </a:rPr>
-                        <a:t>5</a:t>
-                      </a:r>
+                        <a:rPr lang="es-CO" sz="1100" dirty="0"/>
+                        <a:t>0.1875</a:t>
+                      </a:r>
+                      <a:endParaRPr lang="es-CO" sz="1100" b="0" i="0" u="none" strike="noStrike" dirty="0">
+                        <a:solidFill>
+                          <a:srgbClr val="000000"/>
+                        </a:solidFill>
+                        <a:effectLst/>
+                        <a:latin typeface="Aptos Narrow" panose="020B0004020202020204" pitchFamily="34" charset="0"/>
+                      </a:endParaRPr>
                     </a:p>
                   </a:txBody>
                   <a:tcPr marL="9525" marR="9525" marT="9525" marB="0" anchor="ctr"/>
@@ -18456,7 +18464,7 @@
           <p:nvPr>
             <p:extLst>
               <p:ext uri="{D42A27DB-BD31-4B8C-83A1-F6EECF244321}">
-                <p14:modId xmlns:p14="http://schemas.microsoft.com/office/powerpoint/2010/main" val="285657144"/>
+                <p14:modId xmlns:p14="http://schemas.microsoft.com/office/powerpoint/2010/main" val="2326392329"/>
               </p:ext>
             </p:extLst>
           </p:nvPr>
@@ -19330,7 +19338,7 @@
                           <a:effectLst/>
                           <a:latin typeface="+mn-lt"/>
                         </a:rPr>
-                        <a:t>6,25%</a:t>
+                        <a:t>16,25%</a:t>
                       </a:r>
                     </a:p>
                   </a:txBody>

--- a/Project/Context/tempora.context.pptx
+++ b/Project/Context/tempora.context.pptx
@@ -4,6 +4,9 @@
   <p:sldMasterIdLst>
     <p:sldMasterId id="2147483778" r:id="rId1"/>
   </p:sldMasterIdLst>
+  <p:notesMasterIdLst>
+    <p:notesMasterId r:id="rId12"/>
+  </p:notesMasterIdLst>
   <p:sldIdLst>
     <p:sldId id="256" r:id="rId2"/>
     <p:sldId id="257" r:id="rId3"/>
@@ -119,6 +122,669 @@
     </p:ext>
   </p:extLst>
 </p:presentation>
+</file>
+
+<file path=ppt/notesMasters/notesMaster1.xml><?xml version="1.0" encoding="utf-8"?>
+<p:notesMaster xmlns:a="http://schemas.openxmlformats.org/drawingml/2006/main" xmlns:r="http://schemas.openxmlformats.org/officeDocument/2006/relationships" xmlns:p="http://schemas.openxmlformats.org/presentationml/2006/main">
+  <p:cSld>
+    <p:bg>
+      <p:bgRef idx="1001">
+        <a:schemeClr val="bg1"/>
+      </p:bgRef>
+    </p:bg>
+    <p:spTree>
+      <p:nvGrpSpPr>
+        <p:cNvPr id="1" name=""/>
+        <p:cNvGrpSpPr/>
+        <p:nvPr/>
+      </p:nvGrpSpPr>
+      <p:grpSpPr>
+        <a:xfrm>
+          <a:off x="0" y="0"/>
+          <a:ext cx="0" cy="0"/>
+          <a:chOff x="0" y="0"/>
+          <a:chExt cx="0" cy="0"/>
+        </a:xfrm>
+      </p:grpSpPr>
+      <p:sp>
+        <p:nvSpPr>
+          <p:cNvPr id="2" name="Header Placeholder 1"/>
+          <p:cNvSpPr>
+            <a:spLocks noGrp="1"/>
+          </p:cNvSpPr>
+          <p:nvPr>
+            <p:ph type="hdr" sz="quarter"/>
+          </p:nvPr>
+        </p:nvSpPr>
+        <p:spPr>
+          <a:xfrm>
+            <a:off x="0" y="0"/>
+            <a:ext cx="2971800" cy="458788"/>
+          </a:xfrm>
+          <a:prstGeom prst="rect">
+            <a:avLst/>
+          </a:prstGeom>
+        </p:spPr>
+        <p:txBody>
+          <a:bodyPr vert="horz" lIns="91440" tIns="45720" rIns="91440" bIns="45720" rtlCol="0"/>
+          <a:lstStyle>
+            <a:lvl1pPr algn="l">
+              <a:defRPr sz="1200"/>
+            </a:lvl1pPr>
+          </a:lstStyle>
+          <a:p>
+            <a:endParaRPr lang="es-CO"/>
+          </a:p>
+        </p:txBody>
+      </p:sp>
+      <p:sp>
+        <p:nvSpPr>
+          <p:cNvPr id="3" name="Date Placeholder 2"/>
+          <p:cNvSpPr>
+            <a:spLocks noGrp="1"/>
+          </p:cNvSpPr>
+          <p:nvPr>
+            <p:ph type="dt" idx="1"/>
+          </p:nvPr>
+        </p:nvSpPr>
+        <p:spPr>
+          <a:xfrm>
+            <a:off x="3884613" y="0"/>
+            <a:ext cx="2971800" cy="458788"/>
+          </a:xfrm>
+          <a:prstGeom prst="rect">
+            <a:avLst/>
+          </a:prstGeom>
+        </p:spPr>
+        <p:txBody>
+          <a:bodyPr vert="horz" lIns="91440" tIns="45720" rIns="91440" bIns="45720" rtlCol="0"/>
+          <a:lstStyle>
+            <a:lvl1pPr algn="r">
+              <a:defRPr sz="1200"/>
+            </a:lvl1pPr>
+          </a:lstStyle>
+          <a:p>
+            <a:fld id="{CFC34725-DE72-4857-812D-0F6EFFF72461}" type="datetimeFigureOut">
+              <a:rPr lang="es-CO" smtClean="0"/>
+              <a:t>12/05/2025</a:t>
+            </a:fld>
+            <a:endParaRPr lang="es-CO"/>
+          </a:p>
+        </p:txBody>
+      </p:sp>
+      <p:sp>
+        <p:nvSpPr>
+          <p:cNvPr id="4" name="Slide Image Placeholder 3"/>
+          <p:cNvSpPr>
+            <a:spLocks noGrp="1" noRot="1" noChangeAspect="1"/>
+          </p:cNvSpPr>
+          <p:nvPr>
+            <p:ph type="sldImg" idx="2"/>
+          </p:nvPr>
+        </p:nvSpPr>
+        <p:spPr>
+          <a:xfrm>
+            <a:off x="685800" y="1143000"/>
+            <a:ext cx="5486400" cy="3086100"/>
+          </a:xfrm>
+          <a:prstGeom prst="rect">
+            <a:avLst/>
+          </a:prstGeom>
+          <a:noFill/>
+          <a:ln w="12700">
+            <a:solidFill>
+              <a:prstClr val="black"/>
+            </a:solidFill>
+          </a:ln>
+        </p:spPr>
+        <p:txBody>
+          <a:bodyPr vert="horz" lIns="91440" tIns="45720" rIns="91440" bIns="45720" rtlCol="0" anchor="ctr"/>
+          <a:lstStyle/>
+          <a:p>
+            <a:endParaRPr lang="es-CO"/>
+          </a:p>
+        </p:txBody>
+      </p:sp>
+      <p:sp>
+        <p:nvSpPr>
+          <p:cNvPr id="5" name="Notes Placeholder 4"/>
+          <p:cNvSpPr>
+            <a:spLocks noGrp="1"/>
+          </p:cNvSpPr>
+          <p:nvPr>
+            <p:ph type="body" sz="quarter" idx="3"/>
+          </p:nvPr>
+        </p:nvSpPr>
+        <p:spPr>
+          <a:xfrm>
+            <a:off x="685800" y="4400550"/>
+            <a:ext cx="5486400" cy="3600450"/>
+          </a:xfrm>
+          <a:prstGeom prst="rect">
+            <a:avLst/>
+          </a:prstGeom>
+        </p:spPr>
+        <p:txBody>
+          <a:bodyPr vert="horz" lIns="91440" tIns="45720" rIns="91440" bIns="45720" rtlCol="0"/>
+          <a:lstStyle/>
+          <a:p>
+            <a:pPr lvl="0"/>
+            <a:r>
+              <a:rPr lang="en-US"/>
+              <a:t>Click to edit Master text styles</a:t>
+            </a:r>
+          </a:p>
+          <a:p>
+            <a:pPr lvl="1"/>
+            <a:r>
+              <a:rPr lang="en-US"/>
+              <a:t>Second level</a:t>
+            </a:r>
+          </a:p>
+          <a:p>
+            <a:pPr lvl="2"/>
+            <a:r>
+              <a:rPr lang="en-US"/>
+              <a:t>Third level</a:t>
+            </a:r>
+          </a:p>
+          <a:p>
+            <a:pPr lvl="3"/>
+            <a:r>
+              <a:rPr lang="en-US"/>
+              <a:t>Fourth level</a:t>
+            </a:r>
+          </a:p>
+          <a:p>
+            <a:pPr lvl="4"/>
+            <a:r>
+              <a:rPr lang="en-US"/>
+              <a:t>Fifth level</a:t>
+            </a:r>
+            <a:endParaRPr lang="es-CO"/>
+          </a:p>
+        </p:txBody>
+      </p:sp>
+      <p:sp>
+        <p:nvSpPr>
+          <p:cNvPr id="6" name="Footer Placeholder 5"/>
+          <p:cNvSpPr>
+            <a:spLocks noGrp="1"/>
+          </p:cNvSpPr>
+          <p:nvPr>
+            <p:ph type="ftr" sz="quarter" idx="4"/>
+          </p:nvPr>
+        </p:nvSpPr>
+        <p:spPr>
+          <a:xfrm>
+            <a:off x="0" y="8685213"/>
+            <a:ext cx="2971800" cy="458787"/>
+          </a:xfrm>
+          <a:prstGeom prst="rect">
+            <a:avLst/>
+          </a:prstGeom>
+        </p:spPr>
+        <p:txBody>
+          <a:bodyPr vert="horz" lIns="91440" tIns="45720" rIns="91440" bIns="45720" rtlCol="0" anchor="b"/>
+          <a:lstStyle>
+            <a:lvl1pPr algn="l">
+              <a:defRPr sz="1200"/>
+            </a:lvl1pPr>
+          </a:lstStyle>
+          <a:p>
+            <a:endParaRPr lang="es-CO"/>
+          </a:p>
+        </p:txBody>
+      </p:sp>
+      <p:sp>
+        <p:nvSpPr>
+          <p:cNvPr id="7" name="Slide Number Placeholder 6"/>
+          <p:cNvSpPr>
+            <a:spLocks noGrp="1"/>
+          </p:cNvSpPr>
+          <p:nvPr>
+            <p:ph type="sldNum" sz="quarter" idx="5"/>
+          </p:nvPr>
+        </p:nvSpPr>
+        <p:spPr>
+          <a:xfrm>
+            <a:off x="3884613" y="8685213"/>
+            <a:ext cx="2971800" cy="458787"/>
+          </a:xfrm>
+          <a:prstGeom prst="rect">
+            <a:avLst/>
+          </a:prstGeom>
+        </p:spPr>
+        <p:txBody>
+          <a:bodyPr vert="horz" lIns="91440" tIns="45720" rIns="91440" bIns="45720" rtlCol="0" anchor="b"/>
+          <a:lstStyle>
+            <a:lvl1pPr algn="r">
+              <a:defRPr sz="1200"/>
+            </a:lvl1pPr>
+          </a:lstStyle>
+          <a:p>
+            <a:fld id="{7F48469B-5450-4C5A-8F04-34D3B29475F2}" type="slidenum">
+              <a:rPr lang="es-CO" smtClean="0"/>
+              <a:t>‹#›</a:t>
+            </a:fld>
+            <a:endParaRPr lang="es-CO"/>
+          </a:p>
+        </p:txBody>
+      </p:sp>
+    </p:spTree>
+    <p:extLst>
+      <p:ext uri="{BB962C8B-B14F-4D97-AF65-F5344CB8AC3E}">
+        <p14:creationId xmlns:p14="http://schemas.microsoft.com/office/powerpoint/2010/main" val="121732688"/>
+      </p:ext>
+    </p:extLst>
+  </p:cSld>
+  <p:clrMap bg1="lt1" tx1="dk1" bg2="lt2" tx2="dk2" accent1="accent1" accent2="accent2" accent3="accent3" accent4="accent4" accent5="accent5" accent6="accent6" hlink="hlink" folHlink="folHlink"/>
+  <p:notesStyle>
+    <a:lvl1pPr marL="0" algn="l" defTabSz="914400" rtl="0" eaLnBrk="1" latinLnBrk="0" hangingPunct="1">
+      <a:defRPr sz="1200" kern="1200">
+        <a:solidFill>
+          <a:schemeClr val="tx1"/>
+        </a:solidFill>
+        <a:latin typeface="+mn-lt"/>
+        <a:ea typeface="+mn-ea"/>
+        <a:cs typeface="+mn-cs"/>
+      </a:defRPr>
+    </a:lvl1pPr>
+    <a:lvl2pPr marL="457200" algn="l" defTabSz="914400" rtl="0" eaLnBrk="1" latinLnBrk="0" hangingPunct="1">
+      <a:defRPr sz="1200" kern="1200">
+        <a:solidFill>
+          <a:schemeClr val="tx1"/>
+        </a:solidFill>
+        <a:latin typeface="+mn-lt"/>
+        <a:ea typeface="+mn-ea"/>
+        <a:cs typeface="+mn-cs"/>
+      </a:defRPr>
+    </a:lvl2pPr>
+    <a:lvl3pPr marL="914400" algn="l" defTabSz="914400" rtl="0" eaLnBrk="1" latinLnBrk="0" hangingPunct="1">
+      <a:defRPr sz="1200" kern="1200">
+        <a:solidFill>
+          <a:schemeClr val="tx1"/>
+        </a:solidFill>
+        <a:latin typeface="+mn-lt"/>
+        <a:ea typeface="+mn-ea"/>
+        <a:cs typeface="+mn-cs"/>
+      </a:defRPr>
+    </a:lvl3pPr>
+    <a:lvl4pPr marL="1371600" algn="l" defTabSz="914400" rtl="0" eaLnBrk="1" latinLnBrk="0" hangingPunct="1">
+      <a:defRPr sz="1200" kern="1200">
+        <a:solidFill>
+          <a:schemeClr val="tx1"/>
+        </a:solidFill>
+        <a:latin typeface="+mn-lt"/>
+        <a:ea typeface="+mn-ea"/>
+        <a:cs typeface="+mn-cs"/>
+      </a:defRPr>
+    </a:lvl4pPr>
+    <a:lvl5pPr marL="1828800" algn="l" defTabSz="914400" rtl="0" eaLnBrk="1" latinLnBrk="0" hangingPunct="1">
+      <a:defRPr sz="1200" kern="1200">
+        <a:solidFill>
+          <a:schemeClr val="tx1"/>
+        </a:solidFill>
+        <a:latin typeface="+mn-lt"/>
+        <a:ea typeface="+mn-ea"/>
+        <a:cs typeface="+mn-cs"/>
+      </a:defRPr>
+    </a:lvl5pPr>
+    <a:lvl6pPr marL="2286000" algn="l" defTabSz="914400" rtl="0" eaLnBrk="1" latinLnBrk="0" hangingPunct="1">
+      <a:defRPr sz="1200" kern="1200">
+        <a:solidFill>
+          <a:schemeClr val="tx1"/>
+        </a:solidFill>
+        <a:latin typeface="+mn-lt"/>
+        <a:ea typeface="+mn-ea"/>
+        <a:cs typeface="+mn-cs"/>
+      </a:defRPr>
+    </a:lvl6pPr>
+    <a:lvl7pPr marL="2743200" algn="l" defTabSz="914400" rtl="0" eaLnBrk="1" latinLnBrk="0" hangingPunct="1">
+      <a:defRPr sz="1200" kern="1200">
+        <a:solidFill>
+          <a:schemeClr val="tx1"/>
+        </a:solidFill>
+        <a:latin typeface="+mn-lt"/>
+        <a:ea typeface="+mn-ea"/>
+        <a:cs typeface="+mn-cs"/>
+      </a:defRPr>
+    </a:lvl7pPr>
+    <a:lvl8pPr marL="3200400" algn="l" defTabSz="914400" rtl="0" eaLnBrk="1" latinLnBrk="0" hangingPunct="1">
+      <a:defRPr sz="1200" kern="1200">
+        <a:solidFill>
+          <a:schemeClr val="tx1"/>
+        </a:solidFill>
+        <a:latin typeface="+mn-lt"/>
+        <a:ea typeface="+mn-ea"/>
+        <a:cs typeface="+mn-cs"/>
+      </a:defRPr>
+    </a:lvl8pPr>
+    <a:lvl9pPr marL="3657600" algn="l" defTabSz="914400" rtl="0" eaLnBrk="1" latinLnBrk="0" hangingPunct="1">
+      <a:defRPr sz="1200" kern="1200">
+        <a:solidFill>
+          <a:schemeClr val="tx1"/>
+        </a:solidFill>
+        <a:latin typeface="+mn-lt"/>
+        <a:ea typeface="+mn-ea"/>
+        <a:cs typeface="+mn-cs"/>
+      </a:defRPr>
+    </a:lvl9pPr>
+  </p:notesStyle>
+</p:notesMaster>
+</file>
+
+<file path=ppt/notesSlides/notesSlide1.xml><?xml version="1.0" encoding="utf-8"?>
+<p:notes xmlns:a="http://schemas.openxmlformats.org/drawingml/2006/main" xmlns:r="http://schemas.openxmlformats.org/officeDocument/2006/relationships" xmlns:p="http://schemas.openxmlformats.org/presentationml/2006/main">
+  <p:cSld>
+    <p:spTree>
+      <p:nvGrpSpPr>
+        <p:cNvPr id="1" name=""/>
+        <p:cNvGrpSpPr/>
+        <p:nvPr/>
+      </p:nvGrpSpPr>
+      <p:grpSpPr>
+        <a:xfrm>
+          <a:off x="0" y="0"/>
+          <a:ext cx="0" cy="0"/>
+          <a:chOff x="0" y="0"/>
+          <a:chExt cx="0" cy="0"/>
+        </a:xfrm>
+      </p:grpSpPr>
+      <p:sp>
+        <p:nvSpPr>
+          <p:cNvPr id="2" name="Slide Image Placeholder 1"/>
+          <p:cNvSpPr>
+            <a:spLocks noGrp="1" noRot="1" noChangeAspect="1"/>
+          </p:cNvSpPr>
+          <p:nvPr>
+            <p:ph type="sldImg"/>
+          </p:nvPr>
+        </p:nvSpPr>
+        <p:spPr/>
+      </p:sp>
+      <p:sp>
+        <p:nvSpPr>
+          <p:cNvPr id="3" name="Notes Placeholder 2"/>
+          <p:cNvSpPr>
+            <a:spLocks noGrp="1"/>
+          </p:cNvSpPr>
+          <p:nvPr>
+            <p:ph type="body" idx="1"/>
+          </p:nvPr>
+        </p:nvSpPr>
+        <p:spPr/>
+        <p:txBody>
+          <a:bodyPr/>
+          <a:lstStyle/>
+          <a:p>
+            <a:r>
+              <a:rPr lang="es-CO" dirty="0"/>
+              <a:t>Tras Doble </a:t>
+            </a:r>
+            <a:r>
+              <a:rPr lang="es-CO" dirty="0" err="1"/>
+              <a:t>Evaluacion</a:t>
+            </a:r>
+            <a:r>
+              <a:rPr lang="es-CO" dirty="0"/>
+              <a:t> se detallan las </a:t>
+            </a:r>
+            <a:r>
+              <a:rPr lang="es-CO" dirty="0" err="1"/>
+              <a:t>siguente</a:t>
+            </a:r>
+            <a:r>
+              <a:rPr lang="es-CO" dirty="0"/>
+              <a:t> Validaciones y Mejoras</a:t>
+            </a:r>
+          </a:p>
+          <a:p>
+            <a:endParaRPr lang="es-CO" dirty="0"/>
+          </a:p>
+          <a:p>
+            <a:r>
+              <a:rPr lang="es-CO" b="1" dirty="0"/>
+              <a:t>🧠 Análisis propositivo como contexto de arquitectura</a:t>
+            </a:r>
+          </a:p>
+          <a:p>
+            <a:pPr>
+              <a:buFont typeface="Arial" panose="020B0604020202020204" pitchFamily="34" charset="0"/>
+              <a:buChar char="•"/>
+            </a:pPr>
+            <a:r>
+              <a:rPr lang="es-CO" dirty="0"/>
+              <a:t>✅ </a:t>
+            </a:r>
+            <a:r>
+              <a:rPr lang="es-CO" b="1" dirty="0"/>
+              <a:t>Propósito claro:</a:t>
+            </a:r>
+            <a:r>
+              <a:rPr lang="es-CO" dirty="0"/>
+              <a:t> Canal principal de comercialización de la marca.</a:t>
+            </a:r>
+          </a:p>
+          <a:p>
+            <a:pPr>
+              <a:buFont typeface="Arial" panose="020B0604020202020204" pitchFamily="34" charset="0"/>
+              <a:buChar char="•"/>
+            </a:pPr>
+            <a:r>
+              <a:rPr lang="es-CO" dirty="0"/>
+              <a:t>✅ </a:t>
+            </a:r>
+            <a:r>
+              <a:rPr lang="es-CO" b="1" dirty="0"/>
+              <a:t>Diferenciación en experiencia de usuario:</a:t>
+            </a:r>
+            <a:r>
+              <a:rPr lang="es-CO" dirty="0"/>
+              <a:t> Se enfatiza en calidad, exclusividad, detalle, confianza, sofisticación.</a:t>
+            </a:r>
+          </a:p>
+          <a:p>
+            <a:pPr>
+              <a:buFont typeface="Arial" panose="020B0604020202020204" pitchFamily="34" charset="0"/>
+              <a:buChar char="•"/>
+            </a:pPr>
+            <a:r>
+              <a:rPr lang="es-CO" dirty="0"/>
+              <a:t>✅ </a:t>
+            </a:r>
+            <a:r>
+              <a:rPr lang="es-CO" b="1" dirty="0"/>
+              <a:t>Objetivo estratégico definido:</a:t>
+            </a:r>
+            <a:r>
+              <a:rPr lang="es-CO" dirty="0"/>
+              <a:t> Consolidar presencia digital, abrir mercados, fidelizar clientes.</a:t>
+            </a:r>
+          </a:p>
+          <a:p>
+            <a:pPr>
+              <a:buFont typeface="Arial" panose="020B0604020202020204" pitchFamily="34" charset="0"/>
+              <a:buChar char="•"/>
+            </a:pPr>
+            <a:r>
+              <a:rPr lang="es-CO" dirty="0"/>
+              <a:t>⚠️ </a:t>
+            </a:r>
+            <a:r>
+              <a:rPr lang="es-CO" b="1" dirty="0"/>
+              <a:t>Falta de proyección técnica:</a:t>
+            </a:r>
+            <a:r>
+              <a:rPr lang="es-CO" dirty="0"/>
+              <a:t> No se mencionan aspectos tecnológicos, patrones de diseño, ni atributos de calidad como escalabilidad, seguridad, integración, etc.</a:t>
+            </a:r>
+          </a:p>
+          <a:p>
+            <a:pPr>
+              <a:buFont typeface="Arial" panose="020B0604020202020204" pitchFamily="34" charset="0"/>
+              <a:buChar char="•"/>
+            </a:pPr>
+            <a:r>
+              <a:rPr lang="es-CO" dirty="0"/>
+              <a:t>⚠️ </a:t>
+            </a:r>
+            <a:r>
+              <a:rPr lang="es-CO" b="1" dirty="0"/>
+              <a:t>No define entorno de despliegue ni interoperabilidad:</a:t>
+            </a:r>
+            <a:r>
+              <a:rPr lang="es-CO" dirty="0"/>
+              <a:t> ¿Es un SaaS? ¿Se integrará con sistemas ERP o CRM? ¿Multicanal?</a:t>
+            </a:r>
+          </a:p>
+          <a:p>
+            <a:r>
+              <a:rPr lang="es-CO" b="1" dirty="0"/>
+              <a:t>🏁 Redacción sugerida como contexto arquitectónico (lenguaje propositivo):</a:t>
+            </a:r>
+          </a:p>
+          <a:p>
+            <a:r>
+              <a:rPr lang="es-CO" b="1" dirty="0" err="1"/>
+              <a:t>Ecommerce</a:t>
+            </a:r>
+            <a:r>
+              <a:rPr lang="es-CO" b="1" dirty="0"/>
+              <a:t> </a:t>
+            </a:r>
+            <a:r>
+              <a:rPr lang="es-CO" b="1" dirty="0" err="1"/>
+              <a:t>Watches</a:t>
+            </a:r>
+            <a:r>
+              <a:rPr lang="es-CO" dirty="0"/>
+              <a:t> es una plataforma de comercio electrónico especializada en la venta de relojes, concebida como el canal principal de comercialización digital de la marca. Su arquitectura priorizará la </a:t>
+            </a:r>
+            <a:r>
+              <a:rPr lang="es-CO" b="1" dirty="0"/>
+              <a:t>experiencia de usuario premium</a:t>
+            </a:r>
+            <a:r>
+              <a:rPr lang="es-CO" dirty="0"/>
+              <a:t>, con un diseño visual atractivo y flujos de compra optimizados para transmitir valores de </a:t>
+            </a:r>
+            <a:r>
+              <a:rPr lang="es-CO" b="1" dirty="0"/>
+              <a:t>calidad, exclusividad y confianza</a:t>
+            </a:r>
+            <a:r>
+              <a:rPr lang="es-CO" dirty="0"/>
+              <a:t>.</a:t>
+            </a:r>
+          </a:p>
+          <a:p>
+            <a:r>
+              <a:rPr lang="es-CO" dirty="0"/>
+              <a:t>Desde el punto de vista arquitectónico, la solución se implementará como una </a:t>
+            </a:r>
+            <a:r>
+              <a:rPr lang="es-CO" b="1" dirty="0"/>
+              <a:t>plataforma web responsive</a:t>
+            </a:r>
+            <a:r>
+              <a:rPr lang="es-CO" dirty="0"/>
+              <a:t>, con capacidad de integración a sistemas de gestión comercial y logística mediante </a:t>
+            </a:r>
+            <a:r>
+              <a:rPr lang="es-CO" dirty="0" err="1"/>
+              <a:t>APIs</a:t>
+            </a:r>
+            <a:r>
+              <a:rPr lang="es-CO" dirty="0"/>
+              <a:t>, garantizando atributos de calidad como </a:t>
+            </a:r>
+            <a:r>
+              <a:rPr lang="es-CO" b="1" dirty="0"/>
+              <a:t>escalabilidad, seguridad y rendimiento</a:t>
+            </a:r>
+            <a:r>
+              <a:rPr lang="es-CO" dirty="0"/>
+              <a:t>.</a:t>
+            </a:r>
+          </a:p>
+          <a:p>
+            <a:r>
+              <a:rPr lang="es-CO" dirty="0"/>
+              <a:t>El sistema se desplegará en una infraestructura en la nube, permitiendo la expansión hacia nuevos mercados y la creación de relaciones duraderas con los clientes, a través de módulos de personalización, analítica avanzada y soporte </a:t>
+            </a:r>
+            <a:r>
+              <a:rPr lang="es-CO" dirty="0" err="1"/>
+              <a:t>omnicanal</a:t>
+            </a:r>
+            <a:r>
+              <a:rPr lang="es-CO" dirty="0"/>
+              <a:t>.</a:t>
+            </a:r>
+          </a:p>
+          <a:p>
+            <a:r>
+              <a:rPr lang="es-CO" b="1" dirty="0"/>
+              <a:t>📊 Calificación: 3.5 / 5</a:t>
+            </a:r>
+          </a:p>
+          <a:p>
+            <a:r>
+              <a:rPr lang="es-CO" dirty="0"/>
+              <a:t>El texto describe bien el propósito de negocio y la experiencia deseada, pero </a:t>
+            </a:r>
+            <a:r>
+              <a:rPr lang="es-CO" b="1" dirty="0"/>
+              <a:t>carece de proyección arquitectónica</a:t>
+            </a:r>
+            <a:r>
+              <a:rPr lang="es-CO" dirty="0"/>
+              <a:t> en términos técnicos. </a:t>
+            </a:r>
+            <a:r>
+              <a:rPr lang="es-CO"/>
+              <a:t>Se recomienda complementar con lineamientos tecnológicos, atributos de calidad y consideraciones de interoperabilidad.</a:t>
+            </a:r>
+          </a:p>
+          <a:p>
+            <a:endParaRPr lang="es-CO" dirty="0"/>
+          </a:p>
+        </p:txBody>
+      </p:sp>
+      <p:sp>
+        <p:nvSpPr>
+          <p:cNvPr id="4" name="Slide Number Placeholder 3"/>
+          <p:cNvSpPr>
+            <a:spLocks noGrp="1"/>
+          </p:cNvSpPr>
+          <p:nvPr>
+            <p:ph type="sldNum" sz="quarter" idx="5"/>
+          </p:nvPr>
+        </p:nvSpPr>
+        <p:spPr/>
+        <p:txBody>
+          <a:bodyPr/>
+          <a:lstStyle/>
+          <a:p>
+            <a:fld id="{7F48469B-5450-4C5A-8F04-34D3B29475F2}" type="slidenum">
+              <a:rPr lang="es-CO" smtClean="0"/>
+              <a:t>3</a:t>
+            </a:fld>
+            <a:endParaRPr lang="es-CO"/>
+          </a:p>
+        </p:txBody>
+      </p:sp>
+    </p:spTree>
+    <p:extLst>
+      <p:ext uri="{BB962C8B-B14F-4D97-AF65-F5344CB8AC3E}">
+        <p14:creationId xmlns:p14="http://schemas.microsoft.com/office/powerpoint/2010/main" val="750964004"/>
+      </p:ext>
+    </p:extLst>
+  </p:cSld>
+  <p:clrMapOvr>
+    <a:masterClrMapping/>
+  </p:clrMapOvr>
+</p:notes>
 </file>
 
 <file path=ppt/slideLayouts/slideLayout1.xml><?xml version="1.0" encoding="utf-8"?>
@@ -767,7 +1433,7 @@
           <a:p>
             <a:fld id="{CA7562F1-D84A-4873-AB67-5B203484F720}" type="datetimeFigureOut">
               <a:rPr lang="es-CO" smtClean="0"/>
-              <a:t>20/04/2025</a:t>
+              <a:t>12/05/2025</a:t>
             </a:fld>
             <a:endParaRPr lang="es-CO"/>
           </a:p>
@@ -869,7 +1535,7 @@
           <a:p>
             <a:fld id="{918510DC-091E-4C75-92A5-18A9DCB0D1B4}" type="slidenum">
               <a:rPr lang="es-CO" smtClean="0"/>
-              <a:t>‹Nº›</a:t>
+              <a:t>‹#›</a:t>
             </a:fld>
             <a:endParaRPr lang="es-CO"/>
           </a:p>
@@ -1887,7 +2553,7 @@
           <a:p>
             <a:fld id="{CA7562F1-D84A-4873-AB67-5B203484F720}" type="datetimeFigureOut">
               <a:rPr lang="es-CO" smtClean="0"/>
-              <a:t>20/04/2025</a:t>
+              <a:t>12/05/2025</a:t>
             </a:fld>
             <a:endParaRPr lang="es-CO"/>
           </a:p>
@@ -1965,7 +2631,7 @@
           <a:p>
             <a:fld id="{918510DC-091E-4C75-92A5-18A9DCB0D1B4}" type="slidenum">
               <a:rPr lang="es-CO" smtClean="0"/>
-              <a:t>‹Nº›</a:t>
+              <a:t>‹#›</a:t>
             </a:fld>
             <a:endParaRPr lang="es-CO"/>
           </a:p>
@@ -2898,7 +3564,7 @@
           <a:p>
             <a:fld id="{CA7562F1-D84A-4873-AB67-5B203484F720}" type="datetimeFigureOut">
               <a:rPr lang="es-CO" smtClean="0"/>
-              <a:t>20/04/2025</a:t>
+              <a:t>12/05/2025</a:t>
             </a:fld>
             <a:endParaRPr lang="es-CO"/>
           </a:p>
@@ -2976,7 +3642,7 @@
           <a:p>
             <a:fld id="{918510DC-091E-4C75-92A5-18A9DCB0D1B4}" type="slidenum">
               <a:rPr lang="es-CO" smtClean="0"/>
-              <a:t>‹Nº›</a:t>
+              <a:t>‹#›</a:t>
             </a:fld>
             <a:endParaRPr lang="es-CO"/>
           </a:p>
@@ -4068,7 +4734,7 @@
           <a:p>
             <a:fld id="{CA7562F1-D84A-4873-AB67-5B203484F720}" type="datetimeFigureOut">
               <a:rPr lang="es-CO" smtClean="0"/>
-              <a:t>20/04/2025</a:t>
+              <a:t>12/05/2025</a:t>
             </a:fld>
             <a:endParaRPr lang="es-CO"/>
           </a:p>
@@ -4146,7 +4812,7 @@
           <a:p>
             <a:fld id="{918510DC-091E-4C75-92A5-18A9DCB0D1B4}" type="slidenum">
               <a:rPr lang="es-CO" smtClean="0"/>
-              <a:t>‹Nº›</a:t>
+              <a:t>‹#›</a:t>
             </a:fld>
             <a:endParaRPr lang="es-CO"/>
           </a:p>
@@ -5129,7 +5795,7 @@
           <a:p>
             <a:fld id="{CA7562F1-D84A-4873-AB67-5B203484F720}" type="datetimeFigureOut">
               <a:rPr lang="es-CO" smtClean="0"/>
-              <a:t>20/04/2025</a:t>
+              <a:t>12/05/2025</a:t>
             </a:fld>
             <a:endParaRPr lang="es-CO"/>
           </a:p>
@@ -5207,7 +5873,7 @@
           <a:p>
             <a:fld id="{918510DC-091E-4C75-92A5-18A9DCB0D1B4}" type="slidenum">
               <a:rPr lang="es-CO" smtClean="0"/>
-              <a:t>‹Nº›</a:t>
+              <a:t>‹#›</a:t>
             </a:fld>
             <a:endParaRPr lang="es-CO"/>
           </a:p>
@@ -5775,7 +6441,7 @@
           <a:p>
             <a:fld id="{CA7562F1-D84A-4873-AB67-5B203484F720}" type="datetimeFigureOut">
               <a:rPr lang="es-CO" smtClean="0"/>
-              <a:t>20/04/2025</a:t>
+              <a:t>12/05/2025</a:t>
             </a:fld>
             <a:endParaRPr lang="es-CO"/>
           </a:p>
@@ -5817,7 +6483,7 @@
           <a:p>
             <a:fld id="{918510DC-091E-4C75-92A5-18A9DCB0D1B4}" type="slidenum">
               <a:rPr lang="es-CO" smtClean="0"/>
-              <a:t>‹Nº›</a:t>
+              <a:t>‹#›</a:t>
             </a:fld>
             <a:endParaRPr lang="es-CO"/>
           </a:p>
@@ -6622,7 +7288,7 @@
           <a:p>
             <a:fld id="{CA7562F1-D84A-4873-AB67-5B203484F720}" type="datetimeFigureOut">
               <a:rPr lang="es-CO" smtClean="0"/>
-              <a:t>20/04/2025</a:t>
+              <a:t>12/05/2025</a:t>
             </a:fld>
             <a:endParaRPr lang="es-CO"/>
           </a:p>
@@ -6664,7 +7330,7 @@
           <a:p>
             <a:fld id="{918510DC-091E-4C75-92A5-18A9DCB0D1B4}" type="slidenum">
               <a:rPr lang="es-CO" smtClean="0"/>
-              <a:t>‹Nº›</a:t>
+              <a:t>‹#›</a:t>
             </a:fld>
             <a:endParaRPr lang="es-CO"/>
           </a:p>
@@ -6797,7 +7463,7 @@
           <a:p>
             <a:fld id="{CA7562F1-D84A-4873-AB67-5B203484F720}" type="datetimeFigureOut">
               <a:rPr lang="es-CO" smtClean="0"/>
-              <a:t>20/04/2025</a:t>
+              <a:t>12/05/2025</a:t>
             </a:fld>
             <a:endParaRPr lang="es-CO"/>
           </a:p>
@@ -6839,7 +7505,7 @@
           <a:p>
             <a:fld id="{918510DC-091E-4C75-92A5-18A9DCB0D1B4}" type="slidenum">
               <a:rPr lang="es-CO" smtClean="0"/>
-              <a:t>‹Nº›</a:t>
+              <a:t>‹#›</a:t>
             </a:fld>
             <a:endParaRPr lang="es-CO"/>
           </a:p>
@@ -7795,7 +8461,7 @@
           <a:p>
             <a:fld id="{CA7562F1-D84A-4873-AB67-5B203484F720}" type="datetimeFigureOut">
               <a:rPr lang="es-CO" smtClean="0"/>
-              <a:t>20/04/2025</a:t>
+              <a:t>12/05/2025</a:t>
             </a:fld>
             <a:endParaRPr lang="es-CO"/>
           </a:p>
@@ -7873,7 +8539,7 @@
           <a:p>
             <a:fld id="{918510DC-091E-4C75-92A5-18A9DCB0D1B4}" type="slidenum">
               <a:rPr lang="es-CO" smtClean="0"/>
-              <a:t>‹Nº›</a:t>
+              <a:t>‹#›</a:t>
             </a:fld>
             <a:endParaRPr lang="es-CO"/>
           </a:p>
@@ -8001,7 +8667,7 @@
           <a:p>
             <a:fld id="{CA7562F1-D84A-4873-AB67-5B203484F720}" type="datetimeFigureOut">
               <a:rPr lang="es-CO" smtClean="0"/>
-              <a:t>20/04/2025</a:t>
+              <a:t>12/05/2025</a:t>
             </a:fld>
             <a:endParaRPr lang="es-CO"/>
           </a:p>
@@ -8043,7 +8709,7 @@
           <a:p>
             <a:fld id="{918510DC-091E-4C75-92A5-18A9DCB0D1B4}" type="slidenum">
               <a:rPr lang="es-CO" smtClean="0"/>
-              <a:t>‹Nº›</a:t>
+              <a:t>‹#›</a:t>
             </a:fld>
             <a:endParaRPr lang="es-CO"/>
           </a:p>
@@ -9063,7 +9729,7 @@
           <a:p>
             <a:fld id="{CA7562F1-D84A-4873-AB67-5B203484F720}" type="datetimeFigureOut">
               <a:rPr lang="es-CO" smtClean="0"/>
-              <a:t>20/04/2025</a:t>
+              <a:t>12/05/2025</a:t>
             </a:fld>
             <a:endParaRPr lang="es-CO"/>
           </a:p>
@@ -9141,7 +9807,7 @@
           <a:p>
             <a:fld id="{918510DC-091E-4C75-92A5-18A9DCB0D1B4}" type="slidenum">
               <a:rPr lang="es-CO" smtClean="0"/>
-              <a:t>‹Nº›</a:t>
+              <a:t>‹#›</a:t>
             </a:fld>
             <a:endParaRPr lang="es-CO"/>
           </a:p>
@@ -9335,7 +10001,7 @@
           <a:p>
             <a:fld id="{CA7562F1-D84A-4873-AB67-5B203484F720}" type="datetimeFigureOut">
               <a:rPr lang="es-CO" smtClean="0"/>
-              <a:t>20/04/2025</a:t>
+              <a:t>12/05/2025</a:t>
             </a:fld>
             <a:endParaRPr lang="es-CO"/>
           </a:p>
@@ -9377,7 +10043,7 @@
           <a:p>
             <a:fld id="{918510DC-091E-4C75-92A5-18A9DCB0D1B4}" type="slidenum">
               <a:rPr lang="es-CO" smtClean="0"/>
-              <a:t>‹Nº›</a:t>
+              <a:t>‹#›</a:t>
             </a:fld>
             <a:endParaRPr lang="es-CO"/>
           </a:p>
@@ -9717,7 +10383,7 @@
           <a:p>
             <a:fld id="{CA7562F1-D84A-4873-AB67-5B203484F720}" type="datetimeFigureOut">
               <a:rPr lang="es-CO" smtClean="0"/>
-              <a:t>20/04/2025</a:t>
+              <a:t>12/05/2025</a:t>
             </a:fld>
             <a:endParaRPr lang="es-CO"/>
           </a:p>
@@ -9759,7 +10425,7 @@
           <a:p>
             <a:fld id="{918510DC-091E-4C75-92A5-18A9DCB0D1B4}" type="slidenum">
               <a:rPr lang="es-CO" smtClean="0"/>
-              <a:t>‹Nº›</a:t>
+              <a:t>‹#›</a:t>
             </a:fld>
             <a:endParaRPr lang="es-CO"/>
           </a:p>
@@ -9835,7 +10501,7 @@
           <a:p>
             <a:fld id="{CA7562F1-D84A-4873-AB67-5B203484F720}" type="datetimeFigureOut">
               <a:rPr lang="es-CO" smtClean="0"/>
-              <a:t>20/04/2025</a:t>
+              <a:t>12/05/2025</a:t>
             </a:fld>
             <a:endParaRPr lang="es-CO"/>
           </a:p>
@@ -9877,7 +10543,7 @@
           <a:p>
             <a:fld id="{918510DC-091E-4C75-92A5-18A9DCB0D1B4}" type="slidenum">
               <a:rPr lang="es-CO" smtClean="0"/>
-              <a:t>‹Nº›</a:t>
+              <a:t>‹#›</a:t>
             </a:fld>
             <a:endParaRPr lang="es-CO"/>
           </a:p>
@@ -9930,7 +10596,7 @@
           <a:p>
             <a:fld id="{CA7562F1-D84A-4873-AB67-5B203484F720}" type="datetimeFigureOut">
               <a:rPr lang="es-CO" smtClean="0"/>
-              <a:t>20/04/2025</a:t>
+              <a:t>12/05/2025</a:t>
             </a:fld>
             <a:endParaRPr lang="es-CO"/>
           </a:p>
@@ -10008,7 +10674,7 @@
           <a:p>
             <a:fld id="{918510DC-091E-4C75-92A5-18A9DCB0D1B4}" type="slidenum">
               <a:rPr lang="es-CO" smtClean="0"/>
-              <a:t>‹Nº›</a:t>
+              <a:t>‹#›</a:t>
             </a:fld>
             <a:endParaRPr lang="es-CO"/>
           </a:p>
@@ -11039,7 +11705,7 @@
           <a:p>
             <a:fld id="{CA7562F1-D84A-4873-AB67-5B203484F720}" type="datetimeFigureOut">
               <a:rPr lang="es-CO" smtClean="0"/>
-              <a:t>20/04/2025</a:t>
+              <a:t>12/05/2025</a:t>
             </a:fld>
             <a:endParaRPr lang="es-CO"/>
           </a:p>
@@ -11117,7 +11783,7 @@
           <a:p>
             <a:fld id="{918510DC-091E-4C75-92A5-18A9DCB0D1B4}" type="slidenum">
               <a:rPr lang="es-CO" smtClean="0"/>
-              <a:t>‹Nº›</a:t>
+              <a:t>‹#›</a:t>
             </a:fld>
             <a:endParaRPr lang="es-CO"/>
           </a:p>
@@ -12172,7 +12838,7 @@
           <a:p>
             <a:fld id="{CA7562F1-D84A-4873-AB67-5B203484F720}" type="datetimeFigureOut">
               <a:rPr lang="es-CO" smtClean="0"/>
-              <a:t>20/04/2025</a:t>
+              <a:t>12/05/2025</a:t>
             </a:fld>
             <a:endParaRPr lang="es-CO"/>
           </a:p>
@@ -12250,7 +12916,7 @@
           <a:p>
             <a:fld id="{918510DC-091E-4C75-92A5-18A9DCB0D1B4}" type="slidenum">
               <a:rPr lang="es-CO" smtClean="0"/>
-              <a:t>‹Nº›</a:t>
+              <a:t>‹#›</a:t>
             </a:fld>
             <a:endParaRPr lang="es-CO"/>
           </a:p>
@@ -13200,7 +13866,7 @@
           <a:p>
             <a:fld id="{CA7562F1-D84A-4873-AB67-5B203484F720}" type="datetimeFigureOut">
               <a:rPr lang="es-CO" smtClean="0"/>
-              <a:t>20/04/2025</a:t>
+              <a:t>12/05/2025</a:t>
             </a:fld>
             <a:endParaRPr lang="es-CO"/>
           </a:p>
@@ -13312,7 +13978,7 @@
           <a:p>
             <a:fld id="{918510DC-091E-4C75-92A5-18A9DCB0D1B4}" type="slidenum">
               <a:rPr lang="es-CO" smtClean="0"/>
-              <a:t>‹Nº›</a:t>
+              <a:t>‹#›</a:t>
             </a:fld>
             <a:endParaRPr lang="es-CO"/>
           </a:p>
@@ -15780,7 +16446,7 @@
           <p:nvPr/>
         </p:nvPicPr>
         <p:blipFill>
-          <a:blip r:embed="rId2">
+          <a:blip r:embed="rId3">
             <a:extLst>
               <a:ext uri="{28A0092B-C50C-407E-A947-70E740481C1C}">
                 <a14:useLocalDpi xmlns:a14="http://schemas.microsoft.com/office/drawing/2010/main" val="0"/>
@@ -19726,4 +20392,299 @@
     </a:ext>
   </a:extLst>
 </a:theme>
+</file>
+
+<file path=ppt/theme/theme2.xml><?xml version="1.0" encoding="utf-8"?>
+<a:theme xmlns:a="http://schemas.openxmlformats.org/drawingml/2006/main" name="Office Theme">
+  <a:themeElements>
+    <a:clrScheme name="Office">
+      <a:dk1>
+        <a:sysClr val="windowText" lastClr="000000"/>
+      </a:dk1>
+      <a:lt1>
+        <a:sysClr val="window" lastClr="FFFFFF"/>
+      </a:lt1>
+      <a:dk2>
+        <a:srgbClr val="44546A"/>
+      </a:dk2>
+      <a:lt2>
+        <a:srgbClr val="E7E6E6"/>
+      </a:lt2>
+      <a:accent1>
+        <a:srgbClr val="4472C4"/>
+      </a:accent1>
+      <a:accent2>
+        <a:srgbClr val="ED7D31"/>
+      </a:accent2>
+      <a:accent3>
+        <a:srgbClr val="A5A5A5"/>
+      </a:accent3>
+      <a:accent4>
+        <a:srgbClr val="FFC000"/>
+      </a:accent4>
+      <a:accent5>
+        <a:srgbClr val="5B9BD5"/>
+      </a:accent5>
+      <a:accent6>
+        <a:srgbClr val="70AD47"/>
+      </a:accent6>
+      <a:hlink>
+        <a:srgbClr val="0563C1"/>
+      </a:hlink>
+      <a:folHlink>
+        <a:srgbClr val="954F72"/>
+      </a:folHlink>
+    </a:clrScheme>
+    <a:fontScheme name="Office">
+      <a:majorFont>
+        <a:latin typeface="Calibri Light" panose="020F0302020204030204"/>
+        <a:ea typeface=""/>
+        <a:cs typeface=""/>
+        <a:font script="Jpan" typeface="游ゴシック Light"/>
+        <a:font script="Hang" typeface="맑은 고딕"/>
+        <a:font script="Hans" typeface="等线 Light"/>
+        <a:font script="Hant" typeface="新細明體"/>
+        <a:font script="Arab" typeface="Times New Roman"/>
+        <a:font script="Hebr" typeface="Times New Roman"/>
+        <a:font script="Thai" typeface="Angsana New"/>
+        <a:font script="Ethi" typeface="Nyala"/>
+        <a:font script="Beng" typeface="Vrinda"/>
+        <a:font script="Gujr" typeface="Shruti"/>
+        <a:font script="Khmr" typeface="MoolBoran"/>
+        <a:font script="Knda" typeface="Tunga"/>
+        <a:font script="Guru" typeface="Raavi"/>
+        <a:font script="Cans" typeface="Euphemia"/>
+        <a:font script="Cher" typeface="Plantagenet Cherokee"/>
+        <a:font script="Yiii" typeface="Microsoft Yi Baiti"/>
+        <a:font script="Tibt" typeface="Microsoft Himalaya"/>
+        <a:font script="Thaa" typeface="MV Boli"/>
+        <a:font script="Deva" typeface="Mangal"/>
+        <a:font script="Telu" typeface="Gautami"/>
+        <a:font script="Taml" typeface="Latha"/>
+        <a:font script="Syrc" typeface="Estrangelo Edessa"/>
+        <a:font script="Orya" typeface="Kalinga"/>
+        <a:font script="Mlym" typeface="Kartika"/>
+        <a:font script="Laoo" typeface="DokChampa"/>
+        <a:font script="Sinh" typeface="Iskoola Pota"/>
+        <a:font script="Mong" typeface="Mongolian Baiti"/>
+        <a:font script="Viet" typeface="Times New Roman"/>
+        <a:font script="Uigh" typeface="Microsoft Uighur"/>
+        <a:font script="Geor" typeface="Sylfaen"/>
+        <a:font script="Armn" typeface="Arial"/>
+        <a:font script="Bugi" typeface="Leelawadee UI"/>
+        <a:font script="Bopo" typeface="Microsoft JhengHei"/>
+        <a:font script="Java" typeface="Javanese Text"/>
+        <a:font script="Lisu" typeface="Segoe UI"/>
+        <a:font script="Mymr" typeface="Myanmar Text"/>
+        <a:font script="Nkoo" typeface="Ebrima"/>
+        <a:font script="Olck" typeface="Nirmala UI"/>
+        <a:font script="Osma" typeface="Ebrima"/>
+        <a:font script="Phag" typeface="Phagspa"/>
+        <a:font script="Syrn" typeface="Estrangelo Edessa"/>
+        <a:font script="Syrj" typeface="Estrangelo Edessa"/>
+        <a:font script="Syre" typeface="Estrangelo Edessa"/>
+        <a:font script="Sora" typeface="Nirmala UI"/>
+        <a:font script="Tale" typeface="Microsoft Tai Le"/>
+        <a:font script="Talu" typeface="Microsoft New Tai Lue"/>
+        <a:font script="Tfng" typeface="Ebrima"/>
+      </a:majorFont>
+      <a:minorFont>
+        <a:latin typeface="Calibri" panose="020F0502020204030204"/>
+        <a:ea typeface=""/>
+        <a:cs typeface=""/>
+        <a:font script="Jpan" typeface="游ゴシック"/>
+        <a:font script="Hang" typeface="맑은 고딕"/>
+        <a:font script="Hans" typeface="等线"/>
+        <a:font script="Hant" typeface="新細明體"/>
+        <a:font script="Arab" typeface="Arial"/>
+        <a:font script="Hebr" typeface="Arial"/>
+        <a:font script="Thai" typeface="Cordia New"/>
+        <a:font script="Ethi" typeface="Nyala"/>
+        <a:font script="Beng" typeface="Vrinda"/>
+        <a:font script="Gujr" typeface="Shruti"/>
+        <a:font script="Khmr" typeface="DaunPenh"/>
+        <a:font script="Knda" typeface="Tunga"/>
+        <a:font script="Guru" typeface="Raavi"/>
+        <a:font script="Cans" typeface="Euphemia"/>
+        <a:font script="Cher" typeface="Plantagenet Cherokee"/>
+        <a:font script="Yiii" typeface="Microsoft Yi Baiti"/>
+        <a:font script="Tibt" typeface="Microsoft Himalaya"/>
+        <a:font script="Thaa" typeface="MV Boli"/>
+        <a:font script="Deva" typeface="Mangal"/>
+        <a:font script="Telu" typeface="Gautami"/>
+        <a:font script="Taml" typeface="Latha"/>
+        <a:font script="Syrc" typeface="Estrangelo Edessa"/>
+        <a:font script="Orya" typeface="Kalinga"/>
+        <a:font script="Mlym" typeface="Kartika"/>
+        <a:font script="Laoo" typeface="DokChampa"/>
+        <a:font script="Sinh" typeface="Iskoola Pota"/>
+        <a:font script="Mong" typeface="Mongolian Baiti"/>
+        <a:font script="Viet" typeface="Arial"/>
+        <a:font script="Uigh" typeface="Microsoft Uighur"/>
+        <a:font script="Geor" typeface="Sylfaen"/>
+        <a:font script="Armn" typeface="Arial"/>
+        <a:font script="Bugi" typeface="Leelawadee UI"/>
+        <a:font script="Bopo" typeface="Microsoft JhengHei"/>
+        <a:font script="Java" typeface="Javanese Text"/>
+        <a:font script="Lisu" typeface="Segoe UI"/>
+        <a:font script="Mymr" typeface="Myanmar Text"/>
+        <a:font script="Nkoo" typeface="Ebrima"/>
+        <a:font script="Olck" typeface="Nirmala UI"/>
+        <a:font script="Osma" typeface="Ebrima"/>
+        <a:font script="Phag" typeface="Phagspa"/>
+        <a:font script="Syrn" typeface="Estrangelo Edessa"/>
+        <a:font script="Syrj" typeface="Estrangelo Edessa"/>
+        <a:font script="Syre" typeface="Estrangelo Edessa"/>
+        <a:font script="Sora" typeface="Nirmala UI"/>
+        <a:font script="Tale" typeface="Microsoft Tai Le"/>
+        <a:font script="Talu" typeface="Microsoft New Tai Lue"/>
+        <a:font script="Tfng" typeface="Ebrima"/>
+      </a:minorFont>
+    </a:fontScheme>
+    <a:fmtScheme name="Office">
+      <a:fillStyleLst>
+        <a:solidFill>
+          <a:schemeClr val="phClr"/>
+        </a:solidFill>
+        <a:gradFill rotWithShape="1">
+          <a:gsLst>
+            <a:gs pos="0">
+              <a:schemeClr val="phClr">
+                <a:lumMod val="110000"/>
+                <a:satMod val="105000"/>
+                <a:tint val="67000"/>
+              </a:schemeClr>
+            </a:gs>
+            <a:gs pos="50000">
+              <a:schemeClr val="phClr">
+                <a:lumMod val="105000"/>
+                <a:satMod val="103000"/>
+                <a:tint val="73000"/>
+              </a:schemeClr>
+            </a:gs>
+            <a:gs pos="100000">
+              <a:schemeClr val="phClr">
+                <a:lumMod val="105000"/>
+                <a:satMod val="109000"/>
+                <a:tint val="81000"/>
+              </a:schemeClr>
+            </a:gs>
+          </a:gsLst>
+          <a:lin ang="5400000" scaled="0"/>
+        </a:gradFill>
+        <a:gradFill rotWithShape="1">
+          <a:gsLst>
+            <a:gs pos="0">
+              <a:schemeClr val="phClr">
+                <a:satMod val="103000"/>
+                <a:lumMod val="102000"/>
+                <a:tint val="94000"/>
+              </a:schemeClr>
+            </a:gs>
+            <a:gs pos="50000">
+              <a:schemeClr val="phClr">
+                <a:satMod val="110000"/>
+                <a:lumMod val="100000"/>
+                <a:shade val="100000"/>
+              </a:schemeClr>
+            </a:gs>
+            <a:gs pos="100000">
+              <a:schemeClr val="phClr">
+                <a:lumMod val="99000"/>
+                <a:satMod val="120000"/>
+                <a:shade val="78000"/>
+              </a:schemeClr>
+            </a:gs>
+          </a:gsLst>
+          <a:lin ang="5400000" scaled="0"/>
+        </a:gradFill>
+      </a:fillStyleLst>
+      <a:lnStyleLst>
+        <a:ln w="6350" cap="flat" cmpd="sng" algn="ctr">
+          <a:solidFill>
+            <a:schemeClr val="phClr"/>
+          </a:solidFill>
+          <a:prstDash val="solid"/>
+          <a:miter lim="800000"/>
+        </a:ln>
+        <a:ln w="12700" cap="flat" cmpd="sng" algn="ctr">
+          <a:solidFill>
+            <a:schemeClr val="phClr"/>
+          </a:solidFill>
+          <a:prstDash val="solid"/>
+          <a:miter lim="800000"/>
+        </a:ln>
+        <a:ln w="19050" cap="flat" cmpd="sng" algn="ctr">
+          <a:solidFill>
+            <a:schemeClr val="phClr"/>
+          </a:solidFill>
+          <a:prstDash val="solid"/>
+          <a:miter lim="800000"/>
+        </a:ln>
+      </a:lnStyleLst>
+      <a:effectStyleLst>
+        <a:effectStyle>
+          <a:effectLst/>
+        </a:effectStyle>
+        <a:effectStyle>
+          <a:effectLst/>
+        </a:effectStyle>
+        <a:effectStyle>
+          <a:effectLst>
+            <a:outerShdw blurRad="57150" dist="19050" dir="5400000" algn="ctr" rotWithShape="0">
+              <a:srgbClr val="000000">
+                <a:alpha val="63000"/>
+              </a:srgbClr>
+            </a:outerShdw>
+          </a:effectLst>
+        </a:effectStyle>
+      </a:effectStyleLst>
+      <a:bgFillStyleLst>
+        <a:solidFill>
+          <a:schemeClr val="phClr"/>
+        </a:solidFill>
+        <a:solidFill>
+          <a:schemeClr val="phClr">
+            <a:tint val="95000"/>
+            <a:satMod val="170000"/>
+          </a:schemeClr>
+        </a:solidFill>
+        <a:gradFill rotWithShape="1">
+          <a:gsLst>
+            <a:gs pos="0">
+              <a:schemeClr val="phClr">
+                <a:tint val="93000"/>
+                <a:satMod val="150000"/>
+                <a:shade val="98000"/>
+                <a:lumMod val="102000"/>
+              </a:schemeClr>
+            </a:gs>
+            <a:gs pos="50000">
+              <a:schemeClr val="phClr">
+                <a:tint val="98000"/>
+                <a:satMod val="130000"/>
+                <a:shade val="90000"/>
+                <a:lumMod val="103000"/>
+              </a:schemeClr>
+            </a:gs>
+            <a:gs pos="100000">
+              <a:schemeClr val="phClr">
+                <a:shade val="63000"/>
+                <a:satMod val="120000"/>
+              </a:schemeClr>
+            </a:gs>
+          </a:gsLst>
+          <a:lin ang="5400000" scaled="0"/>
+        </a:gradFill>
+      </a:bgFillStyleLst>
+    </a:fmtScheme>
+  </a:themeElements>
+  <a:objectDefaults/>
+  <a:extraClrSchemeLst/>
+  <a:extLst>
+    <a:ext uri="{05A4C25C-085E-4340-85A3-A5531E510DB2}">
+      <thm15:themeFamily xmlns:thm15="http://schemas.microsoft.com/office/thememl/2012/main" name="Office Theme" id="{62F939B6-93AF-4DB8-9C6B-D6C7DFDC589F}" vid="{4A3C46E8-61CC-4603-A589-7422A47A8E4A}"/>
+    </a:ext>
+  </a:extLst>
+</a:theme>
 </file>